--- a/Project Release Plan.pptx
+++ b/Project Release Plan.pptx
@@ -2,18 +2,21 @@
 <file path=ppt/presentation.xml><?xml version="1.0" encoding="utf-8"?>
 <p:presentation xmlns:a="http://schemas.openxmlformats.org/drawingml/2006/main" xmlns:r="http://schemas.openxmlformats.org/officeDocument/2006/relationships" xmlns:mc="http://schemas.openxmlformats.org/markup-compatibility/2006" xmlns:mv="urn:schemas-microsoft-com:mac:vml" xmlns:p="http://schemas.openxmlformats.org/presentationml/2006/main" xmlns:c="http://schemas.openxmlformats.org/drawingml/2006/chart" xmlns:dgm="http://schemas.openxmlformats.org/drawingml/2006/diagram" xmlns:o="urn:schemas-microsoft-com:office:office" xmlns:v="urn:schemas-microsoft-com:vml" xmlns:pvml="urn:schemas-microsoft-com:office:powerpoint" xmlns:com="http://schemas.openxmlformats.org/drawingml/2006/compatibility" xmlns:p14="http://schemas.microsoft.com/office/powerpoint/2010/main" xmlns:p15="http://schemas.microsoft.com/office/powerpoint/2012/main" autoCompressPictures="0" strictFirstAndLastChars="0" saveSubsetFonts="1">
   <p:sldMasterIdLst>
-    <p:sldMasterId id="2147483659" r:id="rId3"/>
+    <p:sldMasterId id="2147483659" r:id="rId4"/>
   </p:sldMasterIdLst>
   <p:notesMasterIdLst>
-    <p:notesMasterId r:id="rId4"/>
+    <p:notesMasterId r:id="rId5"/>
   </p:notesMasterIdLst>
   <p:sldIdLst>
-    <p:sldId id="256" r:id="rId5"/>
-    <p:sldId id="257" r:id="rId6"/>
-    <p:sldId id="258" r:id="rId7"/>
-    <p:sldId id="259" r:id="rId8"/>
-    <p:sldId id="260" r:id="rId9"/>
-    <p:sldId id="261" r:id="rId10"/>
+    <p:sldId id="256" r:id="rId6"/>
+    <p:sldId id="257" r:id="rId7"/>
+    <p:sldId id="258" r:id="rId8"/>
+    <p:sldId id="259" r:id="rId9"/>
+    <p:sldId id="260" r:id="rId10"/>
+    <p:sldId id="261" r:id="rId11"/>
+    <p:sldId id="262" r:id="rId12"/>
+    <p:sldId id="263" r:id="rId13"/>
+    <p:sldId id="264" r:id="rId14"/>
   </p:sldIdLst>
   <p:sldSz cy="6858000" cx="9144000"/>
   <p:notesSz cx="7010400" cy="9296400"/>
@@ -727,7 +730,7 @@
   <p:cSld>
     <p:spTree>
       <p:nvGrpSpPr>
-        <p:cNvPr id="108" name="Shape 108"/>
+        <p:cNvPr id="109" name="Shape 109"/>
         <p:cNvGrpSpPr/>
         <p:nvPr/>
       </p:nvGrpSpPr>
@@ -741,7 +744,313 @@
       </p:grpSpPr>
       <p:sp>
         <p:nvSpPr>
-          <p:cNvPr id="109" name="Shape 109"/>
+          <p:cNvPr id="110" name="Shape 110"/>
+          <p:cNvSpPr txBox="1"/>
+          <p:nvPr>
+            <p:ph idx="1" type="body"/>
+          </p:nvPr>
+        </p:nvSpPr>
+        <p:spPr>
+          <a:xfrm>
+            <a:off x="701025" y="4415775"/>
+            <a:ext cx="5608200" cy="4183500"/>
+          </a:xfrm>
+          <a:prstGeom prst="rect">
+            <a:avLst/>
+          </a:prstGeom>
+          <a:noFill/>
+          <a:ln>
+            <a:noFill/>
+          </a:ln>
+        </p:spPr>
+        <p:txBody>
+          <a:bodyPr anchorCtr="0" anchor="ctr" bIns="91425" lIns="91425" spcFirstLastPara="1" rIns="91425" wrap="square" tIns="91425">
+            <a:noAutofit/>
+          </a:bodyPr>
+          <a:lstStyle/>
+          <a:p>
+            <a:pPr indent="0" lvl="0" marL="0" rtl="0">
+              <a:spcBef>
+                <a:spcPts val="0"/>
+              </a:spcBef>
+              <a:spcAft>
+                <a:spcPts val="0"/>
+              </a:spcAft>
+              <a:buNone/>
+            </a:pPr>
+            <a:r>
+              <a:t/>
+            </a:r>
+            <a:endParaRPr/>
+          </a:p>
+        </p:txBody>
+      </p:sp>
+      <p:sp>
+        <p:nvSpPr>
+          <p:cNvPr id="111" name="Shape 111"/>
+          <p:cNvSpPr/>
+          <p:nvPr>
+            <p:ph idx="2" type="sldImg"/>
+          </p:nvPr>
+        </p:nvSpPr>
+        <p:spPr>
+          <a:xfrm>
+            <a:off x="1168625" y="697225"/>
+            <a:ext cx="4673700" cy="3486300"/>
+          </a:xfrm>
+          <a:custGeom>
+            <a:pathLst>
+              <a:path extrusionOk="0" h="120000" w="120000">
+                <a:moveTo>
+                  <a:pt x="0" y="0"/>
+                </a:moveTo>
+                <a:lnTo>
+                  <a:pt x="120000" y="0"/>
+                </a:lnTo>
+                <a:lnTo>
+                  <a:pt x="120000" y="120000"/>
+                </a:lnTo>
+                <a:lnTo>
+                  <a:pt x="0" y="120000"/>
+                </a:lnTo>
+                <a:close/>
+              </a:path>
+            </a:pathLst>
+          </a:custGeom>
+        </p:spPr>
+      </p:sp>
+    </p:spTree>
+  </p:cSld>
+  <p:clrMapOvr>
+    <a:masterClrMapping/>
+  </p:clrMapOvr>
+</p:notes>
+</file>
+
+<file path=ppt/notesSlides/notesSlide5.xml><?xml version="1.0" encoding="utf-8"?>
+<p:notes xmlns:a="http://schemas.openxmlformats.org/drawingml/2006/main" xmlns:r="http://schemas.openxmlformats.org/officeDocument/2006/relationships" xmlns:mc="http://schemas.openxmlformats.org/markup-compatibility/2006" xmlns:mv="urn:schemas-microsoft-com:mac:vml" xmlns:p="http://schemas.openxmlformats.org/presentationml/2006/main" xmlns:c="http://schemas.openxmlformats.org/drawingml/2006/chart" xmlns:dgm="http://schemas.openxmlformats.org/drawingml/2006/diagram" xmlns:o="urn:schemas-microsoft-com:office:office" xmlns:v="urn:schemas-microsoft-com:vml" xmlns:pvml="urn:schemas-microsoft-com:office:powerpoint" xmlns:com="http://schemas.openxmlformats.org/drawingml/2006/compatibility" xmlns:p14="http://schemas.microsoft.com/office/powerpoint/2010/main" xmlns:p15="http://schemas.microsoft.com/office/powerpoint/2012/main" showMasterPhAnim="0" showMasterSp="0">
+  <p:cSld>
+    <p:spTree>
+      <p:nvGrpSpPr>
+        <p:cNvPr id="119" name="Shape 119"/>
+        <p:cNvGrpSpPr/>
+        <p:nvPr/>
+      </p:nvGrpSpPr>
+      <p:grpSpPr>
+        <a:xfrm>
+          <a:off x="0" y="0"/>
+          <a:ext cx="0" cy="0"/>
+          <a:chOff x="0" y="0"/>
+          <a:chExt cx="0" cy="0"/>
+        </a:xfrm>
+      </p:grpSpPr>
+      <p:sp>
+        <p:nvSpPr>
+          <p:cNvPr id="120" name="Shape 120"/>
+          <p:cNvSpPr txBox="1"/>
+          <p:nvPr>
+            <p:ph idx="1" type="body"/>
+          </p:nvPr>
+        </p:nvSpPr>
+        <p:spPr>
+          <a:xfrm>
+            <a:off x="701025" y="4415775"/>
+            <a:ext cx="5608200" cy="4183500"/>
+          </a:xfrm>
+          <a:prstGeom prst="rect">
+            <a:avLst/>
+          </a:prstGeom>
+          <a:noFill/>
+          <a:ln>
+            <a:noFill/>
+          </a:ln>
+        </p:spPr>
+        <p:txBody>
+          <a:bodyPr anchorCtr="0" anchor="ctr" bIns="91425" lIns="91425" spcFirstLastPara="1" rIns="91425" wrap="square" tIns="91425">
+            <a:noAutofit/>
+          </a:bodyPr>
+          <a:lstStyle/>
+          <a:p>
+            <a:pPr indent="0" lvl="0" marL="0" rtl="0">
+              <a:spcBef>
+                <a:spcPts val="0"/>
+              </a:spcBef>
+              <a:spcAft>
+                <a:spcPts val="0"/>
+              </a:spcAft>
+              <a:buNone/>
+            </a:pPr>
+            <a:r>
+              <a:t/>
+            </a:r>
+            <a:endParaRPr/>
+          </a:p>
+        </p:txBody>
+      </p:sp>
+      <p:sp>
+        <p:nvSpPr>
+          <p:cNvPr id="121" name="Shape 121"/>
+          <p:cNvSpPr/>
+          <p:nvPr>
+            <p:ph idx="2" type="sldImg"/>
+          </p:nvPr>
+        </p:nvSpPr>
+        <p:spPr>
+          <a:xfrm>
+            <a:off x="1168625" y="697225"/>
+            <a:ext cx="4673700" cy="3486300"/>
+          </a:xfrm>
+          <a:custGeom>
+            <a:pathLst>
+              <a:path extrusionOk="0" h="120000" w="120000">
+                <a:moveTo>
+                  <a:pt x="0" y="0"/>
+                </a:moveTo>
+                <a:lnTo>
+                  <a:pt x="120000" y="0"/>
+                </a:lnTo>
+                <a:lnTo>
+                  <a:pt x="120000" y="120000"/>
+                </a:lnTo>
+                <a:lnTo>
+                  <a:pt x="0" y="120000"/>
+                </a:lnTo>
+                <a:close/>
+              </a:path>
+            </a:pathLst>
+          </a:custGeom>
+        </p:spPr>
+      </p:sp>
+    </p:spTree>
+  </p:cSld>
+  <p:clrMapOvr>
+    <a:masterClrMapping/>
+  </p:clrMapOvr>
+</p:notes>
+</file>
+
+<file path=ppt/notesSlides/notesSlide6.xml><?xml version="1.0" encoding="utf-8"?>
+<p:notes xmlns:a="http://schemas.openxmlformats.org/drawingml/2006/main" xmlns:r="http://schemas.openxmlformats.org/officeDocument/2006/relationships" xmlns:mc="http://schemas.openxmlformats.org/markup-compatibility/2006" xmlns:mv="urn:schemas-microsoft-com:mac:vml" xmlns:p="http://schemas.openxmlformats.org/presentationml/2006/main" xmlns:c="http://schemas.openxmlformats.org/drawingml/2006/chart" xmlns:dgm="http://schemas.openxmlformats.org/drawingml/2006/diagram" xmlns:o="urn:schemas-microsoft-com:office:office" xmlns:v="urn:schemas-microsoft-com:vml" xmlns:pvml="urn:schemas-microsoft-com:office:powerpoint" xmlns:com="http://schemas.openxmlformats.org/drawingml/2006/compatibility" xmlns:p14="http://schemas.microsoft.com/office/powerpoint/2010/main" xmlns:p15="http://schemas.microsoft.com/office/powerpoint/2012/main" showMasterPhAnim="0" showMasterSp="0">
+  <p:cSld>
+    <p:spTree>
+      <p:nvGrpSpPr>
+        <p:cNvPr id="129" name="Shape 129"/>
+        <p:cNvGrpSpPr/>
+        <p:nvPr/>
+      </p:nvGrpSpPr>
+      <p:grpSpPr>
+        <a:xfrm>
+          <a:off x="0" y="0"/>
+          <a:ext cx="0" cy="0"/>
+          <a:chOff x="0" y="0"/>
+          <a:chExt cx="0" cy="0"/>
+        </a:xfrm>
+      </p:grpSpPr>
+      <p:sp>
+        <p:nvSpPr>
+          <p:cNvPr id="130" name="Shape 130"/>
+          <p:cNvSpPr txBox="1"/>
+          <p:nvPr>
+            <p:ph idx="1" type="body"/>
+          </p:nvPr>
+        </p:nvSpPr>
+        <p:spPr>
+          <a:xfrm>
+            <a:off x="701025" y="4415775"/>
+            <a:ext cx="5608200" cy="4183500"/>
+          </a:xfrm>
+          <a:prstGeom prst="rect">
+            <a:avLst/>
+          </a:prstGeom>
+          <a:noFill/>
+          <a:ln>
+            <a:noFill/>
+          </a:ln>
+        </p:spPr>
+        <p:txBody>
+          <a:bodyPr anchorCtr="0" anchor="ctr" bIns="91425" lIns="91425" spcFirstLastPara="1" rIns="91425" wrap="square" tIns="91425">
+            <a:noAutofit/>
+          </a:bodyPr>
+          <a:lstStyle/>
+          <a:p>
+            <a:pPr indent="0" lvl="0" marL="0" rtl="0">
+              <a:spcBef>
+                <a:spcPts val="0"/>
+              </a:spcBef>
+              <a:spcAft>
+                <a:spcPts val="0"/>
+              </a:spcAft>
+              <a:buNone/>
+            </a:pPr>
+            <a:r>
+              <a:t/>
+            </a:r>
+            <a:endParaRPr/>
+          </a:p>
+        </p:txBody>
+      </p:sp>
+      <p:sp>
+        <p:nvSpPr>
+          <p:cNvPr id="131" name="Shape 131"/>
+          <p:cNvSpPr/>
+          <p:nvPr>
+            <p:ph idx="2" type="sldImg"/>
+          </p:nvPr>
+        </p:nvSpPr>
+        <p:spPr>
+          <a:xfrm>
+            <a:off x="1168625" y="697225"/>
+            <a:ext cx="4673700" cy="3486300"/>
+          </a:xfrm>
+          <a:custGeom>
+            <a:pathLst>
+              <a:path extrusionOk="0" h="120000" w="120000">
+                <a:moveTo>
+                  <a:pt x="0" y="0"/>
+                </a:moveTo>
+                <a:lnTo>
+                  <a:pt x="120000" y="0"/>
+                </a:lnTo>
+                <a:lnTo>
+                  <a:pt x="120000" y="120000"/>
+                </a:lnTo>
+                <a:lnTo>
+                  <a:pt x="0" y="120000"/>
+                </a:lnTo>
+                <a:close/>
+              </a:path>
+            </a:pathLst>
+          </a:custGeom>
+        </p:spPr>
+      </p:sp>
+    </p:spTree>
+  </p:cSld>
+  <p:clrMapOvr>
+    <a:masterClrMapping/>
+  </p:clrMapOvr>
+</p:notes>
+</file>
+
+<file path=ppt/notesSlides/notesSlide7.xml><?xml version="1.0" encoding="utf-8"?>
+<p:notes xmlns:a="http://schemas.openxmlformats.org/drawingml/2006/main" xmlns:r="http://schemas.openxmlformats.org/officeDocument/2006/relationships" xmlns:mc="http://schemas.openxmlformats.org/markup-compatibility/2006" xmlns:mv="urn:schemas-microsoft-com:mac:vml" xmlns:p="http://schemas.openxmlformats.org/presentationml/2006/main" xmlns:c="http://schemas.openxmlformats.org/drawingml/2006/chart" xmlns:dgm="http://schemas.openxmlformats.org/drawingml/2006/diagram" xmlns:o="urn:schemas-microsoft-com:office:office" xmlns:v="urn:schemas-microsoft-com:vml" xmlns:pvml="urn:schemas-microsoft-com:office:powerpoint" xmlns:com="http://schemas.openxmlformats.org/drawingml/2006/compatibility" xmlns:p14="http://schemas.microsoft.com/office/powerpoint/2010/main" xmlns:p15="http://schemas.microsoft.com/office/powerpoint/2012/main" showMasterPhAnim="0" showMasterSp="0">
+  <p:cSld>
+    <p:spTree>
+      <p:nvGrpSpPr>
+        <p:cNvPr id="138" name="Shape 138"/>
+        <p:cNvGrpSpPr/>
+        <p:nvPr/>
+      </p:nvGrpSpPr>
+      <p:grpSpPr>
+        <a:xfrm>
+          <a:off x="0" y="0"/>
+          <a:ext cx="0" cy="0"/>
+          <a:chOff x="0" y="0"/>
+          <a:chExt cx="0" cy="0"/>
+        </a:xfrm>
+      </p:grpSpPr>
+      <p:sp>
+        <p:nvSpPr>
+          <p:cNvPr id="139" name="Shape 139"/>
           <p:cNvSpPr txBox="1"/>
           <p:nvPr>
             <p:ph idx="1" type="body"/>
@@ -784,7 +1093,7 @@
       </p:sp>
       <p:sp>
         <p:nvSpPr>
-          <p:cNvPr id="110" name="Shape 110"/>
+          <p:cNvPr id="140" name="Shape 140"/>
           <p:cNvSpPr/>
           <p:nvPr>
             <p:ph idx="2" type="sldImg"/>
@@ -824,12 +1133,12 @@
 </p:notes>
 </file>
 
-<file path=ppt/notesSlides/notesSlide5.xml><?xml version="1.0" encoding="utf-8"?>
+<file path=ppt/notesSlides/notesSlide8.xml><?xml version="1.0" encoding="utf-8"?>
 <p:notes xmlns:a="http://schemas.openxmlformats.org/drawingml/2006/main" xmlns:r="http://schemas.openxmlformats.org/officeDocument/2006/relationships" xmlns:mc="http://schemas.openxmlformats.org/markup-compatibility/2006" xmlns:mv="urn:schemas-microsoft-com:mac:vml" xmlns:p="http://schemas.openxmlformats.org/presentationml/2006/main" xmlns:c="http://schemas.openxmlformats.org/drawingml/2006/chart" xmlns:dgm="http://schemas.openxmlformats.org/drawingml/2006/diagram" xmlns:o="urn:schemas-microsoft-com:office:office" xmlns:v="urn:schemas-microsoft-com:vml" xmlns:pvml="urn:schemas-microsoft-com:office:powerpoint" xmlns:com="http://schemas.openxmlformats.org/drawingml/2006/compatibility" xmlns:p14="http://schemas.microsoft.com/office/powerpoint/2010/main" xmlns:p15="http://schemas.microsoft.com/office/powerpoint/2012/main" showMasterPhAnim="0" showMasterSp="0">
   <p:cSld>
     <p:spTree>
       <p:nvGrpSpPr>
-        <p:cNvPr id="116" name="Shape 116"/>
+        <p:cNvPr id="146" name="Shape 146"/>
         <p:cNvGrpSpPr/>
         <p:nvPr/>
       </p:nvGrpSpPr>
@@ -843,7 +1152,7 @@
       </p:grpSpPr>
       <p:sp>
         <p:nvSpPr>
-          <p:cNvPr id="117" name="Shape 117"/>
+          <p:cNvPr id="147" name="Shape 147"/>
           <p:cNvSpPr txBox="1"/>
           <p:nvPr>
             <p:ph idx="1" type="body"/>
@@ -886,7 +1195,7 @@
       </p:sp>
       <p:sp>
         <p:nvSpPr>
-          <p:cNvPr id="118" name="Shape 118"/>
+          <p:cNvPr id="148" name="Shape 148"/>
           <p:cNvSpPr/>
           <p:nvPr>
             <p:ph idx="2" type="sldImg"/>
@@ -926,12 +1235,12 @@
 </p:notes>
 </file>
 
-<file path=ppt/notesSlides/notesSlide6.xml><?xml version="1.0" encoding="utf-8"?>
+<file path=ppt/notesSlides/notesSlide9.xml><?xml version="1.0" encoding="utf-8"?>
 <p:notes xmlns:a="http://schemas.openxmlformats.org/drawingml/2006/main" xmlns:r="http://schemas.openxmlformats.org/officeDocument/2006/relationships" xmlns:mc="http://schemas.openxmlformats.org/markup-compatibility/2006" xmlns:mv="urn:schemas-microsoft-com:mac:vml" xmlns:p="http://schemas.openxmlformats.org/presentationml/2006/main" xmlns:c="http://schemas.openxmlformats.org/drawingml/2006/chart" xmlns:dgm="http://schemas.openxmlformats.org/drawingml/2006/diagram" xmlns:o="urn:schemas-microsoft-com:office:office" xmlns:v="urn:schemas-microsoft-com:vml" xmlns:pvml="urn:schemas-microsoft-com:office:powerpoint" xmlns:com="http://schemas.openxmlformats.org/drawingml/2006/compatibility" xmlns:p14="http://schemas.microsoft.com/office/powerpoint/2010/main" xmlns:p15="http://schemas.microsoft.com/office/powerpoint/2012/main" showMasterPhAnim="0" showMasterSp="0">
   <p:cSld>
     <p:spTree>
       <p:nvGrpSpPr>
-        <p:cNvPr id="125" name="Shape 125"/>
+        <p:cNvPr id="155" name="Shape 155"/>
         <p:cNvGrpSpPr/>
         <p:nvPr/>
       </p:nvGrpSpPr>
@@ -945,7 +1254,7 @@
       </p:grpSpPr>
       <p:sp>
         <p:nvSpPr>
-          <p:cNvPr id="126" name="Shape 126"/>
+          <p:cNvPr id="156" name="Shape 156"/>
           <p:cNvSpPr txBox="1"/>
           <p:nvPr>
             <p:ph idx="1" type="body"/>
@@ -988,7 +1297,7 @@
       </p:sp>
       <p:sp>
         <p:nvSpPr>
-          <p:cNvPr id="127" name="Shape 127"/>
+          <p:cNvPr id="157" name="Shape 157"/>
           <p:cNvSpPr/>
           <p:nvPr>
             <p:ph idx="2" type="sldImg"/>
@@ -14098,19 +14407,7 @@
                 <a:cs typeface="Times New Roman"/>
                 <a:sym typeface="Times New Roman"/>
               </a:rPr>
-              <a:t>[TBD </a:t>
-            </a:r>
-            <a:r>
-              <a:rPr b="0" i="0" lang="en-US" sz="2800" u="none" cap="none" strike="noStrike">
-                <a:solidFill>
-                  <a:schemeClr val="dk1"/>
-                </a:solidFill>
-                <a:latin typeface="Times New Roman"/>
-                <a:ea typeface="Times New Roman"/>
-                <a:cs typeface="Times New Roman"/>
-                <a:sym typeface="Times New Roman"/>
-              </a:rPr>
-              <a:t>Team name]</a:t>
+              <a:t>Product Name: QuickPick</a:t>
             </a:r>
             <a:endParaRPr/>
           </a:p>
@@ -14404,7 +14701,7 @@
                 <a:cs typeface="Times New Roman"/>
                 <a:sym typeface="Times New Roman"/>
               </a:rPr>
-              <a:t>January 18, 2018</a:t>
+              <a:t>January 23, 2018</a:t>
             </a:r>
             <a:endParaRPr/>
           </a:p>
@@ -14843,7 +15140,7 @@
                 <a:cs typeface="Times New Roman"/>
                 <a:sym typeface="Times New Roman"/>
               </a:rPr>
-              <a:t>Be able to spit out optimized lineups</a:t>
+              <a:t>Be able to produce optimized lineups for Daily Fantasy Sports</a:t>
             </a:r>
             <a:endParaRPr sz="2200">
               <a:latin typeface="Times New Roman"/>
@@ -14877,7 +15174,7 @@
                 <a:cs typeface="Times New Roman"/>
                 <a:sym typeface="Times New Roman"/>
               </a:rPr>
-              <a:t>Be able to create lineup settings for all usual settings present in DFS Optimizers</a:t>
+              <a:t>Be able to create lineup constraints for all usual settings present in DFS Optimizers</a:t>
             </a:r>
             <a:endParaRPr sz="2200">
               <a:latin typeface="Times New Roman"/>
@@ -14911,7 +15208,7 @@
                 <a:cs typeface="Times New Roman"/>
                 <a:sym typeface="Times New Roman"/>
               </a:rPr>
-              <a:t>Be able to create non-trivial settings based on my own insights</a:t>
+              <a:t>Be able to create non-trivial settings based on user’s own insights</a:t>
             </a:r>
             <a:endParaRPr sz="2200">
               <a:latin typeface="Times New Roman"/>
@@ -14945,7 +15242,7 @@
                 <a:cs typeface="Times New Roman"/>
                 <a:sym typeface="Times New Roman"/>
               </a:rPr>
-              <a:t>Be able to import my data without wrangling it to fit with the optimizer’s header columns</a:t>
+              <a:t>Be able to import user’s data without wrangling it to fit with the optimizer’s header columns</a:t>
             </a:r>
             <a:endParaRPr sz="2200">
               <a:latin typeface="Times New Roman"/>
@@ -14979,7 +15276,7 @@
                 <a:cs typeface="Times New Roman"/>
                 <a:sym typeface="Times New Roman"/>
               </a:rPr>
-              <a:t>Be able to export my data easily inside the GUI tool</a:t>
+              <a:t>Be able to export user data easily inside the GUI tool</a:t>
             </a:r>
             <a:endParaRPr sz="2200">
               <a:latin typeface="Times New Roman"/>
@@ -15003,7 +15300,7 @@
                 <a:schemeClr val="dk1"/>
               </a:buClr>
               <a:buSzPts val="2200"/>
-              <a:buFont typeface="Arial"/>
+              <a:buFont typeface="Times New Roman"/>
               <a:buChar char="•"/>
             </a:pPr>
             <a:r>
@@ -15013,7 +15310,7 @@
                 <a:cs typeface="Times New Roman"/>
                 <a:sym typeface="Times New Roman"/>
               </a:rPr>
-              <a:t>Have it available on all platforms</a:t>
+              <a:t>Initial platform will be Windows</a:t>
             </a:r>
             <a:endParaRPr sz="2200">
               <a:latin typeface="Times New Roman"/>
@@ -15144,7 +15441,7 @@
         </p:nvSpPr>
         <p:spPr>
           <a:xfrm>
-            <a:off x="533400" y="889000"/>
+            <a:off x="566475" y="470025"/>
             <a:ext cx="8229600" cy="1143000"/>
           </a:xfrm>
           <a:prstGeom prst="rect">
@@ -15213,7 +15510,7 @@
         </p:nvSpPr>
         <p:spPr>
           <a:xfrm>
-            <a:off x="457200" y="1732600"/>
+            <a:off x="457200" y="1181625"/>
             <a:ext cx="8229600" cy="4724400"/>
           </a:xfrm>
           <a:prstGeom prst="rect">
@@ -15259,22 +15556,7 @@
               </a:rPr>
               <a:t>Sprint 1 user stories </a:t>
             </a:r>
-            <a:r>
-              <a:rPr b="0" i="0" lang="en-US" sz="2000" u="none" cap="none" strike="noStrike">
-                <a:solidFill>
-                  <a:schemeClr val="dk1"/>
-                </a:solidFill>
-                <a:latin typeface="Times New Roman"/>
-                <a:ea typeface="Times New Roman"/>
-                <a:cs typeface="Times New Roman"/>
-                <a:sym typeface="Times New Roman"/>
-              </a:rPr>
-              <a:t>each labeled with assoc. high-level goal</a:t>
-            </a:r>
-            <a:endParaRPr b="0" i="0" sz="2000" u="none" cap="none" strike="noStrike">
-              <a:solidFill>
-                <a:schemeClr val="dk1"/>
-              </a:solidFill>
+            <a:endParaRPr sz="2000">
               <a:latin typeface="Times New Roman"/>
               <a:ea typeface="Times New Roman"/>
               <a:cs typeface="Times New Roman"/>
@@ -15293,125 +15575,14 @@
                 <a:spcPts val="0"/>
               </a:spcAft>
               <a:buClr>
-                <a:schemeClr val="dk1"/>
+                <a:srgbClr val="000000"/>
               </a:buClr>
               <a:buSzPts val="1100"/>
               <a:buFont typeface="Arial"/>
               <a:buNone/>
             </a:pPr>
             <a:r>
-              <a:rPr lang="en-US" sz="1100">
-                <a:latin typeface="Arial"/>
-                <a:ea typeface="Arial"/>
-                <a:cs typeface="Arial"/>
-                <a:sym typeface="Arial"/>
-              </a:rPr>
-              <a:t>As a new user I want an intuitive GUI so I don't have to spend time learning a new tool</a:t>
-            </a:r>
-            <a:endParaRPr sz="1100">
-              <a:latin typeface="Arial"/>
-              <a:ea typeface="Arial"/>
-              <a:cs typeface="Arial"/>
-              <a:sym typeface="Arial"/>
-            </a:endParaRPr>
-          </a:p>
-          <a:p>
-            <a:pPr indent="0" lvl="0" marL="0" rtl="0">
-              <a:lnSpc>
-                <a:spcPct val="115000"/>
-              </a:lnSpc>
-              <a:spcBef>
-                <a:spcPts val="0"/>
-              </a:spcBef>
-              <a:spcAft>
-                <a:spcPts val="0"/>
-              </a:spcAft>
-              <a:buClr>
-                <a:schemeClr val="dk1"/>
-              </a:buClr>
-              <a:buSzPts val="1100"/>
-              <a:buFont typeface="Arial"/>
-              <a:buNone/>
-            </a:pPr>
-            <a:r>
-              <a:rPr lang="en-US" sz="1100">
-                <a:latin typeface="Arial"/>
-                <a:ea typeface="Arial"/>
-                <a:cs typeface="Arial"/>
-                <a:sym typeface="Arial"/>
-              </a:rPr>
-              <a:t>As a person on the move, I want a non internet based tool so I can use it wherever I am</a:t>
-            </a:r>
-            <a:endParaRPr sz="1100">
-              <a:latin typeface="Arial"/>
-              <a:ea typeface="Arial"/>
-              <a:cs typeface="Arial"/>
-              <a:sym typeface="Arial"/>
-            </a:endParaRPr>
-          </a:p>
-          <a:p>
-            <a:pPr indent="0" lvl="0" marL="0" rtl="0">
-              <a:lnSpc>
-                <a:spcPct val="115000"/>
-              </a:lnSpc>
-              <a:spcBef>
-                <a:spcPts val="0"/>
-              </a:spcBef>
-              <a:spcAft>
-                <a:spcPts val="0"/>
-              </a:spcAft>
-              <a:buClr>
-                <a:schemeClr val="dk1"/>
-              </a:buClr>
-              <a:buSzPts val="1100"/>
-              <a:buFont typeface="Arial"/>
-              <a:buNone/>
-            </a:pPr>
-            <a:r>
-              <a:rPr lang="en-US" sz="1100">
-                <a:latin typeface="Arial"/>
-                <a:ea typeface="Arial"/>
-                <a:cs typeface="Arial"/>
-                <a:sym typeface="Arial"/>
-              </a:rPr>
-              <a:t>As a DFS player I want a ‘constraint’ for the number of players selected so I can output actual lineups</a:t>
-            </a:r>
-            <a:endParaRPr sz="1100">
-              <a:latin typeface="Arial"/>
-              <a:ea typeface="Arial"/>
-              <a:cs typeface="Arial"/>
-              <a:sym typeface="Arial"/>
-            </a:endParaRPr>
-          </a:p>
-          <a:p>
-            <a:pPr indent="0" lvl="0" marL="0" rtl="0">
-              <a:lnSpc>
-                <a:spcPct val="115000"/>
-              </a:lnSpc>
-              <a:spcBef>
-                <a:spcPts val="0"/>
-              </a:spcBef>
-              <a:spcAft>
-                <a:spcPts val="0"/>
-              </a:spcAft>
-              <a:buClr>
-                <a:srgbClr val="000000"/>
-              </a:buClr>
-              <a:buSzPts val="1100"/>
-              <a:buFont typeface="Arial"/>
-              <a:buNone/>
-            </a:pPr>
-            <a:r>
-              <a:rPr lang="en-US" sz="1100">
-                <a:solidFill>
-                  <a:srgbClr val="000000"/>
-                </a:solidFill>
-                <a:latin typeface="Arial"/>
-                <a:ea typeface="Arial"/>
-                <a:cs typeface="Arial"/>
-                <a:sym typeface="Arial"/>
-              </a:rPr>
-              <a:t>As a DFS player I want a ‘constraint’ for the sum of a column so I can limit the total cost of my team</a:t>
+              <a:t/>
             </a:r>
             <a:endParaRPr sz="1100">
               <a:solidFill>
@@ -15435,46 +15606,6 @@
                 <a:spcPts val="0"/>
               </a:spcAft>
               <a:buClr>
-                <a:srgbClr val="000000"/>
-              </a:buClr>
-              <a:buSzPts val="1100"/>
-              <a:buFont typeface="Arial"/>
-              <a:buNone/>
-            </a:pPr>
-            <a:r>
-              <a:rPr lang="en-US" sz="1100">
-                <a:solidFill>
-                  <a:srgbClr val="000000"/>
-                </a:solidFill>
-                <a:latin typeface="Arial"/>
-                <a:ea typeface="Arial"/>
-                <a:cs typeface="Arial"/>
-                <a:sym typeface="Arial"/>
-              </a:rPr>
-              <a:t>As a DFS player I want a ‘constraint’ for the number of unique values(really strings) in each column so I can limit the number of players in each position/team</a:t>
-            </a:r>
-            <a:endParaRPr sz="1100">
-              <a:solidFill>
-                <a:srgbClr val="000000"/>
-              </a:solidFill>
-              <a:latin typeface="Arial"/>
-              <a:ea typeface="Arial"/>
-              <a:cs typeface="Arial"/>
-              <a:sym typeface="Arial"/>
-            </a:endParaRPr>
-          </a:p>
-          <a:p>
-            <a:pPr indent="0" lvl="0" marL="0" rtl="0">
-              <a:lnSpc>
-                <a:spcPct val="115000"/>
-              </a:lnSpc>
-              <a:spcBef>
-                <a:spcPts val="0"/>
-              </a:spcBef>
-              <a:spcAft>
-                <a:spcPts val="0"/>
-              </a:spcAft>
-              <a:buClr>
                 <a:schemeClr val="dk1"/>
               </a:buClr>
               <a:buSzPts val="1100"/>
@@ -15492,341 +15623,7 @@
             </a:endParaRPr>
           </a:p>
           <a:p>
-            <a:pPr indent="0" lvl="0" marL="0" marR="0" rtl="0" algn="l">
-              <a:lnSpc>
-                <a:spcPct val="100000"/>
-              </a:lnSpc>
-              <a:spcBef>
-                <a:spcPts val="640"/>
-              </a:spcBef>
-              <a:spcAft>
-                <a:spcPts val="0"/>
-              </a:spcAft>
-              <a:buClr>
-                <a:schemeClr val="dk1"/>
-              </a:buClr>
-              <a:buSzPts val="3200"/>
-              <a:buFont typeface="Arial"/>
-              <a:buNone/>
-            </a:pPr>
-            <a:r>
-              <a:rPr b="0" i="0" lang="en-US" sz="3200" u="none" cap="none" strike="noStrike">
-                <a:solidFill>
-                  <a:schemeClr val="dk1"/>
-                </a:solidFill>
-                <a:latin typeface="Times New Roman"/>
-                <a:ea typeface="Times New Roman"/>
-                <a:cs typeface="Times New Roman"/>
-                <a:sym typeface="Times New Roman"/>
-              </a:rPr>
-              <a:t>Sprint 2 user stories </a:t>
-            </a:r>
-            <a:r>
-              <a:rPr b="0" i="0" lang="en-US" sz="2000" u="none" cap="none" strike="noStrike">
-                <a:solidFill>
-                  <a:schemeClr val="dk1"/>
-                </a:solidFill>
-                <a:latin typeface="Times New Roman"/>
-                <a:ea typeface="Times New Roman"/>
-                <a:cs typeface="Times New Roman"/>
-                <a:sym typeface="Times New Roman"/>
-              </a:rPr>
-              <a:t>each labeled with assoc. high-level goal</a:t>
-            </a:r>
-            <a:endParaRPr b="0" i="0" sz="2000" u="none" cap="none" strike="noStrike">
-              <a:solidFill>
-                <a:schemeClr val="dk1"/>
-              </a:solidFill>
-              <a:latin typeface="Times New Roman"/>
-              <a:ea typeface="Times New Roman"/>
-              <a:cs typeface="Times New Roman"/>
-              <a:sym typeface="Times New Roman"/>
-            </a:endParaRPr>
-          </a:p>
-          <a:p>
-            <a:pPr indent="0" lvl="0" marL="0" rtl="0">
-              <a:lnSpc>
-                <a:spcPct val="115000"/>
-              </a:lnSpc>
-              <a:spcBef>
-                <a:spcPts val="0"/>
-              </a:spcBef>
-              <a:spcAft>
-                <a:spcPts val="0"/>
-              </a:spcAft>
-              <a:buClr>
-                <a:schemeClr val="dk1"/>
-              </a:buClr>
-              <a:buSzPts val="1100"/>
-              <a:buFont typeface="Arial"/>
-              <a:buNone/>
-            </a:pPr>
-            <a:r>
-              <a:rPr lang="en-US" sz="1100">
-                <a:latin typeface="Arial"/>
-                <a:ea typeface="Arial"/>
-                <a:cs typeface="Arial"/>
-                <a:sym typeface="Arial"/>
-              </a:rPr>
-              <a:t>As a DFS player I want a to choose the number of lineups outputted so I hedge/consolidate my risks</a:t>
-            </a:r>
-            <a:endParaRPr sz="1100">
-              <a:latin typeface="Arial"/>
-              <a:ea typeface="Arial"/>
-              <a:cs typeface="Arial"/>
-              <a:sym typeface="Arial"/>
-            </a:endParaRPr>
-          </a:p>
-          <a:p>
-            <a:pPr indent="0" lvl="0" marL="0" rtl="0">
-              <a:lnSpc>
-                <a:spcPct val="115000"/>
-              </a:lnSpc>
-              <a:spcBef>
-                <a:spcPts val="0"/>
-              </a:spcBef>
-              <a:spcAft>
-                <a:spcPts val="0"/>
-              </a:spcAft>
-              <a:buClr>
-                <a:schemeClr val="dk1"/>
-              </a:buClr>
-              <a:buSzPts val="1100"/>
-              <a:buFont typeface="Arial"/>
-              <a:buNone/>
-            </a:pPr>
-            <a:r>
-              <a:rPr lang="en-US" sz="1100">
-                <a:latin typeface="Arial"/>
-                <a:ea typeface="Arial"/>
-                <a:cs typeface="Arial"/>
-                <a:sym typeface="Arial"/>
-              </a:rPr>
-              <a:t>As a DFS player, I want an export to csv so all I don’t have to spend time manually doing it myself</a:t>
-            </a:r>
-            <a:endParaRPr sz="1100">
-              <a:latin typeface="Arial"/>
-              <a:ea typeface="Arial"/>
-              <a:cs typeface="Arial"/>
-              <a:sym typeface="Arial"/>
-            </a:endParaRPr>
-          </a:p>
-          <a:p>
-            <a:pPr indent="0" lvl="0" marL="0" rtl="0">
-              <a:lnSpc>
-                <a:spcPct val="115000"/>
-              </a:lnSpc>
-              <a:spcBef>
-                <a:spcPts val="0"/>
-              </a:spcBef>
-              <a:spcAft>
-                <a:spcPts val="0"/>
-              </a:spcAft>
-              <a:buClr>
-                <a:schemeClr val="dk1"/>
-              </a:buClr>
-              <a:buSzPts val="1100"/>
-              <a:buFont typeface="Arial"/>
-              <a:buNone/>
-            </a:pPr>
-            <a:r>
-              <a:rPr lang="en-US" sz="1100">
-                <a:latin typeface="Arial"/>
-                <a:ea typeface="Arial"/>
-                <a:cs typeface="Arial"/>
-                <a:sym typeface="Arial"/>
-              </a:rPr>
-              <a:t>As a DFS player I want savable configurations so I can easily use it multiple times</a:t>
-            </a:r>
-            <a:endParaRPr sz="1100">
-              <a:latin typeface="Arial"/>
-              <a:ea typeface="Arial"/>
-              <a:cs typeface="Arial"/>
-              <a:sym typeface="Arial"/>
-            </a:endParaRPr>
-          </a:p>
-          <a:p>
-            <a:pPr indent="0" lvl="0" marL="0" marR="0" rtl="0" algn="l">
-              <a:lnSpc>
-                <a:spcPct val="100000"/>
-              </a:lnSpc>
-              <a:spcBef>
-                <a:spcPts val="640"/>
-              </a:spcBef>
-              <a:spcAft>
-                <a:spcPts val="0"/>
-              </a:spcAft>
-              <a:buClr>
-                <a:schemeClr val="dk1"/>
-              </a:buClr>
-              <a:buSzPts val="3200"/>
-              <a:buFont typeface="Arial"/>
-              <a:buNone/>
-            </a:pPr>
-            <a:r>
-              <a:rPr b="0" i="0" lang="en-US" sz="3200" u="none" cap="none" strike="noStrike">
-                <a:solidFill>
-                  <a:schemeClr val="dk1"/>
-                </a:solidFill>
-                <a:latin typeface="Times New Roman"/>
-                <a:ea typeface="Times New Roman"/>
-                <a:cs typeface="Times New Roman"/>
-                <a:sym typeface="Times New Roman"/>
-              </a:rPr>
-              <a:t>Sprint 3 user stories </a:t>
-            </a:r>
-            <a:r>
-              <a:rPr b="0" i="0" lang="en-US" sz="2000" u="none" cap="none" strike="noStrike">
-                <a:solidFill>
-                  <a:schemeClr val="dk1"/>
-                </a:solidFill>
-                <a:latin typeface="Times New Roman"/>
-                <a:ea typeface="Times New Roman"/>
-                <a:cs typeface="Times New Roman"/>
-                <a:sym typeface="Times New Roman"/>
-              </a:rPr>
-              <a:t>each labeled with assoc. high-level goal</a:t>
-            </a:r>
-            <a:endParaRPr/>
-          </a:p>
-          <a:p>
-            <a:pPr indent="0" lvl="0" marL="0" rtl="0">
-              <a:lnSpc>
-                <a:spcPct val="115000"/>
-              </a:lnSpc>
-              <a:spcBef>
-                <a:spcPts val="0"/>
-              </a:spcBef>
-              <a:spcAft>
-                <a:spcPts val="0"/>
-              </a:spcAft>
-              <a:buClr>
-                <a:schemeClr val="dk1"/>
-              </a:buClr>
-              <a:buSzPts val="1100"/>
-              <a:buFont typeface="Arial"/>
-              <a:buNone/>
-            </a:pPr>
-            <a:r>
-              <a:rPr lang="en-US" sz="1100">
-                <a:latin typeface="Arial"/>
-                <a:ea typeface="Arial"/>
-                <a:cs typeface="Arial"/>
-                <a:sym typeface="Arial"/>
-              </a:rPr>
-              <a:t>As a DFS player I want a large amount of possible ‘constraints’(5+) so I can just plug in my data without modifying it and without </a:t>
-            </a:r>
-            <a:endParaRPr sz="2000">
-              <a:latin typeface="Times New Roman"/>
-              <a:ea typeface="Times New Roman"/>
-              <a:cs typeface="Times New Roman"/>
-              <a:sym typeface="Times New Roman"/>
-            </a:endParaRPr>
-          </a:p>
-          <a:p>
-            <a:pPr indent="0" lvl="0" marL="0" rtl="0">
-              <a:lnSpc>
-                <a:spcPct val="115000"/>
-              </a:lnSpc>
-              <a:spcBef>
-                <a:spcPts val="0"/>
-              </a:spcBef>
-              <a:spcAft>
-                <a:spcPts val="0"/>
-              </a:spcAft>
-              <a:buClr>
-                <a:schemeClr val="dk1"/>
-              </a:buClr>
-              <a:buSzPts val="1100"/>
-              <a:buFont typeface="Arial"/>
-              <a:buNone/>
-            </a:pPr>
-            <a:r>
-              <a:rPr lang="en-US" sz="1100">
-                <a:latin typeface="Arial"/>
-                <a:ea typeface="Arial"/>
-                <a:cs typeface="Arial"/>
-                <a:sym typeface="Arial"/>
-              </a:rPr>
-              <a:t>As a DFS player I want a ‘constraint’ for the number of times a certain row#(player) is selected so I can hedge/consolidate my risks</a:t>
-            </a:r>
-            <a:endParaRPr sz="1100">
-              <a:latin typeface="Arial"/>
-              <a:ea typeface="Arial"/>
-              <a:cs typeface="Arial"/>
-              <a:sym typeface="Arial"/>
-            </a:endParaRPr>
-          </a:p>
-          <a:p>
-            <a:pPr indent="0" lvl="0" marL="0" rtl="0">
-              <a:lnSpc>
-                <a:spcPct val="115000"/>
-              </a:lnSpc>
-              <a:spcBef>
-                <a:spcPts val="0"/>
-              </a:spcBef>
-              <a:spcAft>
-                <a:spcPts val="0"/>
-              </a:spcAft>
-              <a:buClr>
-                <a:srgbClr val="000000"/>
-              </a:buClr>
-              <a:buSzPts val="1100"/>
-              <a:buFont typeface="Arial"/>
-              <a:buNone/>
-            </a:pPr>
-            <a:r>
-              <a:rPr lang="en-US" sz="1100">
-                <a:solidFill>
-                  <a:srgbClr val="000000"/>
-                </a:solidFill>
-                <a:latin typeface="Arial"/>
-                <a:ea typeface="Arial"/>
-                <a:cs typeface="Arial"/>
-                <a:sym typeface="Arial"/>
-              </a:rPr>
-              <a:t>As a DFS player I want preloaded configurations for different sports/DFS providers so I can quickly modify and use the tool</a:t>
-            </a:r>
-            <a:endParaRPr sz="1100">
-              <a:solidFill>
-                <a:srgbClr val="000000"/>
-              </a:solidFill>
-              <a:latin typeface="Arial"/>
-              <a:ea typeface="Arial"/>
-              <a:cs typeface="Arial"/>
-              <a:sym typeface="Arial"/>
-            </a:endParaRPr>
-          </a:p>
-          <a:p>
-            <a:pPr indent="0" lvl="0" marL="0" rtl="0">
-              <a:lnSpc>
-                <a:spcPct val="115000"/>
-              </a:lnSpc>
-              <a:spcBef>
-                <a:spcPts val="0"/>
-              </a:spcBef>
-              <a:spcAft>
-                <a:spcPts val="0"/>
-              </a:spcAft>
-              <a:buClr>
-                <a:schemeClr val="dk1"/>
-              </a:buClr>
-              <a:buSzPts val="1100"/>
-              <a:buFont typeface="Arial"/>
-              <a:buNone/>
-            </a:pPr>
-            <a:r>
-              <a:t/>
-            </a:r>
-            <a:endParaRPr sz="1100">
-              <a:latin typeface="Arial"/>
-              <a:ea typeface="Arial"/>
-              <a:cs typeface="Arial"/>
-              <a:sym typeface="Arial"/>
-            </a:endParaRPr>
-          </a:p>
-          <a:p>
-            <a:pPr indent="-163513" lvl="0" marL="341313" marR="0" rtl="0" algn="l">
+            <a:pPr indent="0" lvl="0" marL="177800" marR="0" rtl="0" algn="l">
               <a:spcBef>
                 <a:spcPts val="560"/>
               </a:spcBef>
@@ -15920,6 +15717,434 @@
           </a:p>
         </p:txBody>
       </p:sp>
+      <p:graphicFrame>
+        <p:nvGraphicFramePr>
+          <p:cNvPr id="108" name="Shape 108"/>
+          <p:cNvGraphicFramePr/>
+          <p:nvPr/>
+        </p:nvGraphicFramePr>
+        <p:xfrm>
+          <a:off x="886350" y="1687650"/>
+          <a:ext cx="3000000" cy="3000000"/>
+        </p:xfrm>
+        <a:graphic>
+          <a:graphicData uri="http://schemas.openxmlformats.org/drawingml/2006/table">
+            <a:tbl>
+              <a:tblPr>
+                <a:noFill/>
+                <a:tableStyleId>{F9FAA889-1A48-47E3-8C30-9ADBCAF07F77}</a:tableStyleId>
+              </a:tblPr>
+              <a:tblGrid>
+                <a:gridCol w="3619500"/>
+                <a:gridCol w="3619500"/>
+              </a:tblGrid>
+              <a:tr h="628400">
+                <a:tc>
+                  <a:txBody>
+                    <a:bodyPr>
+                      <a:noAutofit/>
+                    </a:bodyPr>
+                    <a:lstStyle/>
+                    <a:p>
+                      <a:pPr indent="0" lvl="0" marL="0" rtl="0">
+                        <a:lnSpc>
+                          <a:spcPct val="115000"/>
+                        </a:lnSpc>
+                        <a:spcBef>
+                          <a:spcPts val="0"/>
+                        </a:spcBef>
+                        <a:spcAft>
+                          <a:spcPts val="0"/>
+                        </a:spcAft>
+                        <a:buNone/>
+                      </a:pPr>
+                      <a:r>
+                        <a:rPr b="1" lang="en-US" sz="1800">
+                          <a:solidFill>
+                            <a:schemeClr val="dk1"/>
+                          </a:solidFill>
+                        </a:rPr>
+                        <a:t>User Stories</a:t>
+                      </a:r>
+                      <a:endParaRPr b="1" sz="1800">
+                        <a:solidFill>
+                          <a:schemeClr val="dk1"/>
+                        </a:solidFill>
+                      </a:endParaRPr>
+                    </a:p>
+                  </a:txBody>
+                  <a:tcPr marT="91425" marB="91425" marR="91425" marL="91425"/>
+                </a:tc>
+                <a:tc>
+                  <a:txBody>
+                    <a:bodyPr>
+                      <a:noAutofit/>
+                    </a:bodyPr>
+                    <a:lstStyle/>
+                    <a:p>
+                      <a:pPr indent="0" lvl="0" marL="0">
+                        <a:spcBef>
+                          <a:spcPts val="0"/>
+                        </a:spcBef>
+                        <a:spcAft>
+                          <a:spcPts val="0"/>
+                        </a:spcAft>
+                        <a:buNone/>
+                      </a:pPr>
+                      <a:r>
+                        <a:rPr b="1" lang="en-US" sz="1800"/>
+                        <a:t>High-Level Goal</a:t>
+                      </a:r>
+                      <a:endParaRPr b="1" sz="1800"/>
+                    </a:p>
+                  </a:txBody>
+                  <a:tcPr marT="91425" marB="91425" marR="91425" marL="91425"/>
+                </a:tc>
+              </a:tr>
+              <a:tr h="788075">
+                <a:tc>
+                  <a:txBody>
+                    <a:bodyPr>
+                      <a:noAutofit/>
+                    </a:bodyPr>
+                    <a:lstStyle/>
+                    <a:p>
+                      <a:pPr indent="0" lvl="0" marL="0" rtl="0">
+                        <a:lnSpc>
+                          <a:spcPct val="115000"/>
+                        </a:lnSpc>
+                        <a:spcBef>
+                          <a:spcPts val="0"/>
+                        </a:spcBef>
+                        <a:spcAft>
+                          <a:spcPts val="0"/>
+                        </a:spcAft>
+                        <a:buClr>
+                          <a:schemeClr val="dk1"/>
+                        </a:buClr>
+                        <a:buSzPts val="1100"/>
+                        <a:buFont typeface="Arial"/>
+                        <a:buNone/>
+                      </a:pPr>
+                      <a:r>
+                        <a:rPr lang="en-US" sz="1100">
+                          <a:solidFill>
+                            <a:schemeClr val="dk1"/>
+                          </a:solidFill>
+                        </a:rPr>
+                        <a:t>As a new user I want an intuitive GUI so I don't have to spend time learning a new tool  Have a functional, easy-to-use user interface)</a:t>
+                      </a:r>
+                      <a:endParaRPr/>
+                    </a:p>
+                  </a:txBody>
+                  <a:tcPr marT="91425" marB="91425" marR="91425" marL="91425"/>
+                </a:tc>
+                <a:tc>
+                  <a:txBody>
+                    <a:bodyPr>
+                      <a:noAutofit/>
+                    </a:bodyPr>
+                    <a:lstStyle/>
+                    <a:p>
+                      <a:pPr indent="-298450" lvl="0" marL="457200" rtl="0">
+                        <a:lnSpc>
+                          <a:spcPct val="115000"/>
+                        </a:lnSpc>
+                        <a:spcBef>
+                          <a:spcPts val="0"/>
+                        </a:spcBef>
+                        <a:spcAft>
+                          <a:spcPts val="0"/>
+                        </a:spcAft>
+                        <a:buClr>
+                          <a:schemeClr val="dk1"/>
+                        </a:buClr>
+                        <a:buSzPts val="1100"/>
+                        <a:buChar char="●"/>
+                      </a:pPr>
+                      <a:r>
+                        <a:rPr lang="en-US" sz="1100">
+                          <a:solidFill>
+                            <a:schemeClr val="dk1"/>
+                          </a:solidFill>
+                        </a:rPr>
+                        <a:t>Have a functional, easy-to-use user interface</a:t>
+                      </a:r>
+                      <a:endParaRPr sz="1100">
+                        <a:solidFill>
+                          <a:schemeClr val="dk1"/>
+                        </a:solidFill>
+                      </a:endParaRPr>
+                    </a:p>
+                    <a:p>
+                      <a:pPr indent="-298450" lvl="0" marL="457200" rtl="0">
+                        <a:lnSpc>
+                          <a:spcPct val="115000"/>
+                        </a:lnSpc>
+                        <a:spcBef>
+                          <a:spcPts val="0"/>
+                        </a:spcBef>
+                        <a:spcAft>
+                          <a:spcPts val="0"/>
+                        </a:spcAft>
+                        <a:buClr>
+                          <a:schemeClr val="dk1"/>
+                        </a:buClr>
+                        <a:buSzPts val="1100"/>
+                        <a:buChar char="●"/>
+                      </a:pPr>
+                      <a:r>
+                        <a:rPr lang="en-US" sz="1100">
+                          <a:solidFill>
+                            <a:schemeClr val="dk1"/>
+                          </a:solidFill>
+                        </a:rPr>
+                        <a:t>Will be easily able to use for product testing</a:t>
+                      </a:r>
+                      <a:endParaRPr/>
+                    </a:p>
+                  </a:txBody>
+                  <a:tcPr marT="91425" marB="91425" marR="91425" marL="91425"/>
+                </a:tc>
+              </a:tr>
+              <a:tr h="589050">
+                <a:tc>
+                  <a:txBody>
+                    <a:bodyPr>
+                      <a:noAutofit/>
+                    </a:bodyPr>
+                    <a:lstStyle/>
+                    <a:p>
+                      <a:pPr indent="0" lvl="0" marL="0" rtl="0">
+                        <a:lnSpc>
+                          <a:spcPct val="115000"/>
+                        </a:lnSpc>
+                        <a:spcBef>
+                          <a:spcPts val="0"/>
+                        </a:spcBef>
+                        <a:spcAft>
+                          <a:spcPts val="0"/>
+                        </a:spcAft>
+                        <a:buClr>
+                          <a:schemeClr val="dk1"/>
+                        </a:buClr>
+                        <a:buSzPts val="1100"/>
+                        <a:buFont typeface="Arial"/>
+                        <a:buNone/>
+                      </a:pPr>
+                      <a:r>
+                        <a:rPr lang="en-US" sz="1100">
+                          <a:solidFill>
+                            <a:schemeClr val="dk1"/>
+                          </a:solidFill>
+                        </a:rPr>
+                        <a:t>As a person on the move, I want a non internet based tool so I can use it wherever I am</a:t>
+                      </a:r>
+                      <a:endParaRPr/>
+                    </a:p>
+                  </a:txBody>
+                  <a:tcPr marT="91425" marB="91425" marR="91425" marL="91425"/>
+                </a:tc>
+                <a:tc>
+                  <a:txBody>
+                    <a:bodyPr>
+                      <a:noAutofit/>
+                    </a:bodyPr>
+                    <a:lstStyle/>
+                    <a:p>
+                      <a:pPr indent="-298450" lvl="0" marL="457200" rtl="0">
+                        <a:lnSpc>
+                          <a:spcPct val="115000"/>
+                        </a:lnSpc>
+                        <a:spcBef>
+                          <a:spcPts val="0"/>
+                        </a:spcBef>
+                        <a:spcAft>
+                          <a:spcPts val="0"/>
+                        </a:spcAft>
+                        <a:buClr>
+                          <a:schemeClr val="dk1"/>
+                        </a:buClr>
+                        <a:buSzPts val="1100"/>
+                        <a:buChar char="●"/>
+                      </a:pPr>
+                      <a:r>
+                        <a:rPr lang="en-US" sz="1100">
+                          <a:solidFill>
+                            <a:schemeClr val="dk1"/>
+                          </a:solidFill>
+                        </a:rPr>
+                        <a:t> Initial platform will be Windows compatible</a:t>
+                      </a:r>
+                      <a:endParaRPr sz="1100">
+                        <a:solidFill>
+                          <a:schemeClr val="dk1"/>
+                        </a:solidFill>
+                      </a:endParaRPr>
+                    </a:p>
+                    <a:p>
+                      <a:pPr indent="0" lvl="0" marL="0">
+                        <a:spcBef>
+                          <a:spcPts val="0"/>
+                        </a:spcBef>
+                        <a:spcAft>
+                          <a:spcPts val="0"/>
+                        </a:spcAft>
+                        <a:buNone/>
+                      </a:pPr>
+                      <a:r>
+                        <a:t/>
+                      </a:r>
+                      <a:endParaRPr/>
+                    </a:p>
+                  </a:txBody>
+                  <a:tcPr marT="91425" marB="91425" marR="91425" marL="91425"/>
+                </a:tc>
+              </a:tr>
+              <a:tr h="589050">
+                <a:tc>
+                  <a:txBody>
+                    <a:bodyPr>
+                      <a:noAutofit/>
+                    </a:bodyPr>
+                    <a:lstStyle/>
+                    <a:p>
+                      <a:pPr indent="0" lvl="0" marL="0" rtl="0">
+                        <a:lnSpc>
+                          <a:spcPct val="115000"/>
+                        </a:lnSpc>
+                        <a:spcBef>
+                          <a:spcPts val="0"/>
+                        </a:spcBef>
+                        <a:spcAft>
+                          <a:spcPts val="0"/>
+                        </a:spcAft>
+                        <a:buNone/>
+                      </a:pPr>
+                      <a:r>
+                        <a:rPr lang="en-US" sz="1100">
+                          <a:solidFill>
+                            <a:schemeClr val="dk1"/>
+                          </a:solidFill>
+                        </a:rPr>
+                        <a:t>As a DFS player I want a ‘constraint’ for the number of players selected so I can output actual lineups</a:t>
+                      </a:r>
+                      <a:endParaRPr/>
+                    </a:p>
+                  </a:txBody>
+                  <a:tcPr marT="91425" marB="91425" marR="91425" marL="91425"/>
+                </a:tc>
+                <a:tc>
+                  <a:txBody>
+                    <a:bodyPr>
+                      <a:noAutofit/>
+                    </a:bodyPr>
+                    <a:lstStyle/>
+                    <a:p>
+                      <a:pPr indent="-298450" lvl="0" marL="457200" rtl="0">
+                        <a:lnSpc>
+                          <a:spcPct val="115000"/>
+                        </a:lnSpc>
+                        <a:spcBef>
+                          <a:spcPts val="0"/>
+                        </a:spcBef>
+                        <a:spcAft>
+                          <a:spcPts val="0"/>
+                        </a:spcAft>
+                        <a:buClr>
+                          <a:schemeClr val="dk1"/>
+                        </a:buClr>
+                        <a:buSzPts val="1100"/>
+                        <a:buChar char="●"/>
+                      </a:pPr>
+                      <a:r>
+                        <a:rPr lang="en-US" sz="1100">
+                          <a:solidFill>
+                            <a:schemeClr val="dk1"/>
+                          </a:solidFill>
+                        </a:rPr>
+                        <a:t>Be able to create lineup constraints for all usual settings present in DFS Optimizers</a:t>
+                      </a:r>
+                      <a:endParaRPr/>
+                    </a:p>
+                  </a:txBody>
+                  <a:tcPr marT="91425" marB="91425" marR="91425" marL="91425"/>
+                </a:tc>
+              </a:tr>
+              <a:tr h="589050">
+                <a:tc>
+                  <a:txBody>
+                    <a:bodyPr>
+                      <a:noAutofit/>
+                    </a:bodyPr>
+                    <a:lstStyle/>
+                    <a:p>
+                      <a:pPr indent="0" lvl="0" marL="0" rtl="0">
+                        <a:lnSpc>
+                          <a:spcPct val="115000"/>
+                        </a:lnSpc>
+                        <a:spcBef>
+                          <a:spcPts val="0"/>
+                        </a:spcBef>
+                        <a:spcAft>
+                          <a:spcPts val="0"/>
+                        </a:spcAft>
+                        <a:buNone/>
+                      </a:pPr>
+                      <a:r>
+                        <a:rPr lang="en-US" sz="1100">
+                          <a:solidFill>
+                            <a:schemeClr val="dk1"/>
+                          </a:solidFill>
+                        </a:rPr>
+                        <a:t>As a DFS player I want a ‘constraint’ for the sum of a column so I can limit the total cost of my team</a:t>
+                      </a:r>
+                      <a:endParaRPr/>
+                    </a:p>
+                  </a:txBody>
+                  <a:tcPr marT="91425" marB="91425" marR="91425" marL="91425"/>
+                </a:tc>
+                <a:tc>
+                  <a:txBody>
+                    <a:bodyPr>
+                      <a:noAutofit/>
+                    </a:bodyPr>
+                    <a:lstStyle/>
+                    <a:p>
+                      <a:pPr indent="-298450" lvl="0" marL="457200" rtl="0">
+                        <a:lnSpc>
+                          <a:spcPct val="115000"/>
+                        </a:lnSpc>
+                        <a:spcBef>
+                          <a:spcPts val="0"/>
+                        </a:spcBef>
+                        <a:spcAft>
+                          <a:spcPts val="0"/>
+                        </a:spcAft>
+                        <a:buClr>
+                          <a:schemeClr val="dk1"/>
+                        </a:buClr>
+                        <a:buSzPts val="1100"/>
+                        <a:buChar char="●"/>
+                      </a:pPr>
+                      <a:r>
+                        <a:rPr lang="en-US" sz="1100">
+                          <a:solidFill>
+                            <a:schemeClr val="dk1"/>
+                          </a:solidFill>
+                        </a:rPr>
+                        <a:t>Be able to create lineup constraints for all usual settings present in DFS Optimizers</a:t>
+                      </a:r>
+                      <a:endParaRPr/>
+                    </a:p>
+                  </a:txBody>
+                  <a:tcPr marT="91425" marB="91425" marR="91425" marL="91425"/>
+                </a:tc>
+              </a:tr>
+            </a:tbl>
+          </a:graphicData>
+        </a:graphic>
+      </p:graphicFrame>
     </p:spTree>
   </p:cSld>
   <p:clrMapOvr>
@@ -15933,7 +16158,7 @@
   <p:cSld>
     <p:spTree>
       <p:nvGrpSpPr>
-        <p:cNvPr id="111" name="Shape 111"/>
+        <p:cNvPr id="112" name="Shape 112"/>
         <p:cNvGrpSpPr/>
         <p:nvPr/>
       </p:nvGrpSpPr>
@@ -15947,7 +16172,7 @@
       </p:grpSpPr>
       <p:pic>
         <p:nvPicPr>
-          <p:cNvPr id="112" name="Shape 112"/>
+          <p:cNvPr id="113" name="Shape 113"/>
           <p:cNvPicPr preferRelativeResize="0"/>
           <p:nvPr/>
         </p:nvPicPr>
@@ -15974,14 +16199,14 @@
       </p:pic>
       <p:sp>
         <p:nvSpPr>
-          <p:cNvPr id="113" name="Shape 113"/>
+          <p:cNvPr id="114" name="Shape 114"/>
           <p:cNvSpPr txBox="1"/>
           <p:nvPr/>
         </p:nvSpPr>
         <p:spPr>
           <a:xfrm>
             <a:off x="152400" y="149225"/>
-            <a:ext cx="6686550" cy="584200"/>
+            <a:ext cx="6686400" cy="584100"/>
           </a:xfrm>
           <a:prstGeom prst="rect">
             <a:avLst/>
@@ -16024,30 +16249,24 @@
                 <a:cs typeface="Times New Roman"/>
                 <a:sym typeface="Times New Roman"/>
               </a:rPr>
-              <a:t>Project Release Plan – Architecture</a:t>
+              <a:t>Project Release Plan – User Stories</a:t>
             </a:r>
             <a:endParaRPr/>
           </a:p>
         </p:txBody>
       </p:sp>
-      <p:pic>
-        <p:nvPicPr>
-          <p:cNvPr id="114" name="Shape 114"/>
-          <p:cNvPicPr preferRelativeResize="0"/>
-          <p:nvPr/>
-        </p:nvPicPr>
-        <p:blipFill>
-          <a:blip r:embed="rId4">
-            <a:alphaModFix/>
-          </a:blip>
-          <a:stretch>
-            <a:fillRect/>
-          </a:stretch>
-        </p:blipFill>
+      <p:sp>
+        <p:nvSpPr>
+          <p:cNvPr id="115" name="Shape 115"/>
+          <p:cNvSpPr txBox="1"/>
+          <p:nvPr>
+            <p:ph type="title"/>
+          </p:nvPr>
+        </p:nvSpPr>
         <p:spPr>
           <a:xfrm>
-            <a:off x="1526524" y="971550"/>
-            <a:ext cx="6090950" cy="5173375"/>
+            <a:off x="533400" y="889000"/>
+            <a:ext cx="8229600" cy="1143000"/>
           </a:xfrm>
           <a:prstGeom prst="rect">
             <a:avLst/>
@@ -16057,10 +16276,181 @@
             <a:noFill/>
           </a:ln>
         </p:spPr>
-      </p:pic>
+        <p:txBody>
+          <a:bodyPr anchorCtr="0" anchor="ctr" bIns="45675" lIns="91375" spcFirstLastPara="1" rIns="91375" wrap="square" tIns="45675">
+            <a:noAutofit/>
+          </a:bodyPr>
+          <a:lstStyle/>
+          <a:p>
+            <a:pPr indent="0" lvl="0" marL="0" marR="0" rtl="0" algn="ctr">
+              <a:lnSpc>
+                <a:spcPct val="100000"/>
+              </a:lnSpc>
+              <a:spcBef>
+                <a:spcPts val="0"/>
+              </a:spcBef>
+              <a:spcAft>
+                <a:spcPts val="0"/>
+              </a:spcAft>
+              <a:buClr>
+                <a:schemeClr val="dk1"/>
+              </a:buClr>
+              <a:buSzPts val="4400"/>
+              <a:buFont typeface="Times New Roman"/>
+              <a:buNone/>
+            </a:pPr>
+            <a:r>
+              <a:rPr lang="en-US" sz="4000">
+                <a:latin typeface="Times New Roman"/>
+                <a:ea typeface="Times New Roman"/>
+                <a:cs typeface="Times New Roman"/>
+                <a:sym typeface="Times New Roman"/>
+              </a:rPr>
+              <a:t>DFS Lineup Optimizer</a:t>
+            </a:r>
+            <a:r>
+              <a:rPr b="0" i="0" lang="en-US" sz="4400" u="none" cap="none" strike="noStrike">
+                <a:solidFill>
+                  <a:schemeClr val="dk1"/>
+                </a:solidFill>
+                <a:latin typeface="Times New Roman"/>
+                <a:ea typeface="Times New Roman"/>
+                <a:cs typeface="Times New Roman"/>
+                <a:sym typeface="Times New Roman"/>
+              </a:rPr>
+              <a:t> </a:t>
+            </a:r>
+            <a:endParaRPr/>
+          </a:p>
+        </p:txBody>
+      </p:sp>
       <p:sp>
         <p:nvSpPr>
-          <p:cNvPr id="115" name="Shape 115"/>
+          <p:cNvPr id="116" name="Shape 116"/>
+          <p:cNvSpPr txBox="1"/>
+          <p:nvPr>
+            <p:ph idx="1" type="body"/>
+          </p:nvPr>
+        </p:nvSpPr>
+        <p:spPr>
+          <a:xfrm>
+            <a:off x="457200" y="1479000"/>
+            <a:ext cx="8229600" cy="4724400"/>
+          </a:xfrm>
+          <a:prstGeom prst="rect">
+            <a:avLst/>
+          </a:prstGeom>
+          <a:noFill/>
+          <a:ln>
+            <a:noFill/>
+          </a:ln>
+        </p:spPr>
+        <p:txBody>
+          <a:bodyPr anchorCtr="0" anchor="t" bIns="45675" lIns="91375" spcFirstLastPara="1" rIns="91375" wrap="square" tIns="45675">
+            <a:noAutofit/>
+          </a:bodyPr>
+          <a:lstStyle/>
+          <a:p>
+            <a:pPr indent="0" lvl="0" marL="0" rtl="0">
+              <a:lnSpc>
+                <a:spcPct val="115000"/>
+              </a:lnSpc>
+              <a:spcBef>
+                <a:spcPts val="0"/>
+              </a:spcBef>
+              <a:spcAft>
+                <a:spcPts val="0"/>
+              </a:spcAft>
+              <a:buClr>
+                <a:schemeClr val="dk1"/>
+              </a:buClr>
+              <a:buSzPts val="1100"/>
+              <a:buFont typeface="Arial"/>
+              <a:buNone/>
+            </a:pPr>
+            <a:r>
+              <a:t/>
+            </a:r>
+            <a:endParaRPr sz="1100">
+              <a:latin typeface="Arial"/>
+              <a:ea typeface="Arial"/>
+              <a:cs typeface="Arial"/>
+              <a:sym typeface="Arial"/>
+            </a:endParaRPr>
+          </a:p>
+          <a:p>
+            <a:pPr indent="0" lvl="0" marL="0" marR="0" rtl="0" algn="l">
+              <a:lnSpc>
+                <a:spcPct val="100000"/>
+              </a:lnSpc>
+              <a:spcBef>
+                <a:spcPts val="640"/>
+              </a:spcBef>
+              <a:spcAft>
+                <a:spcPts val="0"/>
+              </a:spcAft>
+              <a:buClr>
+                <a:schemeClr val="dk1"/>
+              </a:buClr>
+              <a:buSzPts val="3200"/>
+              <a:buFont typeface="Arial"/>
+              <a:buNone/>
+            </a:pPr>
+            <a:r>
+              <a:rPr b="0" i="0" lang="en-US" sz="3200" u="none" cap="none" strike="noStrike">
+                <a:solidFill>
+                  <a:schemeClr val="dk1"/>
+                </a:solidFill>
+                <a:latin typeface="Times New Roman"/>
+                <a:ea typeface="Times New Roman"/>
+                <a:cs typeface="Times New Roman"/>
+                <a:sym typeface="Times New Roman"/>
+              </a:rPr>
+              <a:t>Sprint 2 user stories</a:t>
+            </a:r>
+            <a:endParaRPr b="0" i="0" sz="2000" u="none" cap="none" strike="noStrike">
+              <a:solidFill>
+                <a:schemeClr val="dk1"/>
+              </a:solidFill>
+              <a:latin typeface="Times New Roman"/>
+              <a:ea typeface="Times New Roman"/>
+              <a:cs typeface="Times New Roman"/>
+              <a:sym typeface="Times New Roman"/>
+            </a:endParaRPr>
+          </a:p>
+          <a:p>
+            <a:pPr indent="-163512" lvl="0" marL="341312" marR="0" rtl="0" algn="l">
+              <a:spcBef>
+                <a:spcPts val="560"/>
+              </a:spcBef>
+              <a:spcAft>
+                <a:spcPts val="0"/>
+              </a:spcAft>
+              <a:buClr>
+                <a:schemeClr val="dk1"/>
+              </a:buClr>
+              <a:buSzPts val="2800"/>
+              <a:buFont typeface="Arial"/>
+              <a:buNone/>
+            </a:pPr>
+            <a:r>
+              <a:t/>
+            </a:r>
+            <a:endParaRPr b="0" i="0" sz="2800" u="none">
+              <a:solidFill>
+                <a:schemeClr val="dk1"/>
+              </a:solidFill>
+              <a:latin typeface="Times New Roman"/>
+              <a:ea typeface="Times New Roman"/>
+              <a:cs typeface="Times New Roman"/>
+              <a:sym typeface="Times New Roman"/>
+            </a:endParaRPr>
+          </a:p>
+        </p:txBody>
+      </p:sp>
+      <p:sp>
+        <p:nvSpPr>
+          <p:cNvPr id="117" name="Shape 117"/>
           <p:cNvSpPr txBox="1"/>
           <p:nvPr/>
         </p:nvSpPr>
@@ -16123,6 +16513,515 @@
           </a:p>
         </p:txBody>
       </p:sp>
+      <p:graphicFrame>
+        <p:nvGraphicFramePr>
+          <p:cNvPr id="118" name="Shape 118"/>
+          <p:cNvGraphicFramePr/>
+          <p:nvPr/>
+        </p:nvGraphicFramePr>
+        <p:xfrm>
+          <a:off x="798125" y="2320000"/>
+          <a:ext cx="3000000" cy="3000000"/>
+        </p:xfrm>
+        <a:graphic>
+          <a:graphicData uri="http://schemas.openxmlformats.org/drawingml/2006/table">
+            <a:tbl>
+              <a:tblPr>
+                <a:noFill/>
+                <a:tableStyleId>{F9FAA889-1A48-47E3-8C30-9ADBCAF07F77}</a:tableStyleId>
+              </a:tblPr>
+              <a:tblGrid>
+                <a:gridCol w="3619500"/>
+                <a:gridCol w="3619500"/>
+              </a:tblGrid>
+              <a:tr h="628400">
+                <a:tc>
+                  <a:txBody>
+                    <a:bodyPr>
+                      <a:noAutofit/>
+                    </a:bodyPr>
+                    <a:lstStyle/>
+                    <a:p>
+                      <a:pPr indent="0" lvl="0" marL="0" rtl="0">
+                        <a:lnSpc>
+                          <a:spcPct val="115000"/>
+                        </a:lnSpc>
+                        <a:spcBef>
+                          <a:spcPts val="0"/>
+                        </a:spcBef>
+                        <a:spcAft>
+                          <a:spcPts val="0"/>
+                        </a:spcAft>
+                        <a:buNone/>
+                      </a:pPr>
+                      <a:r>
+                        <a:rPr b="1" lang="en-US" sz="1800">
+                          <a:solidFill>
+                            <a:schemeClr val="dk1"/>
+                          </a:solidFill>
+                        </a:rPr>
+                        <a:t>User Stories</a:t>
+                      </a:r>
+                      <a:endParaRPr b="1" sz="1800">
+                        <a:solidFill>
+                          <a:schemeClr val="dk1"/>
+                        </a:solidFill>
+                      </a:endParaRPr>
+                    </a:p>
+                  </a:txBody>
+                  <a:tcPr marT="91425" marB="91425" marR="91425" marL="91425"/>
+                </a:tc>
+                <a:tc>
+                  <a:txBody>
+                    <a:bodyPr>
+                      <a:noAutofit/>
+                    </a:bodyPr>
+                    <a:lstStyle/>
+                    <a:p>
+                      <a:pPr indent="0" lvl="0" marL="0" rtl="0">
+                        <a:spcBef>
+                          <a:spcPts val="0"/>
+                        </a:spcBef>
+                        <a:spcAft>
+                          <a:spcPts val="0"/>
+                        </a:spcAft>
+                        <a:buNone/>
+                      </a:pPr>
+                      <a:r>
+                        <a:rPr b="1" lang="en-US" sz="1800"/>
+                        <a:t>High-Level Goal</a:t>
+                      </a:r>
+                      <a:endParaRPr b="1" sz="1800"/>
+                    </a:p>
+                  </a:txBody>
+                  <a:tcPr marT="91425" marB="91425" marR="91425" marL="91425"/>
+                </a:tc>
+              </a:tr>
+              <a:tr h="788075">
+                <a:tc>
+                  <a:txBody>
+                    <a:bodyPr>
+                      <a:noAutofit/>
+                    </a:bodyPr>
+                    <a:lstStyle/>
+                    <a:p>
+                      <a:pPr indent="0" lvl="0" marL="0" rtl="0">
+                        <a:lnSpc>
+                          <a:spcPct val="115000"/>
+                        </a:lnSpc>
+                        <a:spcBef>
+                          <a:spcPts val="0"/>
+                        </a:spcBef>
+                        <a:spcAft>
+                          <a:spcPts val="0"/>
+                        </a:spcAft>
+                        <a:buClr>
+                          <a:schemeClr val="dk1"/>
+                        </a:buClr>
+                        <a:buSzPts val="1100"/>
+                        <a:buFont typeface="Arial"/>
+                        <a:buNone/>
+                      </a:pPr>
+                      <a:r>
+                        <a:rPr lang="en-US" sz="1100">
+                          <a:solidFill>
+                            <a:schemeClr val="dk1"/>
+                          </a:solidFill>
+                        </a:rPr>
+                        <a:t>As a DFS player I want a ‘constraint’ for the number of unique values(really strings) in each column so I can limit the number of players in each position/team</a:t>
+                      </a:r>
+                      <a:endParaRPr sz="1100">
+                        <a:solidFill>
+                          <a:schemeClr val="dk1"/>
+                        </a:solidFill>
+                      </a:endParaRPr>
+                    </a:p>
+                  </a:txBody>
+                  <a:tcPr marT="91425" marB="91425" marR="91425" marL="91425"/>
+                </a:tc>
+                <a:tc>
+                  <a:txBody>
+                    <a:bodyPr>
+                      <a:noAutofit/>
+                    </a:bodyPr>
+                    <a:lstStyle/>
+                    <a:p>
+                      <a:pPr indent="-298450" lvl="0" marL="457200" rtl="0">
+                        <a:lnSpc>
+                          <a:spcPct val="115000"/>
+                        </a:lnSpc>
+                        <a:spcBef>
+                          <a:spcPts val="0"/>
+                        </a:spcBef>
+                        <a:spcAft>
+                          <a:spcPts val="0"/>
+                        </a:spcAft>
+                        <a:buClr>
+                          <a:schemeClr val="dk1"/>
+                        </a:buClr>
+                        <a:buSzPts val="1100"/>
+                        <a:buChar char="●"/>
+                      </a:pPr>
+                      <a:r>
+                        <a:rPr lang="en-US" sz="1100">
+                          <a:solidFill>
+                            <a:schemeClr val="dk1"/>
+                          </a:solidFill>
+                        </a:rPr>
+                        <a:t>Be able to create lineup constraints for all usual settings present in DFS Optimizers</a:t>
+                      </a:r>
+                      <a:endParaRPr sz="1100">
+                        <a:solidFill>
+                          <a:schemeClr val="dk1"/>
+                        </a:solidFill>
+                      </a:endParaRPr>
+                    </a:p>
+                    <a:p>
+                      <a:pPr indent="-298450" lvl="0" marL="457200" rtl="0">
+                        <a:lnSpc>
+                          <a:spcPct val="115000"/>
+                        </a:lnSpc>
+                        <a:spcBef>
+                          <a:spcPts val="0"/>
+                        </a:spcBef>
+                        <a:spcAft>
+                          <a:spcPts val="0"/>
+                        </a:spcAft>
+                        <a:buClr>
+                          <a:schemeClr val="dk1"/>
+                        </a:buClr>
+                        <a:buSzPts val="1100"/>
+                        <a:buChar char="●"/>
+                      </a:pPr>
+                      <a:r>
+                        <a:rPr lang="en-US" sz="1100">
+                          <a:solidFill>
+                            <a:schemeClr val="dk1"/>
+                          </a:solidFill>
+                        </a:rPr>
+                        <a:t>Be able to create non-trivial constraints based on user’s own insights</a:t>
+                      </a:r>
+                      <a:endParaRPr sz="1100">
+                        <a:solidFill>
+                          <a:schemeClr val="dk1"/>
+                        </a:solidFill>
+                      </a:endParaRPr>
+                    </a:p>
+                  </a:txBody>
+                  <a:tcPr marT="91425" marB="91425" marR="91425" marL="91425"/>
+                </a:tc>
+              </a:tr>
+              <a:tr h="788075">
+                <a:tc>
+                  <a:txBody>
+                    <a:bodyPr>
+                      <a:noAutofit/>
+                    </a:bodyPr>
+                    <a:lstStyle/>
+                    <a:p>
+                      <a:pPr indent="0" lvl="0" marL="0" rtl="0">
+                        <a:lnSpc>
+                          <a:spcPct val="115000"/>
+                        </a:lnSpc>
+                        <a:spcBef>
+                          <a:spcPts val="0"/>
+                        </a:spcBef>
+                        <a:spcAft>
+                          <a:spcPts val="0"/>
+                        </a:spcAft>
+                        <a:buNone/>
+                      </a:pPr>
+                      <a:r>
+                        <a:rPr lang="en-US" sz="1100">
+                          <a:solidFill>
+                            <a:schemeClr val="dk1"/>
+                          </a:solidFill>
+                        </a:rPr>
+                        <a:t>As a DFS player I want a to choose the number of lineups output so I hedge/consolidate my risks</a:t>
+                      </a:r>
+                      <a:endParaRPr sz="1100">
+                        <a:solidFill>
+                          <a:schemeClr val="dk1"/>
+                        </a:solidFill>
+                      </a:endParaRPr>
+                    </a:p>
+                    <a:p>
+                      <a:pPr indent="0" lvl="0" marL="0" rtl="0">
+                        <a:lnSpc>
+                          <a:spcPct val="115000"/>
+                        </a:lnSpc>
+                        <a:spcBef>
+                          <a:spcPts val="0"/>
+                        </a:spcBef>
+                        <a:spcAft>
+                          <a:spcPts val="0"/>
+                        </a:spcAft>
+                        <a:buNone/>
+                      </a:pPr>
+                      <a:r>
+                        <a:t/>
+                      </a:r>
+                      <a:endParaRPr sz="1100">
+                        <a:solidFill>
+                          <a:schemeClr val="dk1"/>
+                        </a:solidFill>
+                      </a:endParaRPr>
+                    </a:p>
+                  </a:txBody>
+                  <a:tcPr marT="91425" marB="91425" marR="91425" marL="91425"/>
+                </a:tc>
+                <a:tc>
+                  <a:txBody>
+                    <a:bodyPr>
+                      <a:noAutofit/>
+                    </a:bodyPr>
+                    <a:lstStyle/>
+                    <a:p>
+                      <a:pPr indent="-298450" lvl="0" marL="457200" rtl="0">
+                        <a:lnSpc>
+                          <a:spcPct val="115000"/>
+                        </a:lnSpc>
+                        <a:spcBef>
+                          <a:spcPts val="0"/>
+                        </a:spcBef>
+                        <a:spcAft>
+                          <a:spcPts val="0"/>
+                        </a:spcAft>
+                        <a:buClr>
+                          <a:schemeClr val="dk1"/>
+                        </a:buClr>
+                        <a:buSzPts val="1100"/>
+                        <a:buChar char="●"/>
+                      </a:pPr>
+                      <a:r>
+                        <a:rPr lang="en-US" sz="1100">
+                          <a:solidFill>
+                            <a:schemeClr val="dk1"/>
+                          </a:solidFill>
+                        </a:rPr>
+                        <a:t>Be able to create lineup constraints for all usual settings present in DFS Optimizers</a:t>
+                      </a:r>
+                      <a:endParaRPr/>
+                    </a:p>
+                  </a:txBody>
+                  <a:tcPr marT="91425" marB="91425" marR="91425" marL="91425"/>
+                </a:tc>
+              </a:tr>
+              <a:tr h="589050">
+                <a:tc>
+                  <a:txBody>
+                    <a:bodyPr>
+                      <a:noAutofit/>
+                    </a:bodyPr>
+                    <a:lstStyle/>
+                    <a:p>
+                      <a:pPr indent="0" lvl="0" marL="0" rtl="0">
+                        <a:lnSpc>
+                          <a:spcPct val="115000"/>
+                        </a:lnSpc>
+                        <a:spcBef>
+                          <a:spcPts val="0"/>
+                        </a:spcBef>
+                        <a:spcAft>
+                          <a:spcPts val="0"/>
+                        </a:spcAft>
+                        <a:buNone/>
+                      </a:pPr>
+                      <a:r>
+                        <a:rPr lang="en-US" sz="1100">
+                          <a:solidFill>
+                            <a:schemeClr val="dk1"/>
+                          </a:solidFill>
+                        </a:rPr>
+                        <a:t>As a DFS player, I want an export to csv so all I don’t have to spend time manually doing it myself</a:t>
+                      </a:r>
+                      <a:endParaRPr sz="1100">
+                        <a:solidFill>
+                          <a:schemeClr val="dk1"/>
+                        </a:solidFill>
+                      </a:endParaRPr>
+                    </a:p>
+                    <a:p>
+                      <a:pPr indent="0" lvl="0" marL="0" rtl="0">
+                        <a:lnSpc>
+                          <a:spcPct val="115000"/>
+                        </a:lnSpc>
+                        <a:spcBef>
+                          <a:spcPts val="0"/>
+                        </a:spcBef>
+                        <a:spcAft>
+                          <a:spcPts val="0"/>
+                        </a:spcAft>
+                        <a:buNone/>
+                      </a:pPr>
+                      <a:r>
+                        <a:t/>
+                      </a:r>
+                      <a:endParaRPr sz="1100">
+                        <a:solidFill>
+                          <a:schemeClr val="dk1"/>
+                        </a:solidFill>
+                      </a:endParaRPr>
+                    </a:p>
+                  </a:txBody>
+                  <a:tcPr marT="91425" marB="91425" marR="91425" marL="91425"/>
+                </a:tc>
+                <a:tc>
+                  <a:txBody>
+                    <a:bodyPr>
+                      <a:noAutofit/>
+                    </a:bodyPr>
+                    <a:lstStyle/>
+                    <a:p>
+                      <a:pPr indent="-298450" lvl="0" marL="457200" rtl="0">
+                        <a:lnSpc>
+                          <a:spcPct val="115000"/>
+                        </a:lnSpc>
+                        <a:spcBef>
+                          <a:spcPts val="0"/>
+                        </a:spcBef>
+                        <a:spcAft>
+                          <a:spcPts val="0"/>
+                        </a:spcAft>
+                        <a:buClr>
+                          <a:schemeClr val="dk1"/>
+                        </a:buClr>
+                        <a:buSzPts val="1100"/>
+                        <a:buChar char="●"/>
+                      </a:pPr>
+                      <a:r>
+                        <a:rPr lang="en-US" sz="1100">
+                          <a:solidFill>
+                            <a:schemeClr val="dk1"/>
+                          </a:solidFill>
+                        </a:rPr>
+                        <a:t>Be able to produce optimized lineups</a:t>
+                      </a:r>
+                      <a:endParaRPr sz="1100">
+                        <a:solidFill>
+                          <a:schemeClr val="dk1"/>
+                        </a:solidFill>
+                      </a:endParaRPr>
+                    </a:p>
+                    <a:p>
+                      <a:pPr indent="0" lvl="0" marL="0" rtl="0">
+                        <a:spcBef>
+                          <a:spcPts val="0"/>
+                        </a:spcBef>
+                        <a:spcAft>
+                          <a:spcPts val="0"/>
+                        </a:spcAft>
+                        <a:buNone/>
+                      </a:pPr>
+                      <a:r>
+                        <a:t/>
+                      </a:r>
+                      <a:endParaRPr/>
+                    </a:p>
+                  </a:txBody>
+                  <a:tcPr marT="91425" marB="91425" marR="91425" marL="91425"/>
+                </a:tc>
+              </a:tr>
+              <a:tr h="589050">
+                <a:tc>
+                  <a:txBody>
+                    <a:bodyPr>
+                      <a:noAutofit/>
+                    </a:bodyPr>
+                    <a:lstStyle/>
+                    <a:p>
+                      <a:pPr indent="0" lvl="0" marL="0" rtl="0">
+                        <a:lnSpc>
+                          <a:spcPct val="115000"/>
+                        </a:lnSpc>
+                        <a:spcBef>
+                          <a:spcPts val="0"/>
+                        </a:spcBef>
+                        <a:spcAft>
+                          <a:spcPts val="0"/>
+                        </a:spcAft>
+                        <a:buNone/>
+                      </a:pPr>
+                      <a:r>
+                        <a:rPr lang="en-US" sz="1100">
+                          <a:solidFill>
+                            <a:schemeClr val="dk1"/>
+                          </a:solidFill>
+                        </a:rPr>
+                        <a:t>As a DFS player I want savable configurations so I can easily use it multiple times</a:t>
+                      </a:r>
+                      <a:endParaRPr sz="1100">
+                        <a:solidFill>
+                          <a:schemeClr val="dk1"/>
+                        </a:solidFill>
+                      </a:endParaRPr>
+                    </a:p>
+                    <a:p>
+                      <a:pPr indent="0" lvl="0" marL="0" rtl="0">
+                        <a:lnSpc>
+                          <a:spcPct val="115000"/>
+                        </a:lnSpc>
+                        <a:spcBef>
+                          <a:spcPts val="0"/>
+                        </a:spcBef>
+                        <a:spcAft>
+                          <a:spcPts val="0"/>
+                        </a:spcAft>
+                        <a:buNone/>
+                      </a:pPr>
+                      <a:r>
+                        <a:t/>
+                      </a:r>
+                      <a:endParaRPr sz="1100">
+                        <a:solidFill>
+                          <a:schemeClr val="dk1"/>
+                        </a:solidFill>
+                      </a:endParaRPr>
+                    </a:p>
+                  </a:txBody>
+                  <a:tcPr marT="91425" marB="91425" marR="91425" marL="91425"/>
+                </a:tc>
+                <a:tc>
+                  <a:txBody>
+                    <a:bodyPr>
+                      <a:noAutofit/>
+                    </a:bodyPr>
+                    <a:lstStyle/>
+                    <a:p>
+                      <a:pPr indent="-298450" lvl="0" marL="457200" rtl="0">
+                        <a:lnSpc>
+                          <a:spcPct val="115000"/>
+                        </a:lnSpc>
+                        <a:spcBef>
+                          <a:spcPts val="0"/>
+                        </a:spcBef>
+                        <a:spcAft>
+                          <a:spcPts val="0"/>
+                        </a:spcAft>
+                        <a:buClr>
+                          <a:schemeClr val="dk1"/>
+                        </a:buClr>
+                        <a:buSzPts val="1100"/>
+                        <a:buChar char="●"/>
+                      </a:pPr>
+                      <a:r>
+                        <a:rPr lang="en-US" sz="1100">
+                          <a:solidFill>
+                            <a:schemeClr val="dk1"/>
+                          </a:solidFill>
+                        </a:rPr>
+                        <a:t>Be able to create lineup constraints for all usual settings present in DFS Optimizers</a:t>
+                      </a:r>
+                      <a:endParaRPr/>
+                    </a:p>
+                  </a:txBody>
+                  <a:tcPr marT="91425" marB="91425" marR="91425" marL="91425"/>
+                </a:tc>
+              </a:tr>
+            </a:tbl>
+          </a:graphicData>
+        </a:graphic>
+      </p:graphicFrame>
     </p:spTree>
   </p:cSld>
   <p:clrMapOvr>
@@ -16136,7 +17035,7 @@
   <p:cSld>
     <p:spTree>
       <p:nvGrpSpPr>
-        <p:cNvPr id="119" name="Shape 119"/>
+        <p:cNvPr id="122" name="Shape 122"/>
         <p:cNvGrpSpPr/>
         <p:nvPr/>
       </p:nvGrpSpPr>
@@ -16150,7 +17049,7 @@
       </p:grpSpPr>
       <p:pic>
         <p:nvPicPr>
-          <p:cNvPr id="120" name="Shape 120"/>
+          <p:cNvPr id="123" name="Shape 123"/>
           <p:cNvPicPr preferRelativeResize="0"/>
           <p:nvPr/>
         </p:nvPicPr>
@@ -16177,14 +17076,14 @@
       </p:pic>
       <p:sp>
         <p:nvSpPr>
-          <p:cNvPr id="121" name="Shape 121"/>
+          <p:cNvPr id="124" name="Shape 124"/>
           <p:cNvSpPr txBox="1"/>
           <p:nvPr/>
         </p:nvSpPr>
         <p:spPr>
           <a:xfrm>
             <a:off x="152400" y="149225"/>
-            <a:ext cx="6762750" cy="584200"/>
+            <a:ext cx="6686400" cy="584100"/>
           </a:xfrm>
           <a:prstGeom prst="rect">
             <a:avLst/>
@@ -16218,7 +17117,7 @@
               <a:buNone/>
             </a:pPr>
             <a:r>
-              <a:rPr b="0" i="0" lang="en-US" sz="3200" u="none">
+              <a:rPr b="1" i="0" lang="en-US" sz="3200" u="none">
                 <a:solidFill>
                   <a:srgbClr val="17375E"/>
                 </a:solidFill>
@@ -16227,7 +17126,7 @@
                 <a:cs typeface="Times New Roman"/>
                 <a:sym typeface="Times New Roman"/>
               </a:rPr>
-              <a:t>Project Release Plan – Challenges/Risks </a:t>
+              <a:t>Project Release Plan – User Stories</a:t>
             </a:r>
             <a:endParaRPr/>
           </a:p>
@@ -16235,7 +17134,7 @@
       </p:sp>
       <p:sp>
         <p:nvSpPr>
-          <p:cNvPr id="122" name="Shape 122"/>
+          <p:cNvPr id="125" name="Shape 125"/>
           <p:cNvSpPr txBox="1"/>
           <p:nvPr>
             <p:ph type="title"/>
@@ -16304,7 +17203,7 @@
       </p:sp>
       <p:sp>
         <p:nvSpPr>
-          <p:cNvPr id="123" name="Shape 123"/>
+          <p:cNvPr id="126" name="Shape 126"/>
           <p:cNvSpPr txBox="1"/>
           <p:nvPr>
             <p:ph idx="1" type="body"/>
@@ -16312,8 +17211,8 @@
         </p:nvSpPr>
         <p:spPr>
           <a:xfrm>
-            <a:off x="457200" y="2133600"/>
-            <a:ext cx="8229600" cy="3992562"/>
+            <a:off x="457200" y="1357725"/>
+            <a:ext cx="8229600" cy="4724400"/>
           </a:xfrm>
           <a:prstGeom prst="rect">
             <a:avLst/>
@@ -16329,12 +17228,40 @@
           </a:bodyPr>
           <a:lstStyle/>
           <a:p>
+            <a:pPr indent="0" lvl="0" marL="0" rtl="0">
+              <a:lnSpc>
+                <a:spcPct val="115000"/>
+              </a:lnSpc>
+              <a:spcBef>
+                <a:spcPts val="0"/>
+              </a:spcBef>
+              <a:spcAft>
+                <a:spcPts val="0"/>
+              </a:spcAft>
+              <a:buClr>
+                <a:schemeClr val="dk1"/>
+              </a:buClr>
+              <a:buSzPts val="1100"/>
+              <a:buFont typeface="Arial"/>
+              <a:buNone/>
+            </a:pPr>
+            <a:r>
+              <a:t/>
+            </a:r>
+            <a:endParaRPr sz="1100">
+              <a:latin typeface="Arial"/>
+              <a:ea typeface="Arial"/>
+              <a:cs typeface="Arial"/>
+              <a:sym typeface="Arial"/>
+            </a:endParaRPr>
+          </a:p>
+          <a:p>
             <a:pPr indent="0" lvl="0" marL="0" marR="0" rtl="0" algn="l">
               <a:lnSpc>
                 <a:spcPct val="100000"/>
               </a:lnSpc>
               <a:spcBef>
-                <a:spcPts val="0"/>
+                <a:spcPts val="640"/>
               </a:spcBef>
               <a:spcAft>
                 <a:spcPts val="0"/>
@@ -16347,7 +17274,7 @@
               <a:buNone/>
             </a:pPr>
             <a:r>
-              <a:rPr b="0" i="0" lang="en-US" sz="3200" u="none">
+              <a:rPr b="0" i="0" lang="en-US" sz="3200" u="none" cap="none" strike="noStrike">
                 <a:solidFill>
                   <a:schemeClr val="dk1"/>
                 </a:solidFill>
@@ -16356,7 +17283,19 @@
                 <a:cs typeface="Times New Roman"/>
                 <a:sym typeface="Times New Roman"/>
               </a:rPr>
-              <a:t>Challenge/Risk 1 </a:t>
+              <a:t>Sprint 3 user stories </a:t>
+            </a:r>
+            <a:r>
+              <a:rPr b="0" i="0" lang="en-US" sz="2000" u="none" cap="none" strike="noStrike">
+                <a:solidFill>
+                  <a:schemeClr val="dk1"/>
+                </a:solidFill>
+                <a:latin typeface="Times New Roman"/>
+                <a:ea typeface="Times New Roman"/>
+                <a:cs typeface="Times New Roman"/>
+                <a:sym typeface="Times New Roman"/>
+              </a:rPr>
+              <a:t>each labeled with </a:t>
             </a:r>
             <a:r>
               <a:rPr lang="en-US" sz="2000">
@@ -16365,121 +17304,7 @@
                 <a:cs typeface="Times New Roman"/>
                 <a:sym typeface="Times New Roman"/>
               </a:rPr>
-              <a:t>(</a:t>
-            </a:r>
-            <a:r>
-              <a:rPr b="0" i="0" lang="en-US" sz="2000" u="none">
-                <a:solidFill>
-                  <a:schemeClr val="dk1"/>
-                </a:solidFill>
-                <a:latin typeface="Times New Roman"/>
-                <a:ea typeface="Times New Roman"/>
-                <a:cs typeface="Times New Roman"/>
-                <a:sym typeface="Times New Roman"/>
-              </a:rPr>
-              <a:t>complex feature set)</a:t>
-            </a:r>
-            <a:endParaRPr b="0" i="0" sz="2000" u="none">
-              <a:solidFill>
-                <a:schemeClr val="dk1"/>
-              </a:solidFill>
-              <a:latin typeface="Times New Roman"/>
-              <a:ea typeface="Times New Roman"/>
-              <a:cs typeface="Times New Roman"/>
-              <a:sym typeface="Times New Roman"/>
-            </a:endParaRPr>
-          </a:p>
-          <a:p>
-            <a:pPr indent="-355600" lvl="0" marL="457200" marR="0" rtl="0" algn="l">
-              <a:lnSpc>
-                <a:spcPct val="100000"/>
-              </a:lnSpc>
-              <a:spcBef>
-                <a:spcPts val="0"/>
-              </a:spcBef>
-              <a:spcAft>
-                <a:spcPts val="0"/>
-              </a:spcAft>
-              <a:buSzPts val="2000"/>
-              <a:buFont typeface="Times New Roman"/>
-              <a:buChar char="•"/>
-            </a:pPr>
-            <a:r>
-              <a:rPr lang="en-US" sz="2000">
-                <a:latin typeface="Times New Roman"/>
-                <a:ea typeface="Times New Roman"/>
-                <a:cs typeface="Times New Roman"/>
-                <a:sym typeface="Times New Roman"/>
-              </a:rPr>
-              <a:t>Have to figure out what Python library to use for GUI</a:t>
-            </a:r>
-            <a:endParaRPr sz="2000">
-              <a:latin typeface="Times New Roman"/>
-              <a:ea typeface="Times New Roman"/>
-              <a:cs typeface="Times New Roman"/>
-              <a:sym typeface="Times New Roman"/>
-            </a:endParaRPr>
-          </a:p>
-          <a:p>
-            <a:pPr indent="-355600" lvl="0" marL="457200" marR="0" rtl="0" algn="l">
-              <a:lnSpc>
-                <a:spcPct val="100000"/>
-              </a:lnSpc>
-              <a:spcBef>
-                <a:spcPts val="0"/>
-              </a:spcBef>
-              <a:spcAft>
-                <a:spcPts val="0"/>
-              </a:spcAft>
-              <a:buSzPts val="2000"/>
-              <a:buFont typeface="Times New Roman"/>
-              <a:buChar char="•"/>
-            </a:pPr>
-            <a:r>
-              <a:rPr lang="en-US" sz="2000">
-                <a:latin typeface="Times New Roman"/>
-                <a:ea typeface="Times New Roman"/>
-                <a:cs typeface="Times New Roman"/>
-                <a:sym typeface="Times New Roman"/>
-              </a:rPr>
-              <a:t>For those who don’t know the language and/or framework, they will have to learn</a:t>
-            </a:r>
-            <a:endParaRPr sz="2000">
-              <a:latin typeface="Times New Roman"/>
-              <a:ea typeface="Times New Roman"/>
-              <a:cs typeface="Times New Roman"/>
-              <a:sym typeface="Times New Roman"/>
-            </a:endParaRPr>
-          </a:p>
-          <a:p>
-            <a:pPr indent="0" lvl="0" marL="0" marR="0" rtl="0" algn="l">
-              <a:lnSpc>
-                <a:spcPct val="100000"/>
-              </a:lnSpc>
-              <a:spcBef>
-                <a:spcPts val="640"/>
-              </a:spcBef>
-              <a:spcAft>
-                <a:spcPts val="0"/>
-              </a:spcAft>
-              <a:buClr>
-                <a:schemeClr val="dk1"/>
-              </a:buClr>
-              <a:buSzPts val="3200"/>
-              <a:buFont typeface="Arial"/>
-              <a:buNone/>
-            </a:pPr>
-            <a:r>
-              <a:rPr b="0" i="0" lang="en-US" sz="3200" u="none">
-                <a:solidFill>
-                  <a:schemeClr val="dk1"/>
-                </a:solidFill>
-                <a:latin typeface="Times New Roman"/>
-                <a:ea typeface="Times New Roman"/>
-                <a:cs typeface="Times New Roman"/>
-                <a:sym typeface="Times New Roman"/>
-              </a:rPr>
-              <a:t>Challenge/Risk 2 </a:t>
+              <a:t>associa</a:t>
             </a:r>
             <a:r>
               <a:rPr lang="en-US" sz="2000">
@@ -16488,10 +17313,10 @@
                 <a:cs typeface="Times New Roman"/>
                 <a:sym typeface="Times New Roman"/>
               </a:rPr>
-              <a:t>(</a:t>
+              <a:t>ted</a:t>
             </a:r>
             <a:r>
-              <a:rPr b="0" i="0" lang="en-US" sz="2000" u="none">
+              <a:rPr b="0" i="0" lang="en-US" sz="2000" u="none" cap="none" strike="noStrike">
                 <a:solidFill>
                   <a:schemeClr val="dk1"/>
                 </a:solidFill>
@@ -16500,53 +17325,17 @@
                 <a:cs typeface="Times New Roman"/>
                 <a:sym typeface="Times New Roman"/>
               </a:rPr>
-              <a:t>unfamiliar technology)</a:t>
+              <a:t> high-level goal</a:t>
             </a:r>
-            <a:endParaRPr b="0" i="0" sz="2000" u="none">
-              <a:solidFill>
-                <a:schemeClr val="dk1"/>
-              </a:solidFill>
-              <a:latin typeface="Times New Roman"/>
-              <a:ea typeface="Times New Roman"/>
-              <a:cs typeface="Times New Roman"/>
-              <a:sym typeface="Times New Roman"/>
-            </a:endParaRPr>
-          </a:p>
-          <a:p>
-            <a:pPr indent="-355600" lvl="0" marL="457200" marR="0" rtl="0" algn="l">
-              <a:lnSpc>
-                <a:spcPct val="100000"/>
-              </a:lnSpc>
-              <a:spcBef>
-                <a:spcPts val="640"/>
-              </a:spcBef>
-              <a:spcAft>
-                <a:spcPts val="0"/>
-              </a:spcAft>
-              <a:buSzPts val="2000"/>
-              <a:buFont typeface="Times New Roman"/>
-              <a:buChar char="•"/>
-            </a:pPr>
-            <a:r>
-              <a:rPr lang="en-US" sz="2000">
-                <a:latin typeface="Times New Roman"/>
-                <a:ea typeface="Times New Roman"/>
-                <a:cs typeface="Times New Roman"/>
-                <a:sym typeface="Times New Roman"/>
-              </a:rPr>
-              <a:t>Figure out how to pass information from GUI</a:t>
-            </a:r>
-            <a:endParaRPr sz="2000">
-              <a:latin typeface="Times New Roman"/>
-              <a:ea typeface="Times New Roman"/>
-              <a:cs typeface="Times New Roman"/>
-              <a:sym typeface="Times New Roman"/>
-            </a:endParaRPr>
+            <a:endParaRPr/>
           </a:p>
           <a:p>
             <a:pPr indent="0" lvl="0" marL="0" rtl="0">
-              <a:spcBef>
-                <a:spcPts val="640"/>
+              <a:lnSpc>
+                <a:spcPct val="115000"/>
+              </a:lnSpc>
+              <a:spcBef>
+                <a:spcPts val="0"/>
               </a:spcBef>
               <a:spcAft>
                 <a:spcPts val="0"/>
@@ -16554,131 +17343,7 @@
               <a:buClr>
                 <a:schemeClr val="dk1"/>
               </a:buClr>
-              <a:buSzPts val="3200"/>
-              <a:buFont typeface="Arial"/>
-              <a:buNone/>
-            </a:pPr>
-            <a:r>
-              <a:rPr lang="en-US">
-                <a:latin typeface="Times New Roman"/>
-                <a:ea typeface="Times New Roman"/>
-                <a:cs typeface="Times New Roman"/>
-                <a:sym typeface="Times New Roman"/>
-              </a:rPr>
-              <a:t>Challenge/Risk 3 </a:t>
-            </a:r>
-            <a:r>
-              <a:rPr lang="en-US" sz="2000">
-                <a:latin typeface="Times New Roman"/>
-                <a:ea typeface="Times New Roman"/>
-                <a:cs typeface="Times New Roman"/>
-                <a:sym typeface="Times New Roman"/>
-              </a:rPr>
-              <a:t>(unfamiliar technology)</a:t>
-            </a:r>
-            <a:endParaRPr sz="2000">
-              <a:latin typeface="Times New Roman"/>
-              <a:ea typeface="Times New Roman"/>
-              <a:cs typeface="Times New Roman"/>
-              <a:sym typeface="Times New Roman"/>
-            </a:endParaRPr>
-          </a:p>
-          <a:p>
-            <a:pPr indent="-355600" lvl="0" marL="457200" rtl="0">
-              <a:spcBef>
-                <a:spcPts val="640"/>
-              </a:spcBef>
-              <a:spcAft>
-                <a:spcPts val="0"/>
-              </a:spcAft>
-              <a:buSzPts val="2000"/>
-              <a:buFont typeface="Times New Roman"/>
-              <a:buChar char="•"/>
-            </a:pPr>
-            <a:r>
-              <a:rPr lang="en-US" sz="2000">
-                <a:latin typeface="Times New Roman"/>
-                <a:ea typeface="Times New Roman"/>
-                <a:cs typeface="Times New Roman"/>
-                <a:sym typeface="Times New Roman"/>
-              </a:rPr>
-              <a:t>Python not being on lab computers(use an </a:t>
-            </a:r>
-            <a:r>
-              <a:rPr lang="en-US" sz="2000" u="sng">
-                <a:solidFill>
-                  <a:schemeClr val="hlink"/>
-                </a:solidFill>
-                <a:latin typeface="Times New Roman"/>
-                <a:ea typeface="Times New Roman"/>
-                <a:cs typeface="Times New Roman"/>
-                <a:sym typeface="Times New Roman"/>
-                <a:hlinkClick r:id="rId4"/>
-              </a:rPr>
-              <a:t>executable</a:t>
-            </a:r>
-            <a:r>
-              <a:rPr lang="en-US" sz="2000">
-                <a:latin typeface="Times New Roman"/>
-                <a:ea typeface="Times New Roman"/>
-                <a:cs typeface="Times New Roman"/>
-                <a:sym typeface="Times New Roman"/>
-              </a:rPr>
-              <a:t>?)</a:t>
-            </a:r>
-            <a:endParaRPr sz="2000">
-              <a:latin typeface="Times New Roman"/>
-              <a:ea typeface="Times New Roman"/>
-              <a:cs typeface="Times New Roman"/>
-              <a:sym typeface="Times New Roman"/>
-            </a:endParaRPr>
-          </a:p>
-          <a:p>
-            <a:pPr indent="0" lvl="0" marL="0" marR="0" rtl="0" algn="l">
-              <a:lnSpc>
-                <a:spcPct val="100000"/>
-              </a:lnSpc>
-              <a:spcBef>
-                <a:spcPts val="640"/>
-              </a:spcBef>
-              <a:spcAft>
-                <a:spcPts val="0"/>
-              </a:spcAft>
-              <a:buClr>
-                <a:schemeClr val="dk1"/>
-              </a:buClr>
               <a:buSzPts val="1100"/>
-              <a:buFont typeface="Arial"/>
-              <a:buNone/>
-            </a:pPr>
-            <a:r>
-              <a:t/>
-            </a:r>
-            <a:endParaRPr b="0" i="0" sz="2000" u="none">
-              <a:solidFill>
-                <a:schemeClr val="dk1"/>
-              </a:solidFill>
-              <a:latin typeface="Times New Roman"/>
-              <a:ea typeface="Times New Roman"/>
-              <a:cs typeface="Times New Roman"/>
-              <a:sym typeface="Times New Roman"/>
-            </a:endParaRPr>
-          </a:p>
-          <a:p>
-            <a:pPr indent="0" lvl="0" marL="0" marR="0" rtl="0" algn="l">
-              <a:lnSpc>
-                <a:spcPct val="100000"/>
-              </a:lnSpc>
-              <a:spcBef>
-                <a:spcPts val="640"/>
-              </a:spcBef>
-              <a:spcAft>
-                <a:spcPts val="0"/>
-              </a:spcAft>
-              <a:buClr>
-                <a:schemeClr val="dk1"/>
-              </a:buClr>
-              <a:buSzPts val="3200"/>
               <a:buFont typeface="Arial"/>
               <a:buNone/>
             </a:pPr>
@@ -16693,70 +17358,66 @@
             </a:endParaRPr>
           </a:p>
           <a:p>
-            <a:pPr indent="0" lvl="0" marL="0" marR="0" rtl="0" algn="l">
-              <a:lnSpc>
-                <a:spcPct val="100000"/>
-              </a:lnSpc>
-              <a:spcBef>
-                <a:spcPts val="400"/>
-              </a:spcBef>
-              <a:spcAft>
-                <a:spcPts val="0"/>
-              </a:spcAft>
-              <a:buClr>
-                <a:schemeClr val="dk1"/>
-              </a:buClr>
-              <a:buSzPts val="2000"/>
-              <a:buFont typeface="Arial"/>
-              <a:buNone/>
-            </a:pPr>
-            <a:r>
-              <a:rPr b="0" i="0" lang="en-US" sz="2000" u="none">
-                <a:solidFill>
-                  <a:schemeClr val="dk1"/>
-                </a:solidFill>
-                <a:latin typeface="Times New Roman"/>
-                <a:ea typeface="Times New Roman"/>
-                <a:cs typeface="Times New Roman"/>
-                <a:sym typeface="Times New Roman"/>
-              </a:rPr>
-              <a:t>…</a:t>
-            </a:r>
-            <a:endParaRPr/>
-          </a:p>
-          <a:p>
-            <a:pPr indent="0" lvl="0" marL="0" marR="0" rtl="0" algn="l">
-              <a:lnSpc>
-                <a:spcPct val="100000"/>
-              </a:lnSpc>
-              <a:spcBef>
-                <a:spcPts val="400"/>
-              </a:spcBef>
-              <a:spcAft>
-                <a:spcPts val="0"/>
-              </a:spcAft>
-              <a:buClr>
-                <a:schemeClr val="dk1"/>
-              </a:buClr>
-              <a:buSzPts val="2000"/>
+            <a:pPr indent="0" lvl="0" marL="0" rtl="0">
+              <a:lnSpc>
+                <a:spcPct val="115000"/>
+              </a:lnSpc>
+              <a:spcBef>
+                <a:spcPts val="0"/>
+              </a:spcBef>
+              <a:spcAft>
+                <a:spcPts val="0"/>
+              </a:spcAft>
+              <a:buClr>
+                <a:srgbClr val="000000"/>
+              </a:buClr>
+              <a:buSzPts val="1100"/>
               <a:buFont typeface="Arial"/>
               <a:buNone/>
             </a:pPr>
             <a:r>
               <a:t/>
             </a:r>
-            <a:endParaRPr b="0" i="0" sz="2000" u="none">
+            <a:endParaRPr sz="1100">
               <a:solidFill>
-                <a:schemeClr val="dk1"/>
+                <a:srgbClr val="000000"/>
               </a:solidFill>
-              <a:latin typeface="Times New Roman"/>
-              <a:ea typeface="Times New Roman"/>
-              <a:cs typeface="Times New Roman"/>
-              <a:sym typeface="Times New Roman"/>
+              <a:latin typeface="Arial"/>
+              <a:ea typeface="Arial"/>
+              <a:cs typeface="Arial"/>
+              <a:sym typeface="Arial"/>
             </a:endParaRPr>
           </a:p>
           <a:p>
-            <a:pPr indent="-163513" lvl="0" marL="341313" marR="0" rtl="0" algn="l">
+            <a:pPr indent="0" lvl="0" marL="0" rtl="0">
+              <a:lnSpc>
+                <a:spcPct val="115000"/>
+              </a:lnSpc>
+              <a:spcBef>
+                <a:spcPts val="0"/>
+              </a:spcBef>
+              <a:spcAft>
+                <a:spcPts val="0"/>
+              </a:spcAft>
+              <a:buClr>
+                <a:schemeClr val="dk1"/>
+              </a:buClr>
+              <a:buSzPts val="1100"/>
+              <a:buFont typeface="Arial"/>
+              <a:buNone/>
+            </a:pPr>
+            <a:r>
+              <a:t/>
+            </a:r>
+            <a:endParaRPr sz="1100">
+              <a:latin typeface="Arial"/>
+              <a:ea typeface="Arial"/>
+              <a:cs typeface="Arial"/>
+              <a:sym typeface="Arial"/>
+            </a:endParaRPr>
+          </a:p>
+          <a:p>
+            <a:pPr indent="-163512" lvl="0" marL="341312" marR="0" rtl="0" algn="l">
               <a:spcBef>
                 <a:spcPts val="560"/>
               </a:spcBef>
@@ -16787,7 +17448,7 @@
       </p:sp>
       <p:sp>
         <p:nvSpPr>
-          <p:cNvPr id="124" name="Shape 124"/>
+          <p:cNvPr id="127" name="Shape 127"/>
           <p:cNvSpPr txBox="1"/>
           <p:nvPr/>
         </p:nvSpPr>
@@ -16850,6 +17511,365 @@
           </a:p>
         </p:txBody>
       </p:sp>
+      <p:graphicFrame>
+        <p:nvGraphicFramePr>
+          <p:cNvPr id="128" name="Shape 128"/>
+          <p:cNvGraphicFramePr/>
+          <p:nvPr/>
+        </p:nvGraphicFramePr>
+        <p:xfrm>
+          <a:off x="1028700" y="2386150"/>
+          <a:ext cx="3000000" cy="3000000"/>
+        </p:xfrm>
+        <a:graphic>
+          <a:graphicData uri="http://schemas.openxmlformats.org/drawingml/2006/table">
+            <a:tbl>
+              <a:tblPr>
+                <a:noFill/>
+                <a:tableStyleId>{F9FAA889-1A48-47E3-8C30-9ADBCAF07F77}</a:tableStyleId>
+              </a:tblPr>
+              <a:tblGrid>
+                <a:gridCol w="3619500"/>
+                <a:gridCol w="3619500"/>
+              </a:tblGrid>
+              <a:tr h="595350">
+                <a:tc>
+                  <a:txBody>
+                    <a:bodyPr>
+                      <a:noAutofit/>
+                    </a:bodyPr>
+                    <a:lstStyle/>
+                    <a:p>
+                      <a:pPr indent="0" lvl="0" marL="0" rtl="0">
+                        <a:lnSpc>
+                          <a:spcPct val="115000"/>
+                        </a:lnSpc>
+                        <a:spcBef>
+                          <a:spcPts val="0"/>
+                        </a:spcBef>
+                        <a:spcAft>
+                          <a:spcPts val="0"/>
+                        </a:spcAft>
+                        <a:buNone/>
+                      </a:pPr>
+                      <a:r>
+                        <a:rPr b="1" lang="en-US" sz="1800">
+                          <a:solidFill>
+                            <a:schemeClr val="dk1"/>
+                          </a:solidFill>
+                        </a:rPr>
+                        <a:t>User Stories</a:t>
+                      </a:r>
+                      <a:endParaRPr b="1" sz="1800">
+                        <a:solidFill>
+                          <a:schemeClr val="dk1"/>
+                        </a:solidFill>
+                      </a:endParaRPr>
+                    </a:p>
+                  </a:txBody>
+                  <a:tcPr marT="91425" marB="91425" marR="91425" marL="91425"/>
+                </a:tc>
+                <a:tc>
+                  <a:txBody>
+                    <a:bodyPr>
+                      <a:noAutofit/>
+                    </a:bodyPr>
+                    <a:lstStyle/>
+                    <a:p>
+                      <a:pPr indent="0" lvl="0" marL="0" rtl="0">
+                        <a:spcBef>
+                          <a:spcPts val="0"/>
+                        </a:spcBef>
+                        <a:spcAft>
+                          <a:spcPts val="0"/>
+                        </a:spcAft>
+                        <a:buNone/>
+                      </a:pPr>
+                      <a:r>
+                        <a:rPr b="1" lang="en-US" sz="1800"/>
+                        <a:t>High-Level Goal</a:t>
+                      </a:r>
+                      <a:endParaRPr b="1" sz="1800"/>
+                    </a:p>
+                  </a:txBody>
+                  <a:tcPr marT="91425" marB="91425" marR="91425" marL="91425"/>
+                </a:tc>
+              </a:tr>
+              <a:tr h="788075">
+                <a:tc>
+                  <a:txBody>
+                    <a:bodyPr>
+                      <a:noAutofit/>
+                    </a:bodyPr>
+                    <a:lstStyle/>
+                    <a:p>
+                      <a:pPr indent="0" lvl="0" marL="0" rtl="0">
+                        <a:lnSpc>
+                          <a:spcPct val="115000"/>
+                        </a:lnSpc>
+                        <a:spcBef>
+                          <a:spcPts val="0"/>
+                        </a:spcBef>
+                        <a:spcAft>
+                          <a:spcPts val="0"/>
+                        </a:spcAft>
+                        <a:buNone/>
+                      </a:pPr>
+                      <a:r>
+                        <a:rPr lang="en-US" sz="1100">
+                          <a:solidFill>
+                            <a:schemeClr val="dk1"/>
+                          </a:solidFill>
+                        </a:rPr>
+                        <a:t>As a DFS player I want a large amount of possible ‘constraints’(5+) so I can just plug in my data without modifying it and without</a:t>
+                      </a:r>
+                      <a:endParaRPr sz="1100">
+                        <a:solidFill>
+                          <a:schemeClr val="dk1"/>
+                        </a:solidFill>
+                      </a:endParaRPr>
+                    </a:p>
+                  </a:txBody>
+                  <a:tcPr marT="91425" marB="91425" marR="91425" marL="91425"/>
+                </a:tc>
+                <a:tc>
+                  <a:txBody>
+                    <a:bodyPr>
+                      <a:noAutofit/>
+                    </a:bodyPr>
+                    <a:lstStyle/>
+                    <a:p>
+                      <a:pPr indent="-298450" lvl="0" marL="457200" rtl="0">
+                        <a:lnSpc>
+                          <a:spcPct val="115000"/>
+                        </a:lnSpc>
+                        <a:spcBef>
+                          <a:spcPts val="0"/>
+                        </a:spcBef>
+                        <a:spcAft>
+                          <a:spcPts val="0"/>
+                        </a:spcAft>
+                        <a:buClr>
+                          <a:schemeClr val="dk1"/>
+                        </a:buClr>
+                        <a:buSzPts val="1100"/>
+                        <a:buChar char="●"/>
+                      </a:pPr>
+                      <a:r>
+                        <a:rPr lang="en-US" sz="1100">
+                          <a:solidFill>
+                            <a:schemeClr val="dk1"/>
+                          </a:solidFill>
+                        </a:rPr>
+                        <a:t> Be able to create non-trivial constraints based on user’s own insights</a:t>
+                      </a:r>
+                      <a:endParaRPr sz="1100">
+                        <a:solidFill>
+                          <a:schemeClr val="dk1"/>
+                        </a:solidFill>
+                      </a:endParaRPr>
+                    </a:p>
+                  </a:txBody>
+                  <a:tcPr marT="91425" marB="91425" marR="91425" marL="91425"/>
+                </a:tc>
+              </a:tr>
+              <a:tr h="815625">
+                <a:tc>
+                  <a:txBody>
+                    <a:bodyPr>
+                      <a:noAutofit/>
+                    </a:bodyPr>
+                    <a:lstStyle/>
+                    <a:p>
+                      <a:pPr indent="0" lvl="0" marL="0" rtl="0">
+                        <a:lnSpc>
+                          <a:spcPct val="115000"/>
+                        </a:lnSpc>
+                        <a:spcBef>
+                          <a:spcPts val="0"/>
+                        </a:spcBef>
+                        <a:spcAft>
+                          <a:spcPts val="0"/>
+                        </a:spcAft>
+                        <a:buNone/>
+                      </a:pPr>
+                      <a:r>
+                        <a:rPr lang="en-US" sz="1100">
+                          <a:solidFill>
+                            <a:schemeClr val="dk1"/>
+                          </a:solidFill>
+                        </a:rPr>
+                        <a:t>As a DFS player I want a ‘constraint’ for the number of times a certain row#(player) is selected so I can hedge/consolidate my risks</a:t>
+                      </a:r>
+                      <a:endParaRPr sz="1100">
+                        <a:solidFill>
+                          <a:schemeClr val="dk1"/>
+                        </a:solidFill>
+                      </a:endParaRPr>
+                    </a:p>
+                  </a:txBody>
+                  <a:tcPr marT="91425" marB="91425" marR="91425" marL="91425"/>
+                </a:tc>
+                <a:tc>
+                  <a:txBody>
+                    <a:bodyPr>
+                      <a:noAutofit/>
+                    </a:bodyPr>
+                    <a:lstStyle/>
+                    <a:p>
+                      <a:pPr indent="-298450" lvl="0" marL="457200" rtl="0">
+                        <a:lnSpc>
+                          <a:spcPct val="115000"/>
+                        </a:lnSpc>
+                        <a:spcBef>
+                          <a:spcPts val="0"/>
+                        </a:spcBef>
+                        <a:spcAft>
+                          <a:spcPts val="0"/>
+                        </a:spcAft>
+                        <a:buClr>
+                          <a:schemeClr val="dk1"/>
+                        </a:buClr>
+                        <a:buSzPts val="1100"/>
+                        <a:buChar char="●"/>
+                      </a:pPr>
+                      <a:r>
+                        <a:rPr lang="en-US" sz="1100">
+                          <a:solidFill>
+                            <a:schemeClr val="dk1"/>
+                          </a:solidFill>
+                        </a:rPr>
+                        <a:t>Be able to create lineup constraints for all usual settings present in DFS Optimizers</a:t>
+                      </a:r>
+                      <a:endParaRPr sz="1100">
+                        <a:solidFill>
+                          <a:schemeClr val="dk1"/>
+                        </a:solidFill>
+                      </a:endParaRPr>
+                    </a:p>
+                  </a:txBody>
+                  <a:tcPr marT="91425" marB="91425" marR="91425" marL="91425"/>
+                </a:tc>
+              </a:tr>
+              <a:tr h="592025">
+                <a:tc>
+                  <a:txBody>
+                    <a:bodyPr>
+                      <a:noAutofit/>
+                    </a:bodyPr>
+                    <a:lstStyle/>
+                    <a:p>
+                      <a:pPr indent="0" lvl="0" marL="0" rtl="0">
+                        <a:lnSpc>
+                          <a:spcPct val="115000"/>
+                        </a:lnSpc>
+                        <a:spcBef>
+                          <a:spcPts val="0"/>
+                        </a:spcBef>
+                        <a:spcAft>
+                          <a:spcPts val="0"/>
+                        </a:spcAft>
+                        <a:buNone/>
+                      </a:pPr>
+                      <a:r>
+                        <a:rPr lang="en-US" sz="1100">
+                          <a:solidFill>
+                            <a:schemeClr val="dk1"/>
+                          </a:solidFill>
+                        </a:rPr>
+                        <a:t>As a DFS player I want preloaded configurations for different sports/DFS providers so I can quickly modify and use the tool</a:t>
+                      </a:r>
+                      <a:endParaRPr sz="1100">
+                        <a:solidFill>
+                          <a:schemeClr val="dk1"/>
+                        </a:solidFill>
+                      </a:endParaRPr>
+                    </a:p>
+                    <a:p>
+                      <a:pPr indent="0" lvl="0" marL="0" rtl="0">
+                        <a:lnSpc>
+                          <a:spcPct val="115000"/>
+                        </a:lnSpc>
+                        <a:spcBef>
+                          <a:spcPts val="0"/>
+                        </a:spcBef>
+                        <a:spcAft>
+                          <a:spcPts val="0"/>
+                        </a:spcAft>
+                        <a:buNone/>
+                      </a:pPr>
+                      <a:r>
+                        <a:t/>
+                      </a:r>
+                      <a:endParaRPr sz="1100">
+                        <a:solidFill>
+                          <a:schemeClr val="dk1"/>
+                        </a:solidFill>
+                      </a:endParaRPr>
+                    </a:p>
+                  </a:txBody>
+                  <a:tcPr marT="91425" marB="91425" marR="91425" marL="91425"/>
+                </a:tc>
+                <a:tc>
+                  <a:txBody>
+                    <a:bodyPr>
+                      <a:noAutofit/>
+                    </a:bodyPr>
+                    <a:lstStyle/>
+                    <a:p>
+                      <a:pPr indent="-298450" lvl="0" marL="457200" rtl="0">
+                        <a:lnSpc>
+                          <a:spcPct val="115000"/>
+                        </a:lnSpc>
+                        <a:spcBef>
+                          <a:spcPts val="0"/>
+                        </a:spcBef>
+                        <a:spcAft>
+                          <a:spcPts val="0"/>
+                        </a:spcAft>
+                        <a:buClr>
+                          <a:schemeClr val="dk1"/>
+                        </a:buClr>
+                        <a:buSzPts val="1100"/>
+                        <a:buChar char="●"/>
+                      </a:pPr>
+                      <a:r>
+                        <a:rPr lang="en-US" sz="1100">
+                          <a:solidFill>
+                            <a:schemeClr val="dk1"/>
+                          </a:solidFill>
+                        </a:rPr>
+                        <a:t>Be able to create lineup constraints for all usual settings present in DFS Optimizers</a:t>
+                      </a:r>
+                      <a:endParaRPr sz="1100">
+                        <a:solidFill>
+                          <a:schemeClr val="dk1"/>
+                        </a:solidFill>
+                      </a:endParaRPr>
+                    </a:p>
+                    <a:p>
+                      <a:pPr indent="0" lvl="0" marL="0" rtl="0">
+                        <a:spcBef>
+                          <a:spcPts val="0"/>
+                        </a:spcBef>
+                        <a:spcAft>
+                          <a:spcPts val="0"/>
+                        </a:spcAft>
+                        <a:buNone/>
+                      </a:pPr>
+                      <a:r>
+                        <a:t/>
+                      </a:r>
+                      <a:endParaRPr/>
+                    </a:p>
+                  </a:txBody>
+                  <a:tcPr marT="91425" marB="91425" marR="91425" marL="91425"/>
+                </a:tc>
+              </a:tr>
+            </a:tbl>
+          </a:graphicData>
+        </a:graphic>
+      </p:graphicFrame>
     </p:spTree>
   </p:cSld>
   <p:clrMapOvr>
@@ -16863,7 +17883,7 @@
   <p:cSld>
     <p:spTree>
       <p:nvGrpSpPr>
-        <p:cNvPr id="128" name="Shape 128"/>
+        <p:cNvPr id="132" name="Shape 132"/>
         <p:cNvGrpSpPr/>
         <p:nvPr/>
       </p:nvGrpSpPr>
@@ -16877,7 +17897,7 @@
       </p:grpSpPr>
       <p:pic>
         <p:nvPicPr>
-          <p:cNvPr id="129" name="Shape 129"/>
+          <p:cNvPr id="133" name="Shape 133"/>
           <p:cNvPicPr preferRelativeResize="0"/>
           <p:nvPr/>
         </p:nvPicPr>
@@ -16904,14 +17924,14 @@
       </p:pic>
       <p:sp>
         <p:nvSpPr>
-          <p:cNvPr id="130" name="Shape 130"/>
+          <p:cNvPr id="134" name="Shape 134"/>
           <p:cNvSpPr txBox="1"/>
           <p:nvPr/>
         </p:nvSpPr>
         <p:spPr>
           <a:xfrm>
             <a:off x="152400" y="149225"/>
-            <a:ext cx="6762750" cy="584200"/>
+            <a:ext cx="6686400" cy="584100"/>
           </a:xfrm>
           <a:prstGeom prst="rect">
             <a:avLst/>
@@ -16927,10 +17947,7 @@
           </a:bodyPr>
           <a:lstStyle/>
           <a:p>
-            <a:pPr indent="0" lvl="0" marL="0" marR="0" rtl="0" algn="l">
-              <a:lnSpc>
-                <a:spcPct val="100000"/>
-              </a:lnSpc>
+            <a:pPr indent="0" lvl="0" marL="0" rtl="0">
               <a:spcBef>
                 <a:spcPts val="0"/>
               </a:spcBef>
@@ -16945,7 +17962,7 @@
               <a:buNone/>
             </a:pPr>
             <a:r>
-              <a:rPr b="0" i="0" lang="en-US" sz="3200" u="none">
+              <a:rPr b="1" lang="en-US" sz="3200">
                 <a:solidFill>
                   <a:srgbClr val="17375E"/>
                 </a:solidFill>
@@ -16954,15 +17971,23 @@
                 <a:cs typeface="Times New Roman"/>
                 <a:sym typeface="Times New Roman"/>
               </a:rPr>
-              <a:t>Project Release Plan – Technologies </a:t>
+              <a:t>Project Release Plan – Architecture</a:t>
             </a:r>
-            <a:endParaRPr/>
+            <a:endParaRPr b="1" sz="3200">
+              <a:solidFill>
+                <a:srgbClr val="17375E"/>
+              </a:solidFill>
+              <a:latin typeface="Times New Roman"/>
+              <a:ea typeface="Times New Roman"/>
+              <a:cs typeface="Times New Roman"/>
+              <a:sym typeface="Times New Roman"/>
+            </a:endParaRPr>
           </a:p>
         </p:txBody>
       </p:sp>
       <p:sp>
         <p:nvSpPr>
-          <p:cNvPr id="131" name="Shape 131"/>
+          <p:cNvPr id="135" name="Shape 135"/>
           <p:cNvSpPr txBox="1"/>
           <p:nvPr>
             <p:ph type="title"/>
@@ -16987,7 +18012,10 @@
           </a:bodyPr>
           <a:lstStyle/>
           <a:p>
-            <a:pPr indent="0" lvl="0" marL="0" rtl="0">
+            <a:pPr indent="0" lvl="0" marL="0" marR="0" rtl="0" algn="ctr">
+              <a:lnSpc>
+                <a:spcPct val="100000"/>
+              </a:lnSpc>
               <a:spcBef>
                 <a:spcPts val="0"/>
               </a:spcBef>
@@ -16997,7 +18025,7 @@
               <a:buClr>
                 <a:schemeClr val="dk1"/>
               </a:buClr>
-              <a:buSzPts val="4000"/>
+              <a:buSzPts val="4400"/>
               <a:buFont typeface="Times New Roman"/>
               <a:buNone/>
             </a:pPr>
@@ -17010,13 +18038,25 @@
               </a:rPr>
               <a:t>DFS Lineup Optimizer</a:t>
             </a:r>
+            <a:r>
+              <a:rPr b="0" i="0" lang="en-US" sz="4400" u="none" cap="none" strike="noStrike">
+                <a:solidFill>
+                  <a:schemeClr val="dk1"/>
+                </a:solidFill>
+                <a:latin typeface="Times New Roman"/>
+                <a:ea typeface="Times New Roman"/>
+                <a:cs typeface="Times New Roman"/>
+                <a:sym typeface="Times New Roman"/>
+              </a:rPr>
+              <a:t> </a:t>
+            </a:r>
             <a:endParaRPr/>
           </a:p>
         </p:txBody>
       </p:sp>
       <p:sp>
         <p:nvSpPr>
-          <p:cNvPr id="132" name="Shape 132"/>
+          <p:cNvPr id="136" name="Shape 136"/>
           <p:cNvSpPr txBox="1"/>
           <p:nvPr>
             <p:ph idx="1" type="body"/>
@@ -17025,7 +18065,7 @@
         <p:spPr>
           <a:xfrm>
             <a:off x="457200" y="2133600"/>
-            <a:ext cx="8229600" cy="3992562"/>
+            <a:ext cx="8229600" cy="3847500"/>
           </a:xfrm>
           <a:prstGeom prst="rect">
             <a:avLst/>
@@ -17041,10 +18081,7 @@
           </a:bodyPr>
           <a:lstStyle/>
           <a:p>
-            <a:pPr indent="0" lvl="0" marL="0" marR="0" rtl="0" algn="l">
-              <a:lnSpc>
-                <a:spcPct val="100000"/>
-              </a:lnSpc>
+            <a:pPr indent="0" lvl="0" marL="0" rtl="0">
               <a:spcBef>
                 <a:spcPts val="0"/>
               </a:spcBef>
@@ -17054,59 +18091,20 @@
               <a:buClr>
                 <a:schemeClr val="dk1"/>
               </a:buClr>
-              <a:buSzPts val="3200"/>
+              <a:buSzPts val="1100"/>
               <a:buFont typeface="Arial"/>
               <a:buNone/>
             </a:pPr>
             <a:r>
-              <a:rPr b="0" i="0" lang="en-US" sz="3200" u="none">
-                <a:solidFill>
-                  <a:schemeClr val="dk1"/>
-                </a:solidFill>
+              <a:rPr lang="en-US" sz="2200">
                 <a:latin typeface="Times New Roman"/>
                 <a:ea typeface="Times New Roman"/>
                 <a:cs typeface="Times New Roman"/>
                 <a:sym typeface="Times New Roman"/>
               </a:rPr>
-              <a:t>Technology 1 </a:t>
+              <a:t>The GUI allows the user to specify the input CSV file’s location and to change settings called ‘constraints’ that are stored in a text file. </a:t>
             </a:r>
-            <a:r>
-              <a:rPr lang="en-US" sz="2000">
-                <a:latin typeface="Times New Roman"/>
-                <a:ea typeface="Times New Roman"/>
-                <a:cs typeface="Times New Roman"/>
-                <a:sym typeface="Times New Roman"/>
-              </a:rPr>
-              <a:t>(</a:t>
-            </a:r>
-            <a:r>
-              <a:rPr b="0" i="0" lang="en-US" sz="2000" u="none">
-                <a:solidFill>
-                  <a:schemeClr val="dk1"/>
-                </a:solidFill>
-                <a:latin typeface="Times New Roman"/>
-                <a:ea typeface="Times New Roman"/>
-                <a:cs typeface="Times New Roman"/>
-                <a:sym typeface="Times New Roman"/>
-              </a:rPr>
-              <a:t>pr</a:t>
-            </a:r>
-            <a:r>
-              <a:rPr b="0" i="0" lang="en-US" sz="2000" u="none">
-                <a:solidFill>
-                  <a:schemeClr val="dk1"/>
-                </a:solidFill>
-                <a:latin typeface="Times New Roman"/>
-                <a:ea typeface="Times New Roman"/>
-                <a:cs typeface="Times New Roman"/>
-                <a:sym typeface="Times New Roman"/>
-              </a:rPr>
-              <a:t>ogramming language(s))</a:t>
-            </a:r>
-            <a:endParaRPr b="0" i="0" sz="2000" u="none">
-              <a:solidFill>
-                <a:schemeClr val="dk1"/>
-              </a:solidFill>
+            <a:endParaRPr sz="2200">
               <a:latin typeface="Times New Roman"/>
               <a:ea typeface="Times New Roman"/>
               <a:cs typeface="Times New Roman"/>
@@ -17114,30 +18112,24 @@
             </a:endParaRPr>
           </a:p>
           <a:p>
-            <a:pPr indent="-355600" lvl="0" marL="457200" marR="0" rtl="0" algn="l">
-              <a:lnSpc>
-                <a:spcPct val="100000"/>
-              </a:lnSpc>
-              <a:spcBef>
-                <a:spcPts val="0"/>
-              </a:spcBef>
-              <a:spcAft>
-                <a:spcPts val="0"/>
-              </a:spcAft>
-              <a:buSzPts val="2000"/>
-              <a:buFont typeface="Times New Roman"/>
-              <a:buChar char="•"/>
+            <a:pPr indent="0" lvl="0" marL="0" rtl="0">
+              <a:spcBef>
+                <a:spcPts val="0"/>
+              </a:spcBef>
+              <a:spcAft>
+                <a:spcPts val="0"/>
+              </a:spcAft>
+              <a:buClr>
+                <a:schemeClr val="dk1"/>
+              </a:buClr>
+              <a:buSzPts val="1100"/>
+              <a:buFont typeface="Arial"/>
+              <a:buNone/>
             </a:pPr>
             <a:r>
-              <a:rPr lang="en-US" sz="2000">
-                <a:latin typeface="Times New Roman"/>
-                <a:ea typeface="Times New Roman"/>
-                <a:cs typeface="Times New Roman"/>
-                <a:sym typeface="Times New Roman"/>
-              </a:rPr>
-              <a:t>Python 3</a:t>
+              <a:t/>
             </a:r>
-            <a:endParaRPr sz="2000">
+            <a:endParaRPr sz="2200">
               <a:latin typeface="Times New Roman"/>
               <a:ea typeface="Times New Roman"/>
               <a:cs typeface="Times New Roman"/>
@@ -17145,12 +18137,9 @@
             </a:endParaRPr>
           </a:p>
           <a:p>
-            <a:pPr indent="0" lvl="0" marL="0" marR="0" rtl="0" algn="l">
-              <a:lnSpc>
-                <a:spcPct val="100000"/>
-              </a:lnSpc>
-              <a:spcBef>
-                <a:spcPts val="640"/>
+            <a:pPr indent="0" lvl="0" marL="0" rtl="0">
+              <a:spcBef>
+                <a:spcPts val="0"/>
               </a:spcBef>
               <a:spcAft>
                 <a:spcPts val="0"/>
@@ -17158,47 +18147,20 @@
               <a:buClr>
                 <a:schemeClr val="dk1"/>
               </a:buClr>
-              <a:buSzPts val="3200"/>
+              <a:buSzPts val="1100"/>
               <a:buFont typeface="Arial"/>
               <a:buNone/>
             </a:pPr>
             <a:r>
-              <a:rPr b="0" i="0" lang="en-US" sz="3200" u="none">
-                <a:solidFill>
-                  <a:schemeClr val="dk1"/>
-                </a:solidFill>
+              <a:rPr lang="en-US" sz="2200">
                 <a:latin typeface="Times New Roman"/>
                 <a:ea typeface="Times New Roman"/>
                 <a:cs typeface="Times New Roman"/>
                 <a:sym typeface="Times New Roman"/>
               </a:rPr>
-              <a:t>Technology 2 </a:t>
+              <a:t>The Optimizer reads the raw csv file and the ‘constraints’ file and outputs a temporary csv file with the lineup information.</a:t>
             </a:r>
-            <a:r>
-              <a:rPr lang="en-US" sz="2000">
-                <a:latin typeface="Times New Roman"/>
-                <a:ea typeface="Times New Roman"/>
-                <a:cs typeface="Times New Roman"/>
-                <a:sym typeface="Times New Roman"/>
-              </a:rPr>
-              <a:t>(external libraries</a:t>
-            </a:r>
-            <a:r>
-              <a:rPr b="0" i="0" lang="en-US" sz="2000" u="none">
-                <a:solidFill>
-                  <a:schemeClr val="dk1"/>
-                </a:solidFill>
-                <a:latin typeface="Times New Roman"/>
-                <a:ea typeface="Times New Roman"/>
-                <a:cs typeface="Times New Roman"/>
-                <a:sym typeface="Times New Roman"/>
-              </a:rPr>
-              <a:t>)</a:t>
-            </a:r>
-            <a:endParaRPr b="0" i="0" sz="2000" u="none">
-              <a:solidFill>
-                <a:schemeClr val="dk1"/>
-              </a:solidFill>
+            <a:endParaRPr sz="2200">
               <a:latin typeface="Times New Roman"/>
               <a:ea typeface="Times New Roman"/>
               <a:cs typeface="Times New Roman"/>
@@ -17206,30 +18168,24 @@
             </a:endParaRPr>
           </a:p>
           <a:p>
-            <a:pPr indent="-355600" lvl="0" marL="457200" marR="0" rtl="0" algn="l">
-              <a:lnSpc>
-                <a:spcPct val="100000"/>
-              </a:lnSpc>
-              <a:spcBef>
-                <a:spcPts val="640"/>
-              </a:spcBef>
-              <a:spcAft>
-                <a:spcPts val="0"/>
-              </a:spcAft>
-              <a:buSzPts val="2000"/>
-              <a:buFont typeface="Times New Roman"/>
-              <a:buChar char="•"/>
+            <a:pPr indent="0" lvl="0" marL="0" rtl="0">
+              <a:spcBef>
+                <a:spcPts val="0"/>
+              </a:spcBef>
+              <a:spcAft>
+                <a:spcPts val="0"/>
+              </a:spcAft>
+              <a:buClr>
+                <a:schemeClr val="dk1"/>
+              </a:buClr>
+              <a:buSzPts val="1100"/>
+              <a:buFont typeface="Arial"/>
+              <a:buNone/>
             </a:pPr>
             <a:r>
-              <a:rPr lang="en-US" sz="2000">
-                <a:latin typeface="Times New Roman"/>
-                <a:ea typeface="Times New Roman"/>
-                <a:cs typeface="Times New Roman"/>
-                <a:sym typeface="Times New Roman"/>
-              </a:rPr>
-              <a:t>Pulp</a:t>
+              <a:t/>
             </a:r>
-            <a:endParaRPr sz="2000">
+            <a:endParaRPr sz="2200">
               <a:latin typeface="Times New Roman"/>
               <a:ea typeface="Times New Roman"/>
               <a:cs typeface="Times New Roman"/>
@@ -17237,30 +18193,30 @@
             </a:endParaRPr>
           </a:p>
           <a:p>
-            <a:pPr indent="-355600" lvl="0" marL="457200" marR="0" rtl="0" algn="l">
-              <a:lnSpc>
-                <a:spcPct val="100000"/>
-              </a:lnSpc>
-              <a:spcBef>
-                <a:spcPts val="0"/>
-              </a:spcBef>
-              <a:spcAft>
-                <a:spcPts val="0"/>
-              </a:spcAft>
-              <a:buSzPts val="2000"/>
-              <a:buFont typeface="Times New Roman"/>
-              <a:buChar char="•"/>
+            <a:pPr indent="0" lvl="0" marL="0" rtl="0">
+              <a:spcBef>
+                <a:spcPts val="0"/>
+              </a:spcBef>
+              <a:spcAft>
+                <a:spcPts val="0"/>
+              </a:spcAft>
+              <a:buClr>
+                <a:schemeClr val="dk1"/>
+              </a:buClr>
+              <a:buSzPts val="1100"/>
+              <a:buFont typeface="Arial"/>
+              <a:buNone/>
             </a:pPr>
             <a:r>
-              <a:rPr lang="en-US" sz="2000">
+              <a:rPr lang="en-US" sz="2200">
                 <a:latin typeface="Times New Roman"/>
                 <a:ea typeface="Times New Roman"/>
                 <a:cs typeface="Times New Roman"/>
                 <a:sym typeface="Times New Roman"/>
               </a:rPr>
-              <a:t>Pandas</a:t>
+              <a:t>The GUI then reads the temporary CSV file and displays the results.</a:t>
             </a:r>
-            <a:endParaRPr sz="2000">
+            <a:endParaRPr sz="2200">
               <a:latin typeface="Times New Roman"/>
               <a:ea typeface="Times New Roman"/>
               <a:cs typeface="Times New Roman"/>
@@ -17268,30 +18224,24 @@
             </a:endParaRPr>
           </a:p>
           <a:p>
-            <a:pPr indent="-355600" lvl="0" marL="457200" marR="0" rtl="0" algn="l">
-              <a:lnSpc>
-                <a:spcPct val="100000"/>
-              </a:lnSpc>
-              <a:spcBef>
-                <a:spcPts val="0"/>
-              </a:spcBef>
-              <a:spcAft>
-                <a:spcPts val="0"/>
-              </a:spcAft>
-              <a:buSzPts val="2000"/>
-              <a:buFont typeface="Times New Roman"/>
-              <a:buChar char="•"/>
+            <a:pPr indent="0" lvl="0" marL="0" rtl="0">
+              <a:spcBef>
+                <a:spcPts val="0"/>
+              </a:spcBef>
+              <a:spcAft>
+                <a:spcPts val="0"/>
+              </a:spcAft>
+              <a:buClr>
+                <a:schemeClr val="dk1"/>
+              </a:buClr>
+              <a:buSzPts val="1100"/>
+              <a:buFont typeface="Arial"/>
+              <a:buNone/>
             </a:pPr>
             <a:r>
-              <a:rPr lang="en-US" sz="2000">
-                <a:latin typeface="Times New Roman"/>
-                <a:ea typeface="Times New Roman"/>
-                <a:cs typeface="Times New Roman"/>
-                <a:sym typeface="Times New Roman"/>
-              </a:rPr>
-              <a:t>TBD Desktop Framework</a:t>
+              <a:t/>
             </a:r>
-            <a:endParaRPr sz="2000">
+            <a:endParaRPr sz="2200">
               <a:latin typeface="Times New Roman"/>
               <a:ea typeface="Times New Roman"/>
               <a:cs typeface="Times New Roman"/>
@@ -17299,12 +18249,9 @@
             </a:endParaRPr>
           </a:p>
           <a:p>
-            <a:pPr indent="0" lvl="0" marL="0" marR="0" rtl="0" algn="l">
-              <a:lnSpc>
-                <a:spcPct val="100000"/>
-              </a:lnSpc>
-              <a:spcBef>
-                <a:spcPts val="400"/>
+            <a:pPr indent="0" lvl="0" marL="0" rtl="0">
+              <a:spcBef>
+                <a:spcPts val="0"/>
               </a:spcBef>
               <a:spcAft>
                 <a:spcPts val="0"/>
@@ -17312,45 +18259,20 @@
               <a:buClr>
                 <a:schemeClr val="dk1"/>
               </a:buClr>
-              <a:buSzPts val="2000"/>
+              <a:buSzPts val="1100"/>
               <a:buFont typeface="Arial"/>
               <a:buNone/>
             </a:pPr>
             <a:r>
-              <a:t/>
+              <a:rPr lang="en-US" sz="2200">
+                <a:latin typeface="Times New Roman"/>
+                <a:ea typeface="Times New Roman"/>
+                <a:cs typeface="Times New Roman"/>
+                <a:sym typeface="Times New Roman"/>
+              </a:rPr>
+              <a:t>There is an export feature in the GUI that would move the temporary file into a permanent location.</a:t>
             </a:r>
-            <a:endParaRPr b="0" i="0" sz="2000" u="none">
-              <a:solidFill>
-                <a:schemeClr val="dk1"/>
-              </a:solidFill>
-              <a:latin typeface="Times New Roman"/>
-              <a:ea typeface="Times New Roman"/>
-              <a:cs typeface="Times New Roman"/>
-              <a:sym typeface="Times New Roman"/>
-            </a:endParaRPr>
-          </a:p>
-          <a:p>
-            <a:pPr indent="0" lvl="0" marL="177800" marR="0" rtl="0" algn="l">
-              <a:spcBef>
-                <a:spcPts val="560"/>
-              </a:spcBef>
-              <a:spcAft>
-                <a:spcPts val="0"/>
-              </a:spcAft>
-              <a:buClr>
-                <a:schemeClr val="dk1"/>
-              </a:buClr>
-              <a:buSzPts val="2800"/>
-              <a:buFont typeface="Arial"/>
-              <a:buNone/>
-            </a:pPr>
-            <a:r>
-              <a:t/>
-            </a:r>
-            <a:endParaRPr b="0" i="0" sz="2800" u="none">
-              <a:solidFill>
-                <a:schemeClr val="dk1"/>
-              </a:solidFill>
+            <a:endParaRPr sz="2200">
               <a:latin typeface="Times New Roman"/>
               <a:ea typeface="Times New Roman"/>
               <a:cs typeface="Times New Roman"/>
@@ -17361,7 +18283,7 @@
       </p:sp>
       <p:sp>
         <p:nvSpPr>
-          <p:cNvPr id="133" name="Shape 133"/>
+          <p:cNvPr id="137" name="Shape 137"/>
           <p:cNvSpPr txBox="1"/>
           <p:nvPr/>
         </p:nvSpPr>
@@ -17432,7 +18354,1770 @@
 </p:sld>
 </file>
 
+<file path=ppt/slides/slide7.xml><?xml version="1.0" encoding="utf-8"?>
+<p:sld xmlns:a="http://schemas.openxmlformats.org/drawingml/2006/main" xmlns:r="http://schemas.openxmlformats.org/officeDocument/2006/relationships" xmlns:mc="http://schemas.openxmlformats.org/markup-compatibility/2006" xmlns:mv="urn:schemas-microsoft-com:mac:vml" xmlns:p="http://schemas.openxmlformats.org/presentationml/2006/main" xmlns:c="http://schemas.openxmlformats.org/drawingml/2006/chart" xmlns:dgm="http://schemas.openxmlformats.org/drawingml/2006/diagram" xmlns:o="urn:schemas-microsoft-com:office:office" xmlns:v="urn:schemas-microsoft-com:vml" xmlns:pvml="urn:schemas-microsoft-com:office:powerpoint" xmlns:com="http://schemas.openxmlformats.org/drawingml/2006/compatibility" xmlns:p14="http://schemas.microsoft.com/office/powerpoint/2010/main" xmlns:p15="http://schemas.microsoft.com/office/powerpoint/2012/main">
+  <p:cSld>
+    <p:spTree>
+      <p:nvGrpSpPr>
+        <p:cNvPr id="141" name="Shape 141"/>
+        <p:cNvGrpSpPr/>
+        <p:nvPr/>
+      </p:nvGrpSpPr>
+      <p:grpSpPr>
+        <a:xfrm>
+          <a:off x="0" y="0"/>
+          <a:ext cx="0" cy="0"/>
+          <a:chOff x="0" y="0"/>
+          <a:chExt cx="0" cy="0"/>
+        </a:xfrm>
+      </p:grpSpPr>
+      <p:pic>
+        <p:nvPicPr>
+          <p:cNvPr id="142" name="Shape 142"/>
+          <p:cNvPicPr preferRelativeResize="0"/>
+          <p:nvPr/>
+        </p:nvPicPr>
+        <p:blipFill rotWithShape="1">
+          <a:blip r:embed="rId3">
+            <a:alphaModFix/>
+          </a:blip>
+          <a:srcRect b="0" l="0" r="0" t="0"/>
+          <a:stretch/>
+        </p:blipFill>
+        <p:spPr>
+          <a:xfrm>
+            <a:off x="6915150" y="76200"/>
+            <a:ext cx="2209800" cy="895350"/>
+          </a:xfrm>
+          <a:prstGeom prst="rect">
+            <a:avLst/>
+          </a:prstGeom>
+          <a:noFill/>
+          <a:ln>
+            <a:noFill/>
+          </a:ln>
+        </p:spPr>
+      </p:pic>
+      <p:sp>
+        <p:nvSpPr>
+          <p:cNvPr id="143" name="Shape 143"/>
+          <p:cNvSpPr txBox="1"/>
+          <p:nvPr/>
+        </p:nvSpPr>
+        <p:spPr>
+          <a:xfrm>
+            <a:off x="152400" y="149225"/>
+            <a:ext cx="6686550" cy="584200"/>
+          </a:xfrm>
+          <a:prstGeom prst="rect">
+            <a:avLst/>
+          </a:prstGeom>
+          <a:noFill/>
+          <a:ln>
+            <a:noFill/>
+          </a:ln>
+        </p:spPr>
+        <p:txBody>
+          <a:bodyPr anchorCtr="0" anchor="t" bIns="45700" lIns="91425" spcFirstLastPara="1" rIns="91425" wrap="square" tIns="45700">
+            <a:noAutofit/>
+          </a:bodyPr>
+          <a:lstStyle/>
+          <a:p>
+            <a:pPr indent="0" lvl="0" marL="0" marR="0" rtl="0" algn="l">
+              <a:lnSpc>
+                <a:spcPct val="100000"/>
+              </a:lnSpc>
+              <a:spcBef>
+                <a:spcPts val="0"/>
+              </a:spcBef>
+              <a:spcAft>
+                <a:spcPts val="0"/>
+              </a:spcAft>
+              <a:buClr>
+                <a:srgbClr val="17375E"/>
+              </a:buClr>
+              <a:buSzPts val="3200"/>
+              <a:buFont typeface="Times New Roman"/>
+              <a:buNone/>
+            </a:pPr>
+            <a:r>
+              <a:rPr b="1" i="0" lang="en-US" sz="3200" u="none">
+                <a:solidFill>
+                  <a:srgbClr val="17375E"/>
+                </a:solidFill>
+                <a:latin typeface="Times New Roman"/>
+                <a:ea typeface="Times New Roman"/>
+                <a:cs typeface="Times New Roman"/>
+                <a:sym typeface="Times New Roman"/>
+              </a:rPr>
+              <a:t>Project Release Plan – Architecture</a:t>
+            </a:r>
+            <a:endParaRPr/>
+          </a:p>
+        </p:txBody>
+      </p:sp>
+      <p:pic>
+        <p:nvPicPr>
+          <p:cNvPr id="144" name="Shape 144"/>
+          <p:cNvPicPr preferRelativeResize="0"/>
+          <p:nvPr/>
+        </p:nvPicPr>
+        <p:blipFill>
+          <a:blip r:embed="rId4">
+            <a:alphaModFix/>
+          </a:blip>
+          <a:stretch>
+            <a:fillRect/>
+          </a:stretch>
+        </p:blipFill>
+        <p:spPr>
+          <a:xfrm>
+            <a:off x="1526524" y="971550"/>
+            <a:ext cx="6090950" cy="5173375"/>
+          </a:xfrm>
+          <a:prstGeom prst="rect">
+            <a:avLst/>
+          </a:prstGeom>
+          <a:noFill/>
+          <a:ln>
+            <a:noFill/>
+          </a:ln>
+        </p:spPr>
+      </p:pic>
+      <p:sp>
+        <p:nvSpPr>
+          <p:cNvPr id="145" name="Shape 145"/>
+          <p:cNvSpPr txBox="1"/>
+          <p:nvPr/>
+        </p:nvSpPr>
+        <p:spPr>
+          <a:xfrm>
+            <a:off x="0" y="6248400"/>
+            <a:ext cx="9144000" cy="609600"/>
+          </a:xfrm>
+          <a:prstGeom prst="rect">
+            <a:avLst/>
+          </a:prstGeom>
+          <a:gradFill>
+            <a:gsLst>
+              <a:gs pos="0">
+                <a:srgbClr val="1F447F"/>
+              </a:gs>
+              <a:gs pos="50000">
+                <a:srgbClr val="C2D1ED"/>
+              </a:gs>
+              <a:gs pos="100000">
+                <a:srgbClr val="E1E8F5"/>
+              </a:gs>
+            </a:gsLst>
+            <a:lin ang="0" scaled="0"/>
+          </a:gradFill>
+          <a:ln>
+            <a:noFill/>
+          </a:ln>
+        </p:spPr>
+        <p:txBody>
+          <a:bodyPr anchorCtr="0" anchor="ctr" bIns="45675" lIns="91375" spcFirstLastPara="1" rIns="91375" wrap="square" tIns="45675">
+            <a:noAutofit/>
+          </a:bodyPr>
+          <a:lstStyle/>
+          <a:p>
+            <a:pPr indent="0" lvl="0" marL="0" marR="0" rtl="0" algn="l">
+              <a:lnSpc>
+                <a:spcPct val="100000"/>
+              </a:lnSpc>
+              <a:spcBef>
+                <a:spcPts val="0"/>
+              </a:spcBef>
+              <a:spcAft>
+                <a:spcPts val="0"/>
+              </a:spcAft>
+              <a:buNone/>
+            </a:pPr>
+            <a:r>
+              <a:t/>
+            </a:r>
+            <a:endParaRPr b="0" i="0" sz="1800" u="none">
+              <a:solidFill>
+                <a:schemeClr val="dk1"/>
+              </a:solidFill>
+              <a:latin typeface="Arial"/>
+              <a:ea typeface="Arial"/>
+              <a:cs typeface="Arial"/>
+              <a:sym typeface="Arial"/>
+            </a:endParaRPr>
+          </a:p>
+        </p:txBody>
+      </p:sp>
+    </p:spTree>
+  </p:cSld>
+  <p:clrMapOvr>
+    <a:masterClrMapping/>
+  </p:clrMapOvr>
+</p:sld>
+</file>
+
+<file path=ppt/slides/slide8.xml><?xml version="1.0" encoding="utf-8"?>
+<p:sld xmlns:a="http://schemas.openxmlformats.org/drawingml/2006/main" xmlns:r="http://schemas.openxmlformats.org/officeDocument/2006/relationships" xmlns:mc="http://schemas.openxmlformats.org/markup-compatibility/2006" xmlns:mv="urn:schemas-microsoft-com:mac:vml" xmlns:p="http://schemas.openxmlformats.org/presentationml/2006/main" xmlns:c="http://schemas.openxmlformats.org/drawingml/2006/chart" xmlns:dgm="http://schemas.openxmlformats.org/drawingml/2006/diagram" xmlns:o="urn:schemas-microsoft-com:office:office" xmlns:v="urn:schemas-microsoft-com:vml" xmlns:pvml="urn:schemas-microsoft-com:office:powerpoint" xmlns:com="http://schemas.openxmlformats.org/drawingml/2006/compatibility" xmlns:p14="http://schemas.microsoft.com/office/powerpoint/2010/main" xmlns:p15="http://schemas.microsoft.com/office/powerpoint/2012/main">
+  <p:cSld>
+    <p:spTree>
+      <p:nvGrpSpPr>
+        <p:cNvPr id="149" name="Shape 149"/>
+        <p:cNvGrpSpPr/>
+        <p:nvPr/>
+      </p:nvGrpSpPr>
+      <p:grpSpPr>
+        <a:xfrm>
+          <a:off x="0" y="0"/>
+          <a:ext cx="0" cy="0"/>
+          <a:chOff x="0" y="0"/>
+          <a:chExt cx="0" cy="0"/>
+        </a:xfrm>
+      </p:grpSpPr>
+      <p:pic>
+        <p:nvPicPr>
+          <p:cNvPr id="150" name="Shape 150"/>
+          <p:cNvPicPr preferRelativeResize="0"/>
+          <p:nvPr/>
+        </p:nvPicPr>
+        <p:blipFill rotWithShape="1">
+          <a:blip r:embed="rId3">
+            <a:alphaModFix/>
+          </a:blip>
+          <a:srcRect b="0" l="0" r="0" t="0"/>
+          <a:stretch/>
+        </p:blipFill>
+        <p:spPr>
+          <a:xfrm>
+            <a:off x="6915150" y="76200"/>
+            <a:ext cx="2209800" cy="895350"/>
+          </a:xfrm>
+          <a:prstGeom prst="rect">
+            <a:avLst/>
+          </a:prstGeom>
+          <a:noFill/>
+          <a:ln>
+            <a:noFill/>
+          </a:ln>
+        </p:spPr>
+      </p:pic>
+      <p:sp>
+        <p:nvSpPr>
+          <p:cNvPr id="151" name="Shape 151"/>
+          <p:cNvSpPr txBox="1"/>
+          <p:nvPr/>
+        </p:nvSpPr>
+        <p:spPr>
+          <a:xfrm>
+            <a:off x="152400" y="149225"/>
+            <a:ext cx="6762750" cy="584200"/>
+          </a:xfrm>
+          <a:prstGeom prst="rect">
+            <a:avLst/>
+          </a:prstGeom>
+          <a:noFill/>
+          <a:ln>
+            <a:noFill/>
+          </a:ln>
+        </p:spPr>
+        <p:txBody>
+          <a:bodyPr anchorCtr="0" anchor="t" bIns="45700" lIns="91425" spcFirstLastPara="1" rIns="91425" wrap="square" tIns="45700">
+            <a:noAutofit/>
+          </a:bodyPr>
+          <a:lstStyle/>
+          <a:p>
+            <a:pPr indent="0" lvl="0" marL="0" marR="0" rtl="0" algn="l">
+              <a:lnSpc>
+                <a:spcPct val="100000"/>
+              </a:lnSpc>
+              <a:spcBef>
+                <a:spcPts val="0"/>
+              </a:spcBef>
+              <a:spcAft>
+                <a:spcPts val="0"/>
+              </a:spcAft>
+              <a:buClr>
+                <a:srgbClr val="17375E"/>
+              </a:buClr>
+              <a:buSzPts val="3200"/>
+              <a:buFont typeface="Times New Roman"/>
+              <a:buNone/>
+            </a:pPr>
+            <a:r>
+              <a:rPr b="0" i="0" lang="en-US" sz="3200" u="none">
+                <a:solidFill>
+                  <a:srgbClr val="17375E"/>
+                </a:solidFill>
+                <a:latin typeface="Times New Roman"/>
+                <a:ea typeface="Times New Roman"/>
+                <a:cs typeface="Times New Roman"/>
+                <a:sym typeface="Times New Roman"/>
+              </a:rPr>
+              <a:t>Project Release Plan – Challenges/Risks </a:t>
+            </a:r>
+            <a:endParaRPr/>
+          </a:p>
+        </p:txBody>
+      </p:sp>
+      <p:sp>
+        <p:nvSpPr>
+          <p:cNvPr id="152" name="Shape 152"/>
+          <p:cNvSpPr txBox="1"/>
+          <p:nvPr>
+            <p:ph type="title"/>
+          </p:nvPr>
+        </p:nvSpPr>
+        <p:spPr>
+          <a:xfrm>
+            <a:off x="533400" y="889000"/>
+            <a:ext cx="8229600" cy="1143000"/>
+          </a:xfrm>
+          <a:prstGeom prst="rect">
+            <a:avLst/>
+          </a:prstGeom>
+          <a:noFill/>
+          <a:ln>
+            <a:noFill/>
+          </a:ln>
+        </p:spPr>
+        <p:txBody>
+          <a:bodyPr anchorCtr="0" anchor="ctr" bIns="45675" lIns="91375" spcFirstLastPara="1" rIns="91375" wrap="square" tIns="45675">
+            <a:noAutofit/>
+          </a:bodyPr>
+          <a:lstStyle/>
+          <a:p>
+            <a:pPr indent="0" lvl="0" marL="0" marR="0" rtl="0" algn="ctr">
+              <a:lnSpc>
+                <a:spcPct val="100000"/>
+              </a:lnSpc>
+              <a:spcBef>
+                <a:spcPts val="0"/>
+              </a:spcBef>
+              <a:spcAft>
+                <a:spcPts val="0"/>
+              </a:spcAft>
+              <a:buClr>
+                <a:schemeClr val="dk1"/>
+              </a:buClr>
+              <a:buSzPts val="4400"/>
+              <a:buFont typeface="Times New Roman"/>
+              <a:buNone/>
+            </a:pPr>
+            <a:r>
+              <a:rPr lang="en-US" sz="4000">
+                <a:latin typeface="Times New Roman"/>
+                <a:ea typeface="Times New Roman"/>
+                <a:cs typeface="Times New Roman"/>
+                <a:sym typeface="Times New Roman"/>
+              </a:rPr>
+              <a:t>DFS Lineup Optimizer</a:t>
+            </a:r>
+            <a:r>
+              <a:rPr b="0" i="0" lang="en-US" sz="4400" u="none" cap="none" strike="noStrike">
+                <a:solidFill>
+                  <a:schemeClr val="dk1"/>
+                </a:solidFill>
+                <a:latin typeface="Times New Roman"/>
+                <a:ea typeface="Times New Roman"/>
+                <a:cs typeface="Times New Roman"/>
+                <a:sym typeface="Times New Roman"/>
+              </a:rPr>
+              <a:t> </a:t>
+            </a:r>
+            <a:endParaRPr/>
+          </a:p>
+        </p:txBody>
+      </p:sp>
+      <p:sp>
+        <p:nvSpPr>
+          <p:cNvPr id="153" name="Shape 153"/>
+          <p:cNvSpPr txBox="1"/>
+          <p:nvPr>
+            <p:ph idx="1" type="body"/>
+          </p:nvPr>
+        </p:nvSpPr>
+        <p:spPr>
+          <a:xfrm>
+            <a:off x="457200" y="2133600"/>
+            <a:ext cx="8229600" cy="3992562"/>
+          </a:xfrm>
+          <a:prstGeom prst="rect">
+            <a:avLst/>
+          </a:prstGeom>
+          <a:noFill/>
+          <a:ln>
+            <a:noFill/>
+          </a:ln>
+        </p:spPr>
+        <p:txBody>
+          <a:bodyPr anchorCtr="0" anchor="t" bIns="45675" lIns="91375" spcFirstLastPara="1" rIns="91375" wrap="square" tIns="45675">
+            <a:noAutofit/>
+          </a:bodyPr>
+          <a:lstStyle/>
+          <a:p>
+            <a:pPr indent="0" lvl="0" marL="0" marR="0" rtl="0" algn="l">
+              <a:lnSpc>
+                <a:spcPct val="100000"/>
+              </a:lnSpc>
+              <a:spcBef>
+                <a:spcPts val="0"/>
+              </a:spcBef>
+              <a:spcAft>
+                <a:spcPts val="0"/>
+              </a:spcAft>
+              <a:buClr>
+                <a:schemeClr val="dk1"/>
+              </a:buClr>
+              <a:buSzPts val="3200"/>
+              <a:buFont typeface="Arial"/>
+              <a:buNone/>
+            </a:pPr>
+            <a:r>
+              <a:rPr b="0" i="0" lang="en-US" sz="3200" u="none">
+                <a:solidFill>
+                  <a:schemeClr val="dk1"/>
+                </a:solidFill>
+                <a:latin typeface="Times New Roman"/>
+                <a:ea typeface="Times New Roman"/>
+                <a:cs typeface="Times New Roman"/>
+                <a:sym typeface="Times New Roman"/>
+              </a:rPr>
+              <a:t>Challenge/Risk 1 </a:t>
+            </a:r>
+            <a:endParaRPr b="0" i="0" sz="2000" u="none">
+              <a:solidFill>
+                <a:schemeClr val="dk1"/>
+              </a:solidFill>
+              <a:latin typeface="Times New Roman"/>
+              <a:ea typeface="Times New Roman"/>
+              <a:cs typeface="Times New Roman"/>
+              <a:sym typeface="Times New Roman"/>
+            </a:endParaRPr>
+          </a:p>
+          <a:p>
+            <a:pPr indent="-355600" lvl="0" marL="457200" marR="0" rtl="0" algn="l">
+              <a:lnSpc>
+                <a:spcPct val="100000"/>
+              </a:lnSpc>
+              <a:spcBef>
+                <a:spcPts val="0"/>
+              </a:spcBef>
+              <a:spcAft>
+                <a:spcPts val="0"/>
+              </a:spcAft>
+              <a:buSzPts val="2000"/>
+              <a:buFont typeface="Times New Roman"/>
+              <a:buChar char="•"/>
+            </a:pPr>
+            <a:r>
+              <a:rPr lang="en-US" sz="2000">
+                <a:latin typeface="Times New Roman"/>
+                <a:ea typeface="Times New Roman"/>
+                <a:cs typeface="Times New Roman"/>
+                <a:sym typeface="Times New Roman"/>
+              </a:rPr>
+              <a:t>Have to figure out what Python library to use for GUI</a:t>
+            </a:r>
+            <a:endParaRPr sz="2000">
+              <a:latin typeface="Times New Roman"/>
+              <a:ea typeface="Times New Roman"/>
+              <a:cs typeface="Times New Roman"/>
+              <a:sym typeface="Times New Roman"/>
+            </a:endParaRPr>
+          </a:p>
+          <a:p>
+            <a:pPr indent="-355600" lvl="0" marL="457200" marR="0" rtl="0" algn="l">
+              <a:lnSpc>
+                <a:spcPct val="100000"/>
+              </a:lnSpc>
+              <a:spcBef>
+                <a:spcPts val="0"/>
+              </a:spcBef>
+              <a:spcAft>
+                <a:spcPts val="0"/>
+              </a:spcAft>
+              <a:buSzPts val="2000"/>
+              <a:buFont typeface="Times New Roman"/>
+              <a:buChar char="•"/>
+            </a:pPr>
+            <a:r>
+              <a:rPr lang="en-US" sz="2000">
+                <a:latin typeface="Times New Roman"/>
+                <a:ea typeface="Times New Roman"/>
+                <a:cs typeface="Times New Roman"/>
+                <a:sym typeface="Times New Roman"/>
+              </a:rPr>
+              <a:t>For those who don’t know the language and/or framework, they will have to learn</a:t>
+            </a:r>
+            <a:endParaRPr sz="2000">
+              <a:latin typeface="Times New Roman"/>
+              <a:ea typeface="Times New Roman"/>
+              <a:cs typeface="Times New Roman"/>
+              <a:sym typeface="Times New Roman"/>
+            </a:endParaRPr>
+          </a:p>
+          <a:p>
+            <a:pPr indent="0" lvl="0" marL="0" marR="0" rtl="0" algn="l">
+              <a:lnSpc>
+                <a:spcPct val="100000"/>
+              </a:lnSpc>
+              <a:spcBef>
+                <a:spcPts val="640"/>
+              </a:spcBef>
+              <a:spcAft>
+                <a:spcPts val="0"/>
+              </a:spcAft>
+              <a:buClr>
+                <a:schemeClr val="dk1"/>
+              </a:buClr>
+              <a:buSzPts val="3200"/>
+              <a:buFont typeface="Arial"/>
+              <a:buNone/>
+            </a:pPr>
+            <a:r>
+              <a:rPr b="0" i="0" lang="en-US" sz="3200" u="none">
+                <a:solidFill>
+                  <a:schemeClr val="dk1"/>
+                </a:solidFill>
+                <a:latin typeface="Times New Roman"/>
+                <a:ea typeface="Times New Roman"/>
+                <a:cs typeface="Times New Roman"/>
+                <a:sym typeface="Times New Roman"/>
+              </a:rPr>
+              <a:t>Challenge/Risk 2</a:t>
+            </a:r>
+            <a:endParaRPr b="0" i="0" sz="2000" u="none">
+              <a:solidFill>
+                <a:schemeClr val="dk1"/>
+              </a:solidFill>
+              <a:latin typeface="Times New Roman"/>
+              <a:ea typeface="Times New Roman"/>
+              <a:cs typeface="Times New Roman"/>
+              <a:sym typeface="Times New Roman"/>
+            </a:endParaRPr>
+          </a:p>
+          <a:p>
+            <a:pPr indent="-355600" lvl="0" marL="457200" marR="0" rtl="0" algn="l">
+              <a:lnSpc>
+                <a:spcPct val="100000"/>
+              </a:lnSpc>
+              <a:spcBef>
+                <a:spcPts val="640"/>
+              </a:spcBef>
+              <a:spcAft>
+                <a:spcPts val="0"/>
+              </a:spcAft>
+              <a:buSzPts val="2000"/>
+              <a:buFont typeface="Times New Roman"/>
+              <a:buChar char="•"/>
+            </a:pPr>
+            <a:r>
+              <a:rPr lang="en-US" sz="2000">
+                <a:latin typeface="Times New Roman"/>
+                <a:ea typeface="Times New Roman"/>
+                <a:cs typeface="Times New Roman"/>
+                <a:sym typeface="Times New Roman"/>
+              </a:rPr>
+              <a:t>Figure out how to pass information from GUI</a:t>
+            </a:r>
+            <a:endParaRPr sz="2000">
+              <a:latin typeface="Times New Roman"/>
+              <a:ea typeface="Times New Roman"/>
+              <a:cs typeface="Times New Roman"/>
+              <a:sym typeface="Times New Roman"/>
+            </a:endParaRPr>
+          </a:p>
+          <a:p>
+            <a:pPr indent="0" lvl="0" marL="0" rtl="0">
+              <a:spcBef>
+                <a:spcPts val="640"/>
+              </a:spcBef>
+              <a:spcAft>
+                <a:spcPts val="0"/>
+              </a:spcAft>
+              <a:buClr>
+                <a:schemeClr val="dk1"/>
+              </a:buClr>
+              <a:buSzPts val="3200"/>
+              <a:buFont typeface="Arial"/>
+              <a:buNone/>
+            </a:pPr>
+            <a:r>
+              <a:rPr lang="en-US">
+                <a:latin typeface="Times New Roman"/>
+                <a:ea typeface="Times New Roman"/>
+                <a:cs typeface="Times New Roman"/>
+                <a:sym typeface="Times New Roman"/>
+              </a:rPr>
+              <a:t>Challenge/Risk 3 </a:t>
+            </a:r>
+            <a:endParaRPr sz="2000">
+              <a:latin typeface="Times New Roman"/>
+              <a:ea typeface="Times New Roman"/>
+              <a:cs typeface="Times New Roman"/>
+              <a:sym typeface="Times New Roman"/>
+            </a:endParaRPr>
+          </a:p>
+          <a:p>
+            <a:pPr indent="-355600" lvl="0" marL="457200" rtl="0">
+              <a:spcBef>
+                <a:spcPts val="640"/>
+              </a:spcBef>
+              <a:spcAft>
+                <a:spcPts val="0"/>
+              </a:spcAft>
+              <a:buSzPts val="2000"/>
+              <a:buFont typeface="Times New Roman"/>
+              <a:buChar char="•"/>
+            </a:pPr>
+            <a:r>
+              <a:rPr lang="en-US" sz="2000">
+                <a:latin typeface="Times New Roman"/>
+                <a:ea typeface="Times New Roman"/>
+                <a:cs typeface="Times New Roman"/>
+                <a:sym typeface="Times New Roman"/>
+              </a:rPr>
+              <a:t>Python not being on lab computers(will use an </a:t>
+            </a:r>
+            <a:r>
+              <a:rPr lang="en-US" sz="2000" u="sng">
+                <a:solidFill>
+                  <a:schemeClr val="hlink"/>
+                </a:solidFill>
+                <a:latin typeface="Times New Roman"/>
+                <a:ea typeface="Times New Roman"/>
+                <a:cs typeface="Times New Roman"/>
+                <a:sym typeface="Times New Roman"/>
+                <a:hlinkClick r:id="rId4"/>
+              </a:rPr>
+              <a:t>executable</a:t>
+            </a:r>
+            <a:r>
+              <a:rPr lang="en-US" sz="2000">
+                <a:latin typeface="Times New Roman"/>
+                <a:ea typeface="Times New Roman"/>
+                <a:cs typeface="Times New Roman"/>
+                <a:sym typeface="Times New Roman"/>
+              </a:rPr>
+              <a:t>)</a:t>
+            </a:r>
+            <a:endParaRPr sz="2000">
+              <a:latin typeface="Times New Roman"/>
+              <a:ea typeface="Times New Roman"/>
+              <a:cs typeface="Times New Roman"/>
+              <a:sym typeface="Times New Roman"/>
+            </a:endParaRPr>
+          </a:p>
+          <a:p>
+            <a:pPr indent="0" lvl="0" marL="0" marR="0" rtl="0" algn="l">
+              <a:lnSpc>
+                <a:spcPct val="100000"/>
+              </a:lnSpc>
+              <a:spcBef>
+                <a:spcPts val="640"/>
+              </a:spcBef>
+              <a:spcAft>
+                <a:spcPts val="0"/>
+              </a:spcAft>
+              <a:buClr>
+                <a:schemeClr val="dk1"/>
+              </a:buClr>
+              <a:buSzPts val="1100"/>
+              <a:buFont typeface="Arial"/>
+              <a:buNone/>
+            </a:pPr>
+            <a:r>
+              <a:t/>
+            </a:r>
+            <a:endParaRPr b="0" i="0" sz="2000" u="none">
+              <a:solidFill>
+                <a:schemeClr val="dk1"/>
+              </a:solidFill>
+              <a:latin typeface="Times New Roman"/>
+              <a:ea typeface="Times New Roman"/>
+              <a:cs typeface="Times New Roman"/>
+              <a:sym typeface="Times New Roman"/>
+            </a:endParaRPr>
+          </a:p>
+          <a:p>
+            <a:pPr indent="0" lvl="0" marL="0" marR="0" rtl="0" algn="l">
+              <a:lnSpc>
+                <a:spcPct val="100000"/>
+              </a:lnSpc>
+              <a:spcBef>
+                <a:spcPts val="640"/>
+              </a:spcBef>
+              <a:spcAft>
+                <a:spcPts val="0"/>
+              </a:spcAft>
+              <a:buClr>
+                <a:schemeClr val="dk1"/>
+              </a:buClr>
+              <a:buSzPts val="3200"/>
+              <a:buFont typeface="Arial"/>
+              <a:buNone/>
+            </a:pPr>
+            <a:r>
+              <a:t/>
+            </a:r>
+            <a:endParaRPr sz="2000">
+              <a:latin typeface="Times New Roman"/>
+              <a:ea typeface="Times New Roman"/>
+              <a:cs typeface="Times New Roman"/>
+              <a:sym typeface="Times New Roman"/>
+            </a:endParaRPr>
+          </a:p>
+          <a:p>
+            <a:pPr indent="0" lvl="0" marL="0" marR="0" rtl="0" algn="l">
+              <a:lnSpc>
+                <a:spcPct val="100000"/>
+              </a:lnSpc>
+              <a:spcBef>
+                <a:spcPts val="400"/>
+              </a:spcBef>
+              <a:spcAft>
+                <a:spcPts val="0"/>
+              </a:spcAft>
+              <a:buClr>
+                <a:schemeClr val="dk1"/>
+              </a:buClr>
+              <a:buSzPts val="2000"/>
+              <a:buFont typeface="Arial"/>
+              <a:buNone/>
+            </a:pPr>
+            <a:r>
+              <a:rPr b="0" i="0" lang="en-US" sz="2000" u="none">
+                <a:solidFill>
+                  <a:schemeClr val="dk1"/>
+                </a:solidFill>
+                <a:latin typeface="Times New Roman"/>
+                <a:ea typeface="Times New Roman"/>
+                <a:cs typeface="Times New Roman"/>
+                <a:sym typeface="Times New Roman"/>
+              </a:rPr>
+              <a:t>…</a:t>
+            </a:r>
+            <a:endParaRPr/>
+          </a:p>
+          <a:p>
+            <a:pPr indent="0" lvl="0" marL="0" marR="0" rtl="0" algn="l">
+              <a:lnSpc>
+                <a:spcPct val="100000"/>
+              </a:lnSpc>
+              <a:spcBef>
+                <a:spcPts val="400"/>
+              </a:spcBef>
+              <a:spcAft>
+                <a:spcPts val="0"/>
+              </a:spcAft>
+              <a:buClr>
+                <a:schemeClr val="dk1"/>
+              </a:buClr>
+              <a:buSzPts val="2000"/>
+              <a:buFont typeface="Arial"/>
+              <a:buNone/>
+            </a:pPr>
+            <a:r>
+              <a:t/>
+            </a:r>
+            <a:endParaRPr b="0" i="0" sz="2000" u="none">
+              <a:solidFill>
+                <a:schemeClr val="dk1"/>
+              </a:solidFill>
+              <a:latin typeface="Times New Roman"/>
+              <a:ea typeface="Times New Roman"/>
+              <a:cs typeface="Times New Roman"/>
+              <a:sym typeface="Times New Roman"/>
+            </a:endParaRPr>
+          </a:p>
+          <a:p>
+            <a:pPr indent="-163513" lvl="0" marL="341313" marR="0" rtl="0" algn="l">
+              <a:spcBef>
+                <a:spcPts val="560"/>
+              </a:spcBef>
+              <a:spcAft>
+                <a:spcPts val="0"/>
+              </a:spcAft>
+              <a:buClr>
+                <a:schemeClr val="dk1"/>
+              </a:buClr>
+              <a:buSzPts val="2800"/>
+              <a:buFont typeface="Arial"/>
+              <a:buNone/>
+            </a:pPr>
+            <a:r>
+              <a:t/>
+            </a:r>
+            <a:endParaRPr b="0" i="0" sz="2800" u="none">
+              <a:solidFill>
+                <a:schemeClr val="dk1"/>
+              </a:solidFill>
+              <a:latin typeface="Times New Roman"/>
+              <a:ea typeface="Times New Roman"/>
+              <a:cs typeface="Times New Roman"/>
+              <a:sym typeface="Times New Roman"/>
+            </a:endParaRPr>
+          </a:p>
+        </p:txBody>
+      </p:sp>
+      <p:sp>
+        <p:nvSpPr>
+          <p:cNvPr id="154" name="Shape 154"/>
+          <p:cNvSpPr txBox="1"/>
+          <p:nvPr/>
+        </p:nvSpPr>
+        <p:spPr>
+          <a:xfrm>
+            <a:off x="0" y="6248400"/>
+            <a:ext cx="9144000" cy="609600"/>
+          </a:xfrm>
+          <a:prstGeom prst="rect">
+            <a:avLst/>
+          </a:prstGeom>
+          <a:gradFill>
+            <a:gsLst>
+              <a:gs pos="0">
+                <a:srgbClr val="1F447F"/>
+              </a:gs>
+              <a:gs pos="50000">
+                <a:srgbClr val="C2D1ED"/>
+              </a:gs>
+              <a:gs pos="100000">
+                <a:srgbClr val="E1E8F5"/>
+              </a:gs>
+            </a:gsLst>
+            <a:lin ang="0" scaled="0"/>
+          </a:gradFill>
+          <a:ln>
+            <a:noFill/>
+          </a:ln>
+        </p:spPr>
+        <p:txBody>
+          <a:bodyPr anchorCtr="0" anchor="ctr" bIns="45675" lIns="91375" spcFirstLastPara="1" rIns="91375" wrap="square" tIns="45675">
+            <a:noAutofit/>
+          </a:bodyPr>
+          <a:lstStyle/>
+          <a:p>
+            <a:pPr indent="0" lvl="0" marL="0" marR="0" rtl="0" algn="l">
+              <a:lnSpc>
+                <a:spcPct val="100000"/>
+              </a:lnSpc>
+              <a:spcBef>
+                <a:spcPts val="0"/>
+              </a:spcBef>
+              <a:spcAft>
+                <a:spcPts val="0"/>
+              </a:spcAft>
+              <a:buNone/>
+            </a:pPr>
+            <a:r>
+              <a:t/>
+            </a:r>
+            <a:endParaRPr b="0" i="0" sz="1800" u="none">
+              <a:solidFill>
+                <a:schemeClr val="dk1"/>
+              </a:solidFill>
+              <a:latin typeface="Arial"/>
+              <a:ea typeface="Arial"/>
+              <a:cs typeface="Arial"/>
+              <a:sym typeface="Arial"/>
+            </a:endParaRPr>
+          </a:p>
+        </p:txBody>
+      </p:sp>
+    </p:spTree>
+  </p:cSld>
+  <p:clrMapOvr>
+    <a:masterClrMapping/>
+  </p:clrMapOvr>
+</p:sld>
+</file>
+
+<file path=ppt/slides/slide9.xml><?xml version="1.0" encoding="utf-8"?>
+<p:sld xmlns:a="http://schemas.openxmlformats.org/drawingml/2006/main" xmlns:r="http://schemas.openxmlformats.org/officeDocument/2006/relationships" xmlns:mc="http://schemas.openxmlformats.org/markup-compatibility/2006" xmlns:mv="urn:schemas-microsoft-com:mac:vml" xmlns:p="http://schemas.openxmlformats.org/presentationml/2006/main" xmlns:c="http://schemas.openxmlformats.org/drawingml/2006/chart" xmlns:dgm="http://schemas.openxmlformats.org/drawingml/2006/diagram" xmlns:o="urn:schemas-microsoft-com:office:office" xmlns:v="urn:schemas-microsoft-com:vml" xmlns:pvml="urn:schemas-microsoft-com:office:powerpoint" xmlns:com="http://schemas.openxmlformats.org/drawingml/2006/compatibility" xmlns:p14="http://schemas.microsoft.com/office/powerpoint/2010/main" xmlns:p15="http://schemas.microsoft.com/office/powerpoint/2012/main">
+  <p:cSld>
+    <p:spTree>
+      <p:nvGrpSpPr>
+        <p:cNvPr id="158" name="Shape 158"/>
+        <p:cNvGrpSpPr/>
+        <p:nvPr/>
+      </p:nvGrpSpPr>
+      <p:grpSpPr>
+        <a:xfrm>
+          <a:off x="0" y="0"/>
+          <a:ext cx="0" cy="0"/>
+          <a:chOff x="0" y="0"/>
+          <a:chExt cx="0" cy="0"/>
+        </a:xfrm>
+      </p:grpSpPr>
+      <p:pic>
+        <p:nvPicPr>
+          <p:cNvPr id="159" name="Shape 159"/>
+          <p:cNvPicPr preferRelativeResize="0"/>
+          <p:nvPr/>
+        </p:nvPicPr>
+        <p:blipFill rotWithShape="1">
+          <a:blip r:embed="rId3">
+            <a:alphaModFix/>
+          </a:blip>
+          <a:srcRect b="0" l="0" r="0" t="0"/>
+          <a:stretch/>
+        </p:blipFill>
+        <p:spPr>
+          <a:xfrm>
+            <a:off x="6915150" y="76200"/>
+            <a:ext cx="2209800" cy="895350"/>
+          </a:xfrm>
+          <a:prstGeom prst="rect">
+            <a:avLst/>
+          </a:prstGeom>
+          <a:noFill/>
+          <a:ln>
+            <a:noFill/>
+          </a:ln>
+        </p:spPr>
+      </p:pic>
+      <p:sp>
+        <p:nvSpPr>
+          <p:cNvPr id="160" name="Shape 160"/>
+          <p:cNvSpPr txBox="1"/>
+          <p:nvPr/>
+        </p:nvSpPr>
+        <p:spPr>
+          <a:xfrm>
+            <a:off x="152400" y="149225"/>
+            <a:ext cx="6762750" cy="584200"/>
+          </a:xfrm>
+          <a:prstGeom prst="rect">
+            <a:avLst/>
+          </a:prstGeom>
+          <a:noFill/>
+          <a:ln>
+            <a:noFill/>
+          </a:ln>
+        </p:spPr>
+        <p:txBody>
+          <a:bodyPr anchorCtr="0" anchor="t" bIns="45700" lIns="91425" spcFirstLastPara="1" rIns="91425" wrap="square" tIns="45700">
+            <a:noAutofit/>
+          </a:bodyPr>
+          <a:lstStyle/>
+          <a:p>
+            <a:pPr indent="0" lvl="0" marL="0" marR="0" rtl="0" algn="l">
+              <a:lnSpc>
+                <a:spcPct val="100000"/>
+              </a:lnSpc>
+              <a:spcBef>
+                <a:spcPts val="0"/>
+              </a:spcBef>
+              <a:spcAft>
+                <a:spcPts val="0"/>
+              </a:spcAft>
+              <a:buClr>
+                <a:srgbClr val="17375E"/>
+              </a:buClr>
+              <a:buSzPts val="3200"/>
+              <a:buFont typeface="Times New Roman"/>
+              <a:buNone/>
+            </a:pPr>
+            <a:r>
+              <a:rPr b="0" i="0" lang="en-US" sz="3200" u="none">
+                <a:solidFill>
+                  <a:srgbClr val="17375E"/>
+                </a:solidFill>
+                <a:latin typeface="Times New Roman"/>
+                <a:ea typeface="Times New Roman"/>
+                <a:cs typeface="Times New Roman"/>
+                <a:sym typeface="Times New Roman"/>
+              </a:rPr>
+              <a:t>Project Release Plan – Technologies </a:t>
+            </a:r>
+            <a:endParaRPr/>
+          </a:p>
+        </p:txBody>
+      </p:sp>
+      <p:sp>
+        <p:nvSpPr>
+          <p:cNvPr id="161" name="Shape 161"/>
+          <p:cNvSpPr txBox="1"/>
+          <p:nvPr>
+            <p:ph type="title"/>
+          </p:nvPr>
+        </p:nvSpPr>
+        <p:spPr>
+          <a:xfrm>
+            <a:off x="533400" y="889000"/>
+            <a:ext cx="8229600" cy="1143000"/>
+          </a:xfrm>
+          <a:prstGeom prst="rect">
+            <a:avLst/>
+          </a:prstGeom>
+          <a:noFill/>
+          <a:ln>
+            <a:noFill/>
+          </a:ln>
+        </p:spPr>
+        <p:txBody>
+          <a:bodyPr anchorCtr="0" anchor="ctr" bIns="45675" lIns="91375" spcFirstLastPara="1" rIns="91375" wrap="square" tIns="45675">
+            <a:noAutofit/>
+          </a:bodyPr>
+          <a:lstStyle/>
+          <a:p>
+            <a:pPr indent="0" lvl="0" marL="0" rtl="0">
+              <a:spcBef>
+                <a:spcPts val="0"/>
+              </a:spcBef>
+              <a:spcAft>
+                <a:spcPts val="0"/>
+              </a:spcAft>
+              <a:buClr>
+                <a:schemeClr val="dk1"/>
+              </a:buClr>
+              <a:buSzPts val="4000"/>
+              <a:buFont typeface="Times New Roman"/>
+              <a:buNone/>
+            </a:pPr>
+            <a:r>
+              <a:rPr lang="en-US" sz="4000">
+                <a:latin typeface="Times New Roman"/>
+                <a:ea typeface="Times New Roman"/>
+                <a:cs typeface="Times New Roman"/>
+                <a:sym typeface="Times New Roman"/>
+              </a:rPr>
+              <a:t>DFS Lineup Optimizer</a:t>
+            </a:r>
+            <a:endParaRPr/>
+          </a:p>
+        </p:txBody>
+      </p:sp>
+      <p:sp>
+        <p:nvSpPr>
+          <p:cNvPr id="162" name="Shape 162"/>
+          <p:cNvSpPr txBox="1"/>
+          <p:nvPr>
+            <p:ph idx="1" type="body"/>
+          </p:nvPr>
+        </p:nvSpPr>
+        <p:spPr>
+          <a:xfrm>
+            <a:off x="457200" y="2133600"/>
+            <a:ext cx="8229600" cy="3992562"/>
+          </a:xfrm>
+          <a:prstGeom prst="rect">
+            <a:avLst/>
+          </a:prstGeom>
+          <a:noFill/>
+          <a:ln>
+            <a:noFill/>
+          </a:ln>
+        </p:spPr>
+        <p:txBody>
+          <a:bodyPr anchorCtr="0" anchor="t" bIns="45675" lIns="91375" spcFirstLastPara="1" rIns="91375" wrap="square" tIns="45675">
+            <a:noAutofit/>
+          </a:bodyPr>
+          <a:lstStyle/>
+          <a:p>
+            <a:pPr indent="0" lvl="0" marL="0" marR="0" rtl="0" algn="l">
+              <a:lnSpc>
+                <a:spcPct val="100000"/>
+              </a:lnSpc>
+              <a:spcBef>
+                <a:spcPts val="0"/>
+              </a:spcBef>
+              <a:spcAft>
+                <a:spcPts val="0"/>
+              </a:spcAft>
+              <a:buClr>
+                <a:schemeClr val="dk1"/>
+              </a:buClr>
+              <a:buSzPts val="3200"/>
+              <a:buFont typeface="Arial"/>
+              <a:buNone/>
+            </a:pPr>
+            <a:r>
+              <a:rPr b="0" i="0" lang="en-US" sz="3200" u="none">
+                <a:solidFill>
+                  <a:schemeClr val="dk1"/>
+                </a:solidFill>
+                <a:latin typeface="Times New Roman"/>
+                <a:ea typeface="Times New Roman"/>
+                <a:cs typeface="Times New Roman"/>
+                <a:sym typeface="Times New Roman"/>
+              </a:rPr>
+              <a:t>Technology 1 </a:t>
+            </a:r>
+            <a:r>
+              <a:rPr lang="en-US" sz="2000">
+                <a:latin typeface="Times New Roman"/>
+                <a:ea typeface="Times New Roman"/>
+                <a:cs typeface="Times New Roman"/>
+                <a:sym typeface="Times New Roman"/>
+              </a:rPr>
+              <a:t>(</a:t>
+            </a:r>
+            <a:r>
+              <a:rPr b="0" i="0" lang="en-US" sz="2000" u="none">
+                <a:solidFill>
+                  <a:schemeClr val="dk1"/>
+                </a:solidFill>
+                <a:latin typeface="Times New Roman"/>
+                <a:ea typeface="Times New Roman"/>
+                <a:cs typeface="Times New Roman"/>
+                <a:sym typeface="Times New Roman"/>
+              </a:rPr>
+              <a:t>pr</a:t>
+            </a:r>
+            <a:r>
+              <a:rPr b="0" i="0" lang="en-US" sz="2000" u="none">
+                <a:solidFill>
+                  <a:schemeClr val="dk1"/>
+                </a:solidFill>
+                <a:latin typeface="Times New Roman"/>
+                <a:ea typeface="Times New Roman"/>
+                <a:cs typeface="Times New Roman"/>
+                <a:sym typeface="Times New Roman"/>
+              </a:rPr>
+              <a:t>ogramming language(s))</a:t>
+            </a:r>
+            <a:endParaRPr b="0" i="0" sz="2000" u="none">
+              <a:solidFill>
+                <a:schemeClr val="dk1"/>
+              </a:solidFill>
+              <a:latin typeface="Times New Roman"/>
+              <a:ea typeface="Times New Roman"/>
+              <a:cs typeface="Times New Roman"/>
+              <a:sym typeface="Times New Roman"/>
+            </a:endParaRPr>
+          </a:p>
+          <a:p>
+            <a:pPr indent="-355600" lvl="0" marL="457200" marR="0" rtl="0" algn="l">
+              <a:lnSpc>
+                <a:spcPct val="100000"/>
+              </a:lnSpc>
+              <a:spcBef>
+                <a:spcPts val="0"/>
+              </a:spcBef>
+              <a:spcAft>
+                <a:spcPts val="0"/>
+              </a:spcAft>
+              <a:buSzPts val="2000"/>
+              <a:buFont typeface="Times New Roman"/>
+              <a:buChar char="•"/>
+            </a:pPr>
+            <a:r>
+              <a:rPr lang="en-US" sz="2000">
+                <a:latin typeface="Times New Roman"/>
+                <a:ea typeface="Times New Roman"/>
+                <a:cs typeface="Times New Roman"/>
+                <a:sym typeface="Times New Roman"/>
+              </a:rPr>
+              <a:t>Python 3</a:t>
+            </a:r>
+            <a:endParaRPr sz="2000">
+              <a:latin typeface="Times New Roman"/>
+              <a:ea typeface="Times New Roman"/>
+              <a:cs typeface="Times New Roman"/>
+              <a:sym typeface="Times New Roman"/>
+            </a:endParaRPr>
+          </a:p>
+          <a:p>
+            <a:pPr indent="0" lvl="0" marL="0" marR="0" rtl="0" algn="l">
+              <a:lnSpc>
+                <a:spcPct val="100000"/>
+              </a:lnSpc>
+              <a:spcBef>
+                <a:spcPts val="640"/>
+              </a:spcBef>
+              <a:spcAft>
+                <a:spcPts val="0"/>
+              </a:spcAft>
+              <a:buClr>
+                <a:schemeClr val="dk1"/>
+              </a:buClr>
+              <a:buSzPts val="3200"/>
+              <a:buFont typeface="Arial"/>
+              <a:buNone/>
+            </a:pPr>
+            <a:r>
+              <a:rPr b="0" i="0" lang="en-US" sz="3200" u="none">
+                <a:solidFill>
+                  <a:schemeClr val="dk1"/>
+                </a:solidFill>
+                <a:latin typeface="Times New Roman"/>
+                <a:ea typeface="Times New Roman"/>
+                <a:cs typeface="Times New Roman"/>
+                <a:sym typeface="Times New Roman"/>
+              </a:rPr>
+              <a:t>Technology 2 </a:t>
+            </a:r>
+            <a:r>
+              <a:rPr lang="en-US" sz="2000">
+                <a:latin typeface="Times New Roman"/>
+                <a:ea typeface="Times New Roman"/>
+                <a:cs typeface="Times New Roman"/>
+                <a:sym typeface="Times New Roman"/>
+              </a:rPr>
+              <a:t>(libraries</a:t>
+            </a:r>
+            <a:r>
+              <a:rPr b="0" i="0" lang="en-US" sz="2000" u="none">
+                <a:solidFill>
+                  <a:schemeClr val="dk1"/>
+                </a:solidFill>
+                <a:latin typeface="Times New Roman"/>
+                <a:ea typeface="Times New Roman"/>
+                <a:cs typeface="Times New Roman"/>
+                <a:sym typeface="Times New Roman"/>
+              </a:rPr>
+              <a:t>)</a:t>
+            </a:r>
+            <a:endParaRPr b="0" i="0" sz="2000" u="none">
+              <a:solidFill>
+                <a:schemeClr val="dk1"/>
+              </a:solidFill>
+              <a:latin typeface="Times New Roman"/>
+              <a:ea typeface="Times New Roman"/>
+              <a:cs typeface="Times New Roman"/>
+              <a:sym typeface="Times New Roman"/>
+            </a:endParaRPr>
+          </a:p>
+          <a:p>
+            <a:pPr indent="-355600" lvl="0" marL="457200" marR="0" rtl="0" algn="l">
+              <a:lnSpc>
+                <a:spcPct val="100000"/>
+              </a:lnSpc>
+              <a:spcBef>
+                <a:spcPts val="640"/>
+              </a:spcBef>
+              <a:spcAft>
+                <a:spcPts val="0"/>
+              </a:spcAft>
+              <a:buSzPts val="2000"/>
+              <a:buFont typeface="Times New Roman"/>
+              <a:buChar char="•"/>
+            </a:pPr>
+            <a:r>
+              <a:rPr lang="en-US" sz="2000">
+                <a:latin typeface="Times New Roman"/>
+                <a:ea typeface="Times New Roman"/>
+                <a:cs typeface="Times New Roman"/>
+                <a:sym typeface="Times New Roman"/>
+              </a:rPr>
+              <a:t>Pulp</a:t>
+            </a:r>
+            <a:endParaRPr sz="2000">
+              <a:latin typeface="Times New Roman"/>
+              <a:ea typeface="Times New Roman"/>
+              <a:cs typeface="Times New Roman"/>
+              <a:sym typeface="Times New Roman"/>
+            </a:endParaRPr>
+          </a:p>
+          <a:p>
+            <a:pPr indent="-355600" lvl="0" marL="457200" marR="0" rtl="0" algn="l">
+              <a:lnSpc>
+                <a:spcPct val="100000"/>
+              </a:lnSpc>
+              <a:spcBef>
+                <a:spcPts val="0"/>
+              </a:spcBef>
+              <a:spcAft>
+                <a:spcPts val="0"/>
+              </a:spcAft>
+              <a:buSzPts val="2000"/>
+              <a:buFont typeface="Times New Roman"/>
+              <a:buChar char="•"/>
+            </a:pPr>
+            <a:r>
+              <a:rPr lang="en-US" sz="2000">
+                <a:latin typeface="Times New Roman"/>
+                <a:ea typeface="Times New Roman"/>
+                <a:cs typeface="Times New Roman"/>
+                <a:sym typeface="Times New Roman"/>
+              </a:rPr>
+              <a:t>Pandas</a:t>
+            </a:r>
+            <a:endParaRPr sz="2000">
+              <a:latin typeface="Times New Roman"/>
+              <a:ea typeface="Times New Roman"/>
+              <a:cs typeface="Times New Roman"/>
+              <a:sym typeface="Times New Roman"/>
+            </a:endParaRPr>
+          </a:p>
+          <a:p>
+            <a:pPr indent="-355600" lvl="0" marL="457200" marR="0" rtl="0" algn="l">
+              <a:lnSpc>
+                <a:spcPct val="100000"/>
+              </a:lnSpc>
+              <a:spcBef>
+                <a:spcPts val="0"/>
+              </a:spcBef>
+              <a:spcAft>
+                <a:spcPts val="0"/>
+              </a:spcAft>
+              <a:buSzPts val="2000"/>
+              <a:buFont typeface="Times New Roman"/>
+              <a:buChar char="•"/>
+            </a:pPr>
+            <a:r>
+              <a:rPr lang="en-US" sz="2000">
+                <a:latin typeface="Times New Roman"/>
+                <a:ea typeface="Times New Roman"/>
+                <a:cs typeface="Times New Roman"/>
+                <a:sym typeface="Times New Roman"/>
+              </a:rPr>
+              <a:t>Tkinter</a:t>
+            </a:r>
+            <a:endParaRPr sz="2000">
+              <a:latin typeface="Times New Roman"/>
+              <a:ea typeface="Times New Roman"/>
+              <a:cs typeface="Times New Roman"/>
+              <a:sym typeface="Times New Roman"/>
+            </a:endParaRPr>
+          </a:p>
+          <a:p>
+            <a:pPr indent="-355600" lvl="0" marL="457200" marR="0" rtl="0" algn="l">
+              <a:lnSpc>
+                <a:spcPct val="100000"/>
+              </a:lnSpc>
+              <a:spcBef>
+                <a:spcPts val="0"/>
+              </a:spcBef>
+              <a:spcAft>
+                <a:spcPts val="0"/>
+              </a:spcAft>
+              <a:buSzPts val="2000"/>
+              <a:buFont typeface="Times New Roman"/>
+              <a:buChar char="•"/>
+            </a:pPr>
+            <a:r>
+              <a:rPr lang="en-US" sz="2000">
+                <a:latin typeface="Times New Roman"/>
+                <a:ea typeface="Times New Roman"/>
+                <a:cs typeface="Times New Roman"/>
+                <a:sym typeface="Times New Roman"/>
+              </a:rPr>
+              <a:t>cx_Freeze</a:t>
+            </a:r>
+            <a:endParaRPr sz="2000">
+              <a:latin typeface="Times New Roman"/>
+              <a:ea typeface="Times New Roman"/>
+              <a:cs typeface="Times New Roman"/>
+              <a:sym typeface="Times New Roman"/>
+            </a:endParaRPr>
+          </a:p>
+          <a:p>
+            <a:pPr indent="0" lvl="0" marL="0" marR="0" rtl="0" algn="l">
+              <a:lnSpc>
+                <a:spcPct val="100000"/>
+              </a:lnSpc>
+              <a:spcBef>
+                <a:spcPts val="400"/>
+              </a:spcBef>
+              <a:spcAft>
+                <a:spcPts val="0"/>
+              </a:spcAft>
+              <a:buClr>
+                <a:schemeClr val="dk1"/>
+              </a:buClr>
+              <a:buSzPts val="2000"/>
+              <a:buFont typeface="Arial"/>
+              <a:buNone/>
+            </a:pPr>
+            <a:r>
+              <a:t/>
+            </a:r>
+            <a:endParaRPr b="0" i="0" sz="2000" u="none">
+              <a:solidFill>
+                <a:schemeClr val="dk1"/>
+              </a:solidFill>
+              <a:latin typeface="Times New Roman"/>
+              <a:ea typeface="Times New Roman"/>
+              <a:cs typeface="Times New Roman"/>
+              <a:sym typeface="Times New Roman"/>
+            </a:endParaRPr>
+          </a:p>
+          <a:p>
+            <a:pPr indent="0" lvl="0" marL="177800" marR="0" rtl="0" algn="l">
+              <a:spcBef>
+                <a:spcPts val="560"/>
+              </a:spcBef>
+              <a:spcAft>
+                <a:spcPts val="0"/>
+              </a:spcAft>
+              <a:buClr>
+                <a:schemeClr val="dk1"/>
+              </a:buClr>
+              <a:buSzPts val="2800"/>
+              <a:buFont typeface="Arial"/>
+              <a:buNone/>
+            </a:pPr>
+            <a:r>
+              <a:t/>
+            </a:r>
+            <a:endParaRPr b="0" i="0" sz="2800" u="none">
+              <a:solidFill>
+                <a:schemeClr val="dk1"/>
+              </a:solidFill>
+              <a:latin typeface="Times New Roman"/>
+              <a:ea typeface="Times New Roman"/>
+              <a:cs typeface="Times New Roman"/>
+              <a:sym typeface="Times New Roman"/>
+            </a:endParaRPr>
+          </a:p>
+        </p:txBody>
+      </p:sp>
+      <p:sp>
+        <p:nvSpPr>
+          <p:cNvPr id="163" name="Shape 163"/>
+          <p:cNvSpPr txBox="1"/>
+          <p:nvPr/>
+        </p:nvSpPr>
+        <p:spPr>
+          <a:xfrm>
+            <a:off x="0" y="6248400"/>
+            <a:ext cx="9144000" cy="609600"/>
+          </a:xfrm>
+          <a:prstGeom prst="rect">
+            <a:avLst/>
+          </a:prstGeom>
+          <a:gradFill>
+            <a:gsLst>
+              <a:gs pos="0">
+                <a:srgbClr val="1F447F"/>
+              </a:gs>
+              <a:gs pos="50000">
+                <a:srgbClr val="C2D1ED"/>
+              </a:gs>
+              <a:gs pos="100000">
+                <a:srgbClr val="E1E8F5"/>
+              </a:gs>
+            </a:gsLst>
+            <a:lin ang="0" scaled="0"/>
+          </a:gradFill>
+          <a:ln>
+            <a:noFill/>
+          </a:ln>
+        </p:spPr>
+        <p:txBody>
+          <a:bodyPr anchorCtr="0" anchor="ctr" bIns="45675" lIns="91375" spcFirstLastPara="1" rIns="91375" wrap="square" tIns="45675">
+            <a:noAutofit/>
+          </a:bodyPr>
+          <a:lstStyle/>
+          <a:p>
+            <a:pPr indent="0" lvl="0" marL="0" marR="0" rtl="0" algn="l">
+              <a:lnSpc>
+                <a:spcPct val="100000"/>
+              </a:lnSpc>
+              <a:spcBef>
+                <a:spcPts val="0"/>
+              </a:spcBef>
+              <a:spcAft>
+                <a:spcPts val="0"/>
+              </a:spcAft>
+              <a:buNone/>
+            </a:pPr>
+            <a:r>
+              <a:t/>
+            </a:r>
+            <a:endParaRPr b="0" i="0" sz="1800" u="none">
+              <a:solidFill>
+                <a:schemeClr val="dk1"/>
+              </a:solidFill>
+              <a:latin typeface="Arial"/>
+              <a:ea typeface="Arial"/>
+              <a:cs typeface="Arial"/>
+              <a:sym typeface="Arial"/>
+            </a:endParaRPr>
+          </a:p>
+        </p:txBody>
+      </p:sp>
+    </p:spTree>
+  </p:cSld>
+  <p:clrMapOvr>
+    <a:masterClrMapping/>
+  </p:clrMapOvr>
+</p:sld>
+</file>
+
 <file path=ppt/theme/theme1.xml><?xml version="1.0" encoding="utf-8"?>
+<a:theme xmlns:a="http://schemas.openxmlformats.org/drawingml/2006/main" xmlns:r="http://schemas.openxmlformats.org/officeDocument/2006/relationships" name="Office Theme">
+  <a:themeElements>
+    <a:clrScheme name="Office">
+      <a:dk1>
+        <a:srgbClr val="000000"/>
+      </a:dk1>
+      <a:lt1>
+        <a:srgbClr val="FFFFFF"/>
+      </a:lt1>
+      <a:dk2>
+        <a:srgbClr val="1F497D"/>
+      </a:dk2>
+      <a:lt2>
+        <a:srgbClr val="EEECE1"/>
+      </a:lt2>
+      <a:accent1>
+        <a:srgbClr val="4F81BD"/>
+      </a:accent1>
+      <a:accent2>
+        <a:srgbClr val="C0504D"/>
+      </a:accent2>
+      <a:accent3>
+        <a:srgbClr val="9BBB59"/>
+      </a:accent3>
+      <a:accent4>
+        <a:srgbClr val="8064A2"/>
+      </a:accent4>
+      <a:accent5>
+        <a:srgbClr val="4BACC6"/>
+      </a:accent5>
+      <a:accent6>
+        <a:srgbClr val="F79646"/>
+      </a:accent6>
+      <a:hlink>
+        <a:srgbClr val="0000FF"/>
+      </a:hlink>
+      <a:folHlink>
+        <a:srgbClr val="800080"/>
+      </a:folHlink>
+    </a:clrScheme>
+    <a:fontScheme name="Office">
+      <a:majorFont>
+        <a:latin typeface="Arial"/>
+        <a:ea typeface=""/>
+        <a:cs typeface=""/>
+        <a:font script="Jpan" typeface="ＭＳ Ｐゴシック"/>
+        <a:font script="Hang" typeface="맑은 고딕"/>
+        <a:font script="Hans" typeface="宋体"/>
+        <a:font script="Hant" typeface="新細明體"/>
+        <a:font script="Arab" typeface="Times New Roman"/>
+        <a:font script="Hebr" typeface="Times New Roman"/>
+        <a:font script="Thai" typeface="Angsana New"/>
+        <a:font script="Ethi" typeface="Nyala"/>
+        <a:font script="Beng" typeface="Vrinda"/>
+        <a:font script="Gujr" typeface="Shruti"/>
+        <a:font script="Khmr" typeface="MoolBoran"/>
+        <a:font script="Knda" typeface="Tunga"/>
+        <a:font script="Guru" typeface="Raavi"/>
+        <a:font script="Cans" typeface="Euphemia"/>
+        <a:font script="Cher" typeface="Plantagenet Cherokee"/>
+        <a:font script="Yiii" typeface="Microsoft Yi Baiti"/>
+        <a:font script="Tibt" typeface="Microsoft Himalaya"/>
+        <a:font script="Thaa" typeface="MV Boli"/>
+        <a:font script="Deva" typeface="Mangal"/>
+        <a:font script="Telu" typeface="Gautami"/>
+        <a:font script="Taml" typeface="Latha"/>
+        <a:font script="Syrc" typeface="Estrangelo Edessa"/>
+        <a:font script="Orya" typeface="Kalinga"/>
+        <a:font script="Mlym" typeface="Kartika"/>
+        <a:font script="Laoo" typeface="DokChampa"/>
+        <a:font script="Sinh" typeface="Iskoola Pota"/>
+        <a:font script="Mong" typeface="Mongolian Baiti"/>
+        <a:font script="Viet" typeface="Times New Roman"/>
+        <a:font script="Uigh" typeface="Microsoft Uighur"/>
+        <a:font script="Geor" typeface="Sylfaen"/>
+      </a:majorFont>
+      <a:minorFont>
+        <a:latin typeface="Arial"/>
+        <a:ea typeface=""/>
+        <a:cs typeface=""/>
+        <a:font script="Jpan" typeface="ＭＳ Ｐゴシック"/>
+        <a:font script="Hang" typeface="맑은 고딕"/>
+        <a:font script="Hans" typeface="宋体"/>
+        <a:font script="Hant" typeface="新細明體"/>
+        <a:font script="Arab" typeface="Arial"/>
+        <a:font script="Hebr" typeface="Arial"/>
+        <a:font script="Thai" typeface="Cordia New"/>
+        <a:font script="Ethi" typeface="Nyala"/>
+        <a:font script="Beng" typeface="Vrinda"/>
+        <a:font script="Gujr" typeface="Shruti"/>
+        <a:font script="Khmr" typeface="DaunPenh"/>
+        <a:font script="Knda" typeface="Tunga"/>
+        <a:font script="Guru" typeface="Raavi"/>
+        <a:font script="Cans" typeface="Euphemia"/>
+        <a:font script="Cher" typeface="Plantagenet Cherokee"/>
+        <a:font script="Yiii" typeface="Microsoft Yi Baiti"/>
+        <a:font script="Tibt" typeface="Microsoft Himalaya"/>
+        <a:font script="Thaa" typeface="MV Boli"/>
+        <a:font script="Deva" typeface="Mangal"/>
+        <a:font script="Telu" typeface="Gautami"/>
+        <a:font script="Taml" typeface="Latha"/>
+        <a:font script="Syrc" typeface="Estrangelo Edessa"/>
+        <a:font script="Orya" typeface="Kalinga"/>
+        <a:font script="Mlym" typeface="Kartika"/>
+        <a:font script="Laoo" typeface="DokChampa"/>
+        <a:font script="Sinh" typeface="Iskoola Pota"/>
+        <a:font script="Mong" typeface="Mongolian Baiti"/>
+        <a:font script="Viet" typeface="Arial"/>
+        <a:font script="Uigh" typeface="Microsoft Uighur"/>
+        <a:font script="Geor" typeface="Sylfaen"/>
+      </a:minorFont>
+    </a:fontScheme>
+    <a:fmtScheme name="Office">
+      <a:fillStyleLst>
+        <a:solidFill>
+          <a:schemeClr val="phClr"/>
+        </a:solidFill>
+        <a:gradFill rotWithShape="1">
+          <a:gsLst>
+            <a:gs pos="0">
+              <a:schemeClr val="phClr">
+                <a:tint val="50000"/>
+                <a:satMod val="300000"/>
+              </a:schemeClr>
+            </a:gs>
+            <a:gs pos="35000">
+              <a:schemeClr val="phClr">
+                <a:tint val="37000"/>
+                <a:satMod val="300000"/>
+              </a:schemeClr>
+            </a:gs>
+            <a:gs pos="100000">
+              <a:schemeClr val="phClr">
+                <a:tint val="15000"/>
+                <a:satMod val="350000"/>
+              </a:schemeClr>
+            </a:gs>
+          </a:gsLst>
+          <a:lin ang="16200000" scaled="1"/>
+        </a:gradFill>
+        <a:gradFill rotWithShape="1">
+          <a:gsLst>
+            <a:gs pos="0">
+              <a:schemeClr val="phClr">
+                <a:tint val="100000"/>
+                <a:shade val="100000"/>
+                <a:satMod val="130000"/>
+              </a:schemeClr>
+            </a:gs>
+            <a:gs pos="100000">
+              <a:schemeClr val="phClr">
+                <a:tint val="50000"/>
+                <a:shade val="100000"/>
+                <a:satMod val="350000"/>
+              </a:schemeClr>
+            </a:gs>
+          </a:gsLst>
+          <a:lin ang="16200000" scaled="0"/>
+        </a:gradFill>
+      </a:fillStyleLst>
+      <a:lnStyleLst>
+        <a:ln w="9525" cap="flat" cmpd="sng" algn="ctr">
+          <a:solidFill>
+            <a:schemeClr val="phClr">
+              <a:shade val="95000"/>
+              <a:satMod val="105000"/>
+            </a:schemeClr>
+          </a:solidFill>
+          <a:prstDash val="solid"/>
+        </a:ln>
+        <a:ln w="25400" cap="flat" cmpd="sng" algn="ctr">
+          <a:solidFill>
+            <a:schemeClr val="phClr"/>
+          </a:solidFill>
+          <a:prstDash val="solid"/>
+        </a:ln>
+        <a:ln w="38100" cap="flat" cmpd="sng" algn="ctr">
+          <a:solidFill>
+            <a:schemeClr val="phClr"/>
+          </a:solidFill>
+          <a:prstDash val="solid"/>
+        </a:ln>
+      </a:lnStyleLst>
+      <a:effectStyleLst>
+        <a:effectStyle>
+          <a:effectLst>
+            <a:outerShdw blurRad="40000" dist="20000" dir="5400000" rotWithShape="0">
+              <a:srgbClr val="000000">
+                <a:alpha val="38000"/>
+              </a:srgbClr>
+            </a:outerShdw>
+          </a:effectLst>
+        </a:effectStyle>
+        <a:effectStyle>
+          <a:effectLst>
+            <a:outerShdw blurRad="40000" dist="23000" dir="5400000" rotWithShape="0">
+              <a:srgbClr val="000000">
+                <a:alpha val="35000"/>
+              </a:srgbClr>
+            </a:outerShdw>
+          </a:effectLst>
+        </a:effectStyle>
+        <a:effectStyle>
+          <a:effectLst>
+            <a:outerShdw blurRad="40000" dist="23000" dir="5400000" rotWithShape="0">
+              <a:srgbClr val="000000">
+                <a:alpha val="35000"/>
+              </a:srgbClr>
+            </a:outerShdw>
+          </a:effectLst>
+          <a:scene3d>
+            <a:camera prst="orthographicFront">
+              <a:rot lat="0" lon="0" rev="0"/>
+            </a:camera>
+            <a:lightRig rig="threePt" dir="t">
+              <a:rot lat="0" lon="0" rev="1200000"/>
+            </a:lightRig>
+          </a:scene3d>
+          <a:sp3d>
+            <a:bevelT w="63500" h="25400"/>
+          </a:sp3d>
+        </a:effectStyle>
+      </a:effectStyleLst>
+      <a:bgFillStyleLst>
+        <a:solidFill>
+          <a:schemeClr val="phClr"/>
+        </a:solidFill>
+        <a:gradFill rotWithShape="1">
+          <a:gsLst>
+            <a:gs pos="0">
+              <a:schemeClr val="phClr">
+                <a:tint val="40000"/>
+                <a:satMod val="350000"/>
+              </a:schemeClr>
+            </a:gs>
+            <a:gs pos="40000">
+              <a:schemeClr val="phClr">
+                <a:tint val="45000"/>
+                <a:shade val="99000"/>
+                <a:satMod val="350000"/>
+              </a:schemeClr>
+            </a:gs>
+            <a:gs pos="100000">
+              <a:schemeClr val="phClr">
+                <a:shade val="20000"/>
+                <a:satMod val="255000"/>
+              </a:schemeClr>
+            </a:gs>
+          </a:gsLst>
+          <a:path path="circle">
+            <a:fillToRect l="50000" t="-80000" r="50000" b="180000"/>
+          </a:path>
+        </a:gradFill>
+        <a:gradFill rotWithShape="1">
+          <a:gsLst>
+            <a:gs pos="0">
+              <a:schemeClr val="phClr">
+                <a:tint val="80000"/>
+                <a:satMod val="300000"/>
+              </a:schemeClr>
+            </a:gs>
+            <a:gs pos="100000">
+              <a:schemeClr val="phClr">
+                <a:shade val="30000"/>
+                <a:satMod val="200000"/>
+              </a:schemeClr>
+            </a:gs>
+          </a:gsLst>
+          <a:path path="circle">
+            <a:fillToRect l="50000" t="50000" r="50000" b="50000"/>
+          </a:path>
+        </a:gradFill>
+      </a:bgFillStyleLst>
+    </a:fmtScheme>
+  </a:themeElements>
+</a:theme>
+</file>
+
+<file path=ppt/theme/theme2.xml><?xml version="1.0" encoding="utf-8"?>
 <a:theme xmlns:a="http://schemas.openxmlformats.org/drawingml/2006/main" xmlns:r="http://schemas.openxmlformats.org/officeDocument/2006/relationships" name="Custom Theme">
   <a:themeElements>
     <a:clrScheme name="Default">
@@ -17709,283 +20394,4 @@
     </a:fmtScheme>
   </a:themeElements>
 </a:theme>
-</file>
-
-<file path=ppt/theme/theme2.xml><?xml version="1.0" encoding="utf-8"?>
-<a:theme xmlns:a="http://schemas.openxmlformats.org/drawingml/2006/main" xmlns:r="http://schemas.openxmlformats.org/officeDocument/2006/relationships" name="Office Theme">
-  <a:themeElements>
-    <a:clrScheme name="Office">
-      <a:dk1>
-        <a:srgbClr val="000000"/>
-      </a:dk1>
-      <a:lt1>
-        <a:srgbClr val="FFFFFF"/>
-      </a:lt1>
-      <a:dk2>
-        <a:srgbClr val="1F497D"/>
-      </a:dk2>
-      <a:lt2>
-        <a:srgbClr val="EEECE1"/>
-      </a:lt2>
-      <a:accent1>
-        <a:srgbClr val="4F81BD"/>
-      </a:accent1>
-      <a:accent2>
-        <a:srgbClr val="C0504D"/>
-      </a:accent2>
-      <a:accent3>
-        <a:srgbClr val="9BBB59"/>
-      </a:accent3>
-      <a:accent4>
-        <a:srgbClr val="8064A2"/>
-      </a:accent4>
-      <a:accent5>
-        <a:srgbClr val="4BACC6"/>
-      </a:accent5>
-      <a:accent6>
-        <a:srgbClr val="F79646"/>
-      </a:accent6>
-      <a:hlink>
-        <a:srgbClr val="0000FF"/>
-      </a:hlink>
-      <a:folHlink>
-        <a:srgbClr val="800080"/>
-      </a:folHlink>
-    </a:clrScheme>
-    <a:fontScheme name="Office">
-      <a:majorFont>
-        <a:latin typeface="Arial"/>
-        <a:ea typeface=""/>
-        <a:cs typeface=""/>
-        <a:font script="Jpan" typeface="ＭＳ Ｐゴシック"/>
-        <a:font script="Hang" typeface="맑은 고딕"/>
-        <a:font script="Hans" typeface="宋体"/>
-        <a:font script="Hant" typeface="新細明體"/>
-        <a:font script="Arab" typeface="Times New Roman"/>
-        <a:font script="Hebr" typeface="Times New Roman"/>
-        <a:font script="Thai" typeface="Angsana New"/>
-        <a:font script="Ethi" typeface="Nyala"/>
-        <a:font script="Beng" typeface="Vrinda"/>
-        <a:font script="Gujr" typeface="Shruti"/>
-        <a:font script="Khmr" typeface="MoolBoran"/>
-        <a:font script="Knda" typeface="Tunga"/>
-        <a:font script="Guru" typeface="Raavi"/>
-        <a:font script="Cans" typeface="Euphemia"/>
-        <a:font script="Cher" typeface="Plantagenet Cherokee"/>
-        <a:font script="Yiii" typeface="Microsoft Yi Baiti"/>
-        <a:font script="Tibt" typeface="Microsoft Himalaya"/>
-        <a:font script="Thaa" typeface="MV Boli"/>
-        <a:font script="Deva" typeface="Mangal"/>
-        <a:font script="Telu" typeface="Gautami"/>
-        <a:font script="Taml" typeface="Latha"/>
-        <a:font script="Syrc" typeface="Estrangelo Edessa"/>
-        <a:font script="Orya" typeface="Kalinga"/>
-        <a:font script="Mlym" typeface="Kartika"/>
-        <a:font script="Laoo" typeface="DokChampa"/>
-        <a:font script="Sinh" typeface="Iskoola Pota"/>
-        <a:font script="Mong" typeface="Mongolian Baiti"/>
-        <a:font script="Viet" typeface="Times New Roman"/>
-        <a:font script="Uigh" typeface="Microsoft Uighur"/>
-        <a:font script="Geor" typeface="Sylfaen"/>
-      </a:majorFont>
-      <a:minorFont>
-        <a:latin typeface="Arial"/>
-        <a:ea typeface=""/>
-        <a:cs typeface=""/>
-        <a:font script="Jpan" typeface="ＭＳ Ｐゴシック"/>
-        <a:font script="Hang" typeface="맑은 고딕"/>
-        <a:font script="Hans" typeface="宋体"/>
-        <a:font script="Hant" typeface="新細明體"/>
-        <a:font script="Arab" typeface="Arial"/>
-        <a:font script="Hebr" typeface="Arial"/>
-        <a:font script="Thai" typeface="Cordia New"/>
-        <a:font script="Ethi" typeface="Nyala"/>
-        <a:font script="Beng" typeface="Vrinda"/>
-        <a:font script="Gujr" typeface="Shruti"/>
-        <a:font script="Khmr" typeface="DaunPenh"/>
-        <a:font script="Knda" typeface="Tunga"/>
-        <a:font script="Guru" typeface="Raavi"/>
-        <a:font script="Cans" typeface="Euphemia"/>
-        <a:font script="Cher" typeface="Plantagenet Cherokee"/>
-        <a:font script="Yiii" typeface="Microsoft Yi Baiti"/>
-        <a:font script="Tibt" typeface="Microsoft Himalaya"/>
-        <a:font script="Thaa" typeface="MV Boli"/>
-        <a:font script="Deva" typeface="Mangal"/>
-        <a:font script="Telu" typeface="Gautami"/>
-        <a:font script="Taml" typeface="Latha"/>
-        <a:font script="Syrc" typeface="Estrangelo Edessa"/>
-        <a:font script="Orya" typeface="Kalinga"/>
-        <a:font script="Mlym" typeface="Kartika"/>
-        <a:font script="Laoo" typeface="DokChampa"/>
-        <a:font script="Sinh" typeface="Iskoola Pota"/>
-        <a:font script="Mong" typeface="Mongolian Baiti"/>
-        <a:font script="Viet" typeface="Arial"/>
-        <a:font script="Uigh" typeface="Microsoft Uighur"/>
-        <a:font script="Geor" typeface="Sylfaen"/>
-      </a:minorFont>
-    </a:fontScheme>
-    <a:fmtScheme name="Office">
-      <a:fillStyleLst>
-        <a:solidFill>
-          <a:schemeClr val="phClr"/>
-        </a:solidFill>
-        <a:gradFill rotWithShape="1">
-          <a:gsLst>
-            <a:gs pos="0">
-              <a:schemeClr val="phClr">
-                <a:tint val="50000"/>
-                <a:satMod val="300000"/>
-              </a:schemeClr>
-            </a:gs>
-            <a:gs pos="35000">
-              <a:schemeClr val="phClr">
-                <a:tint val="37000"/>
-                <a:satMod val="300000"/>
-              </a:schemeClr>
-            </a:gs>
-            <a:gs pos="100000">
-              <a:schemeClr val="phClr">
-                <a:tint val="15000"/>
-                <a:satMod val="350000"/>
-              </a:schemeClr>
-            </a:gs>
-          </a:gsLst>
-          <a:lin ang="16200000" scaled="1"/>
-        </a:gradFill>
-        <a:gradFill rotWithShape="1">
-          <a:gsLst>
-            <a:gs pos="0">
-              <a:schemeClr val="phClr">
-                <a:tint val="100000"/>
-                <a:shade val="100000"/>
-                <a:satMod val="130000"/>
-              </a:schemeClr>
-            </a:gs>
-            <a:gs pos="100000">
-              <a:schemeClr val="phClr">
-                <a:tint val="50000"/>
-                <a:shade val="100000"/>
-                <a:satMod val="350000"/>
-              </a:schemeClr>
-            </a:gs>
-          </a:gsLst>
-          <a:lin ang="16200000" scaled="0"/>
-        </a:gradFill>
-      </a:fillStyleLst>
-      <a:lnStyleLst>
-        <a:ln w="9525" cap="flat" cmpd="sng" algn="ctr">
-          <a:solidFill>
-            <a:schemeClr val="phClr">
-              <a:shade val="95000"/>
-              <a:satMod val="105000"/>
-            </a:schemeClr>
-          </a:solidFill>
-          <a:prstDash val="solid"/>
-        </a:ln>
-        <a:ln w="25400" cap="flat" cmpd="sng" algn="ctr">
-          <a:solidFill>
-            <a:schemeClr val="phClr"/>
-          </a:solidFill>
-          <a:prstDash val="solid"/>
-        </a:ln>
-        <a:ln w="38100" cap="flat" cmpd="sng" algn="ctr">
-          <a:solidFill>
-            <a:schemeClr val="phClr"/>
-          </a:solidFill>
-          <a:prstDash val="solid"/>
-        </a:ln>
-      </a:lnStyleLst>
-      <a:effectStyleLst>
-        <a:effectStyle>
-          <a:effectLst>
-            <a:outerShdw blurRad="40000" dist="20000" dir="5400000" rotWithShape="0">
-              <a:srgbClr val="000000">
-                <a:alpha val="38000"/>
-              </a:srgbClr>
-            </a:outerShdw>
-          </a:effectLst>
-        </a:effectStyle>
-        <a:effectStyle>
-          <a:effectLst>
-            <a:outerShdw blurRad="40000" dist="23000" dir="5400000" rotWithShape="0">
-              <a:srgbClr val="000000">
-                <a:alpha val="35000"/>
-              </a:srgbClr>
-            </a:outerShdw>
-          </a:effectLst>
-        </a:effectStyle>
-        <a:effectStyle>
-          <a:effectLst>
-            <a:outerShdw blurRad="40000" dist="23000" dir="5400000" rotWithShape="0">
-              <a:srgbClr val="000000">
-                <a:alpha val="35000"/>
-              </a:srgbClr>
-            </a:outerShdw>
-          </a:effectLst>
-          <a:scene3d>
-            <a:camera prst="orthographicFront">
-              <a:rot lat="0" lon="0" rev="0"/>
-            </a:camera>
-            <a:lightRig rig="threePt" dir="t">
-              <a:rot lat="0" lon="0" rev="1200000"/>
-            </a:lightRig>
-          </a:scene3d>
-          <a:sp3d>
-            <a:bevelT w="63500" h="25400"/>
-          </a:sp3d>
-        </a:effectStyle>
-      </a:effectStyleLst>
-      <a:bgFillStyleLst>
-        <a:solidFill>
-          <a:schemeClr val="phClr"/>
-        </a:solidFill>
-        <a:gradFill rotWithShape="1">
-          <a:gsLst>
-            <a:gs pos="0">
-              <a:schemeClr val="phClr">
-                <a:tint val="40000"/>
-                <a:satMod val="350000"/>
-              </a:schemeClr>
-            </a:gs>
-            <a:gs pos="40000">
-              <a:schemeClr val="phClr">
-                <a:tint val="45000"/>
-                <a:shade val="99000"/>
-                <a:satMod val="350000"/>
-              </a:schemeClr>
-            </a:gs>
-            <a:gs pos="100000">
-              <a:schemeClr val="phClr">
-                <a:shade val="20000"/>
-                <a:satMod val="255000"/>
-              </a:schemeClr>
-            </a:gs>
-          </a:gsLst>
-          <a:path path="circle">
-            <a:fillToRect l="50000" t="-80000" r="50000" b="180000"/>
-          </a:path>
-        </a:gradFill>
-        <a:gradFill rotWithShape="1">
-          <a:gsLst>
-            <a:gs pos="0">
-              <a:schemeClr val="phClr">
-                <a:tint val="80000"/>
-                <a:satMod val="300000"/>
-              </a:schemeClr>
-            </a:gs>
-            <a:gs pos="100000">
-              <a:schemeClr val="phClr">
-                <a:shade val="30000"/>
-                <a:satMod val="200000"/>
-              </a:schemeClr>
-            </a:gs>
-          </a:gsLst>
-          <a:path path="circle">
-            <a:fillToRect l="50000" t="50000" r="50000" b="50000"/>
-          </a:path>
-        </a:gradFill>
-      </a:bgFillStyleLst>
-    </a:fmtScheme>
-  </a:themeElements>
-</a:theme>
 </file>
--- a/Project Release Plan.pptx
+++ b/Project Release Plan.pptx
@@ -15732,7 +15732,7 @@
             <a:tbl>
               <a:tblPr>
                 <a:noFill/>
-                <a:tableStyleId>{F9FAA889-1A48-47E3-8C30-9ADBCAF07F77}</a:tableStyleId>
+                <a:tableStyleId>{0C749576-1870-4167-B028-6FB58F908C4B}</a:tableStyleId>
               </a:tblPr>
               <a:tblGrid>
                 <a:gridCol w="3619500"/>
@@ -16528,7 +16528,7 @@
             <a:tbl>
               <a:tblPr>
                 <a:noFill/>
-                <a:tableStyleId>{F9FAA889-1A48-47E3-8C30-9ADBCAF07F77}</a:tableStyleId>
+                <a:tableStyleId>{0C749576-1870-4167-B028-6FB58F908C4B}</a:tableStyleId>
               </a:tblPr>
               <a:tblGrid>
                 <a:gridCol w="3619500"/>
@@ -16825,6 +16825,11 @@
                         <a:spcAft>
                           <a:spcPts val="0"/>
                         </a:spcAft>
+                        <a:buClr>
+                          <a:schemeClr val="dk1"/>
+                        </a:buClr>
+                        <a:buSzPts val="1100"/>
+                        <a:buFont typeface="Arial"/>
                         <a:buNone/>
                       </a:pPr>
                       <a:r>
@@ -16833,7 +16838,7 @@
                             <a:schemeClr val="dk1"/>
                           </a:solidFill>
                         </a:rPr>
-                        <a:t>As a DFS player, I want an export to csv so all I don’t have to spend time manually doing it myself</a:t>
+                        <a:t>As a DFS player I want a large amount of possible ‘constraints’(5+) so I can just plug in my data without modifying it and without</a:t>
                       </a:r>
                       <a:endParaRPr sz="1100">
                         <a:solidFill>
@@ -16895,7 +16900,7 @@
                             <a:schemeClr val="dk1"/>
                           </a:solidFill>
                         </a:rPr>
-                        <a:t>Be able to produce optimized lineups</a:t>
+                        <a:t>  Be able to create non-trivial constraints based on user’s own insights</a:t>
                       </a:r>
                       <a:endParaRPr sz="1100">
                         <a:solidFill>
@@ -17526,7 +17531,7 @@
             <a:tbl>
               <a:tblPr>
                 <a:noFill/>
-                <a:tableStyleId>{F9FAA889-1A48-47E3-8C30-9ADBCAF07F77}</a:tableStyleId>
+                <a:tableStyleId>{0C749576-1870-4167-B028-6FB58F908C4B}</a:tableStyleId>
               </a:tblPr>
               <a:tblGrid>
                 <a:gridCol w="3619500"/>
@@ -17616,12 +17621,39 @@
                         <a:buNone/>
                       </a:pPr>
                       <a:r>
+                        <a:t/>
+                      </a:r>
+                      <a:endParaRPr sz="1100">
+                        <a:solidFill>
+                          <a:schemeClr val="dk1"/>
+                        </a:solidFill>
+                      </a:endParaRPr>
+                    </a:p>
+                    <a:p>
+                      <a:pPr indent="0" lvl="0" marL="0" rtl="0">
+                        <a:lnSpc>
+                          <a:spcPct val="115000"/>
+                        </a:lnSpc>
+                        <a:spcBef>
+                          <a:spcPts val="0"/>
+                        </a:spcBef>
+                        <a:spcAft>
+                          <a:spcPts val="0"/>
+                        </a:spcAft>
+                        <a:buClr>
+                          <a:schemeClr val="dk1"/>
+                        </a:buClr>
+                        <a:buSzPts val="1100"/>
+                        <a:buFont typeface="Arial"/>
+                        <a:buNone/>
+                      </a:pPr>
+                      <a:r>
                         <a:rPr lang="en-US" sz="1100">
                           <a:solidFill>
                             <a:schemeClr val="dk1"/>
                           </a:solidFill>
                         </a:rPr>
-                        <a:t>As a DFS player I want a large amount of possible ‘constraints’(5+) so I can just plug in my data without modifying it and without</a:t>
+                        <a:t>I want to be able to export as csv so that I don’t have to spend time manually doing it myself</a:t>
                       </a:r>
                       <a:endParaRPr sz="1100">
                         <a:solidFill>
@@ -17661,7 +17693,33 @@
                             <a:schemeClr val="dk1"/>
                           </a:solidFill>
                         </a:rPr>
-                        <a:t> Be able to create non-trivial constraints based on user’s own insights</a:t>
+                        <a:t>Be able to produce optimized lineups</a:t>
+                      </a:r>
+                      <a:endParaRPr sz="1100">
+                        <a:solidFill>
+                          <a:schemeClr val="dk1"/>
+                        </a:solidFill>
+                      </a:endParaRPr>
+                    </a:p>
+                    <a:p>
+                      <a:pPr indent="-298450" lvl="0" marL="457200" rtl="0">
+                        <a:lnSpc>
+                          <a:spcPct val="115000"/>
+                        </a:lnSpc>
+                        <a:spcBef>
+                          <a:spcPts val="0"/>
+                        </a:spcBef>
+                        <a:spcAft>
+                          <a:spcPts val="0"/>
+                        </a:spcAft>
+                        <a:buClr>
+                          <a:schemeClr val="dk1"/>
+                        </a:buClr>
+                        <a:buSzPts val="1100"/>
+                        <a:buChar char="●"/>
+                      </a:pPr>
+                      <a:r>
+                        <a:t/>
                       </a:r>
                       <a:endParaRPr sz="1100">
                         <a:solidFill>
